--- a/Documentation/Presentations/Demo9May.pptx
+++ b/Documentation/Presentations/Demo9May.pptx
@@ -6,11 +6,14 @@
   </p:sldMasterIdLst>
   <p:sldIdLst>
     <p:sldId id="256" r:id="rId2"/>
-    <p:sldId id="261" r:id="rId3"/>
-    <p:sldId id="257" r:id="rId4"/>
-    <p:sldId id="259" r:id="rId5"/>
-    <p:sldId id="258" r:id="rId6"/>
-    <p:sldId id="260" r:id="rId7"/>
+    <p:sldId id="263" r:id="rId3"/>
+    <p:sldId id="264" r:id="rId4"/>
+    <p:sldId id="261" r:id="rId5"/>
+    <p:sldId id="257" r:id="rId6"/>
+    <p:sldId id="259" r:id="rId7"/>
+    <p:sldId id="258" r:id="rId8"/>
+    <p:sldId id="262" r:id="rId9"/>
+    <p:sldId id="260" r:id="rId10"/>
   </p:sldIdLst>
   <p:sldSz cx="12192000" cy="6858000"/>
   <p:notesSz cx="6858000" cy="9144000"/>
@@ -109,6 +112,11 @@
       </a:defRPr>
     </a:lvl9pPr>
   </p:defaultTextStyle>
+  <p:extLst>
+    <p:ext uri="{EFAFB233-063F-42B5-8137-9DF3F51BA10A}">
+      <p15:sldGuideLst xmlns:p15="http://schemas.microsoft.com/office/powerpoint/2012/main"/>
+    </p:ext>
+  </p:extLst>
 </p:presentation>
 </file>
 
@@ -1033,7 +1041,2398 @@
 </dgm:colorsDef>
 </file>
 
+<file path=ppt/diagrams/colors2.xml><?xml version="1.0" encoding="utf-8"?>
+<dgm:colorsDef xmlns:dgm="http://schemas.openxmlformats.org/drawingml/2006/diagram" xmlns:a="http://schemas.openxmlformats.org/drawingml/2006/main" uniqueId="urn:microsoft.com/office/officeart/2005/8/colors/accent1_2">
+  <dgm:title val=""/>
+  <dgm:desc val=""/>
+  <dgm:catLst>
+    <dgm:cat type="accent1" pri="11200"/>
+  </dgm:catLst>
+  <dgm:styleLbl name="node0">
+    <dgm:fillClrLst meth="repeat">
+      <a:schemeClr val="accent1"/>
+    </dgm:fillClrLst>
+    <dgm:linClrLst meth="repeat">
+      <a:schemeClr val="lt1"/>
+    </dgm:linClrLst>
+    <dgm:effectClrLst/>
+    <dgm:txLinClrLst/>
+    <dgm:txFillClrLst/>
+    <dgm:txEffectClrLst/>
+  </dgm:styleLbl>
+  <dgm:styleLbl name="alignNode1">
+    <dgm:fillClrLst meth="repeat">
+      <a:schemeClr val="accent1"/>
+    </dgm:fillClrLst>
+    <dgm:linClrLst meth="repeat">
+      <a:schemeClr val="accent1"/>
+    </dgm:linClrLst>
+    <dgm:effectClrLst/>
+    <dgm:txLinClrLst/>
+    <dgm:txFillClrLst/>
+    <dgm:txEffectClrLst/>
+  </dgm:styleLbl>
+  <dgm:styleLbl name="node1">
+    <dgm:fillClrLst meth="repeat">
+      <a:schemeClr val="accent1"/>
+    </dgm:fillClrLst>
+    <dgm:linClrLst meth="repeat">
+      <a:schemeClr val="lt1"/>
+    </dgm:linClrLst>
+    <dgm:effectClrLst/>
+    <dgm:txLinClrLst/>
+    <dgm:txFillClrLst/>
+    <dgm:txEffectClrLst/>
+  </dgm:styleLbl>
+  <dgm:styleLbl name="lnNode1">
+    <dgm:fillClrLst meth="repeat">
+      <a:schemeClr val="accent1"/>
+    </dgm:fillClrLst>
+    <dgm:linClrLst meth="repeat">
+      <a:schemeClr val="lt1"/>
+    </dgm:linClrLst>
+    <dgm:effectClrLst/>
+    <dgm:txLinClrLst/>
+    <dgm:txFillClrLst/>
+    <dgm:txEffectClrLst/>
+  </dgm:styleLbl>
+  <dgm:styleLbl name="vennNode1">
+    <dgm:fillClrLst meth="repeat">
+      <a:schemeClr val="accent1">
+        <a:alpha val="50000"/>
+      </a:schemeClr>
+    </dgm:fillClrLst>
+    <dgm:linClrLst meth="repeat">
+      <a:schemeClr val="lt1"/>
+    </dgm:linClrLst>
+    <dgm:effectClrLst/>
+    <dgm:txLinClrLst/>
+    <dgm:txFillClrLst/>
+    <dgm:txEffectClrLst/>
+  </dgm:styleLbl>
+  <dgm:styleLbl name="node2">
+    <dgm:fillClrLst meth="repeat">
+      <a:schemeClr val="accent1"/>
+    </dgm:fillClrLst>
+    <dgm:linClrLst meth="repeat">
+      <a:schemeClr val="lt1"/>
+    </dgm:linClrLst>
+    <dgm:effectClrLst/>
+    <dgm:txLinClrLst/>
+    <dgm:txFillClrLst/>
+    <dgm:txEffectClrLst/>
+  </dgm:styleLbl>
+  <dgm:styleLbl name="node3">
+    <dgm:fillClrLst meth="repeat">
+      <a:schemeClr val="accent1"/>
+    </dgm:fillClrLst>
+    <dgm:linClrLst meth="repeat">
+      <a:schemeClr val="lt1"/>
+    </dgm:linClrLst>
+    <dgm:effectClrLst/>
+    <dgm:txLinClrLst/>
+    <dgm:txFillClrLst/>
+    <dgm:txEffectClrLst/>
+  </dgm:styleLbl>
+  <dgm:styleLbl name="node4">
+    <dgm:fillClrLst meth="repeat">
+      <a:schemeClr val="accent1"/>
+    </dgm:fillClrLst>
+    <dgm:linClrLst meth="repeat">
+      <a:schemeClr val="lt1"/>
+    </dgm:linClrLst>
+    <dgm:effectClrLst/>
+    <dgm:txLinClrLst/>
+    <dgm:txFillClrLst/>
+    <dgm:txEffectClrLst/>
+  </dgm:styleLbl>
+  <dgm:styleLbl name="fgImgPlace1">
+    <dgm:fillClrLst meth="repeat">
+      <a:schemeClr val="accent1">
+        <a:tint val="50000"/>
+      </a:schemeClr>
+    </dgm:fillClrLst>
+    <dgm:linClrLst meth="repeat">
+      <a:schemeClr val="lt1"/>
+    </dgm:linClrLst>
+    <dgm:effectClrLst/>
+    <dgm:txLinClrLst/>
+    <dgm:txFillClrLst meth="repeat">
+      <a:schemeClr val="lt1"/>
+    </dgm:txFillClrLst>
+    <dgm:txEffectClrLst/>
+  </dgm:styleLbl>
+  <dgm:styleLbl name="alignImgPlace1">
+    <dgm:fillClrLst meth="repeat">
+      <a:schemeClr val="accent1">
+        <a:tint val="50000"/>
+      </a:schemeClr>
+    </dgm:fillClrLst>
+    <dgm:linClrLst meth="repeat">
+      <a:schemeClr val="lt1"/>
+    </dgm:linClrLst>
+    <dgm:effectClrLst/>
+    <dgm:txLinClrLst/>
+    <dgm:txFillClrLst meth="repeat">
+      <a:schemeClr val="lt1"/>
+    </dgm:txFillClrLst>
+    <dgm:txEffectClrLst/>
+  </dgm:styleLbl>
+  <dgm:styleLbl name="bgImgPlace1">
+    <dgm:fillClrLst meth="repeat">
+      <a:schemeClr val="accent1">
+        <a:tint val="50000"/>
+      </a:schemeClr>
+    </dgm:fillClrLst>
+    <dgm:linClrLst meth="repeat">
+      <a:schemeClr val="lt1"/>
+    </dgm:linClrLst>
+    <dgm:effectClrLst/>
+    <dgm:txLinClrLst/>
+    <dgm:txFillClrLst meth="repeat">
+      <a:schemeClr val="lt1"/>
+    </dgm:txFillClrLst>
+    <dgm:txEffectClrLst/>
+  </dgm:styleLbl>
+  <dgm:styleLbl name="sibTrans2D1">
+    <dgm:fillClrLst meth="repeat">
+      <a:schemeClr val="accent1">
+        <a:tint val="60000"/>
+      </a:schemeClr>
+    </dgm:fillClrLst>
+    <dgm:linClrLst meth="repeat">
+      <a:schemeClr val="accent1">
+        <a:tint val="60000"/>
+      </a:schemeClr>
+    </dgm:linClrLst>
+    <dgm:effectClrLst/>
+    <dgm:txLinClrLst/>
+    <dgm:txFillClrLst/>
+    <dgm:txEffectClrLst/>
+  </dgm:styleLbl>
+  <dgm:styleLbl name="fgSibTrans2D1">
+    <dgm:fillClrLst meth="repeat">
+      <a:schemeClr val="accent1">
+        <a:tint val="60000"/>
+      </a:schemeClr>
+    </dgm:fillClrLst>
+    <dgm:linClrLst meth="repeat">
+      <a:schemeClr val="accent1">
+        <a:tint val="60000"/>
+      </a:schemeClr>
+    </dgm:linClrLst>
+    <dgm:effectClrLst/>
+    <dgm:txLinClrLst/>
+    <dgm:txFillClrLst/>
+    <dgm:txEffectClrLst/>
+  </dgm:styleLbl>
+  <dgm:styleLbl name="bgSibTrans2D1">
+    <dgm:fillClrLst meth="repeat">
+      <a:schemeClr val="accent1">
+        <a:tint val="60000"/>
+      </a:schemeClr>
+    </dgm:fillClrLst>
+    <dgm:linClrLst meth="repeat">
+      <a:schemeClr val="accent1">
+        <a:tint val="60000"/>
+      </a:schemeClr>
+    </dgm:linClrLst>
+    <dgm:effectClrLst/>
+    <dgm:txLinClrLst/>
+    <dgm:txFillClrLst/>
+    <dgm:txEffectClrLst/>
+  </dgm:styleLbl>
+  <dgm:styleLbl name="sibTrans1D1">
+    <dgm:fillClrLst meth="repeat">
+      <a:schemeClr val="accent1"/>
+    </dgm:fillClrLst>
+    <dgm:linClrLst meth="repeat">
+      <a:schemeClr val="accent1"/>
+    </dgm:linClrLst>
+    <dgm:effectClrLst/>
+    <dgm:txLinClrLst/>
+    <dgm:txFillClrLst meth="repeat">
+      <a:schemeClr val="tx1"/>
+    </dgm:txFillClrLst>
+    <dgm:txEffectClrLst/>
+  </dgm:styleLbl>
+  <dgm:styleLbl name="callout">
+    <dgm:fillClrLst meth="repeat">
+      <a:schemeClr val="accent1"/>
+    </dgm:fillClrLst>
+    <dgm:linClrLst meth="repeat">
+      <a:schemeClr val="accent1">
+        <a:tint val="50000"/>
+      </a:schemeClr>
+    </dgm:linClrLst>
+    <dgm:effectClrLst/>
+    <dgm:txLinClrLst/>
+    <dgm:txFillClrLst meth="repeat">
+      <a:schemeClr val="tx1"/>
+    </dgm:txFillClrLst>
+    <dgm:txEffectClrLst/>
+  </dgm:styleLbl>
+  <dgm:styleLbl name="asst0">
+    <dgm:fillClrLst meth="repeat">
+      <a:schemeClr val="accent1"/>
+    </dgm:fillClrLst>
+    <dgm:linClrLst meth="repeat">
+      <a:schemeClr val="lt1"/>
+    </dgm:linClrLst>
+    <dgm:effectClrLst/>
+    <dgm:txLinClrLst/>
+    <dgm:txFillClrLst/>
+    <dgm:txEffectClrLst/>
+  </dgm:styleLbl>
+  <dgm:styleLbl name="asst1">
+    <dgm:fillClrLst meth="repeat">
+      <a:schemeClr val="accent1"/>
+    </dgm:fillClrLst>
+    <dgm:linClrLst meth="repeat">
+      <a:schemeClr val="lt1"/>
+    </dgm:linClrLst>
+    <dgm:effectClrLst/>
+    <dgm:txLinClrLst/>
+    <dgm:txFillClrLst/>
+    <dgm:txEffectClrLst/>
+  </dgm:styleLbl>
+  <dgm:styleLbl name="asst2">
+    <dgm:fillClrLst meth="repeat">
+      <a:schemeClr val="accent1"/>
+    </dgm:fillClrLst>
+    <dgm:linClrLst meth="repeat">
+      <a:schemeClr val="lt1"/>
+    </dgm:linClrLst>
+    <dgm:effectClrLst/>
+    <dgm:txLinClrLst/>
+    <dgm:txFillClrLst/>
+    <dgm:txEffectClrLst/>
+  </dgm:styleLbl>
+  <dgm:styleLbl name="asst3">
+    <dgm:fillClrLst meth="repeat">
+      <a:schemeClr val="accent1"/>
+    </dgm:fillClrLst>
+    <dgm:linClrLst meth="repeat">
+      <a:schemeClr val="lt1"/>
+    </dgm:linClrLst>
+    <dgm:effectClrLst/>
+    <dgm:txLinClrLst/>
+    <dgm:txFillClrLst/>
+    <dgm:txEffectClrLst/>
+  </dgm:styleLbl>
+  <dgm:styleLbl name="asst4">
+    <dgm:fillClrLst meth="repeat">
+      <a:schemeClr val="accent1"/>
+    </dgm:fillClrLst>
+    <dgm:linClrLst meth="repeat">
+      <a:schemeClr val="lt1"/>
+    </dgm:linClrLst>
+    <dgm:effectClrLst/>
+    <dgm:txLinClrLst/>
+    <dgm:txFillClrLst/>
+    <dgm:txEffectClrLst/>
+  </dgm:styleLbl>
+  <dgm:styleLbl name="parChTrans2D1">
+    <dgm:fillClrLst meth="repeat">
+      <a:schemeClr val="accent1">
+        <a:tint val="60000"/>
+      </a:schemeClr>
+    </dgm:fillClrLst>
+    <dgm:linClrLst meth="repeat">
+      <a:schemeClr val="accent1">
+        <a:tint val="60000"/>
+      </a:schemeClr>
+    </dgm:linClrLst>
+    <dgm:effectClrLst/>
+    <dgm:txLinClrLst/>
+    <dgm:txFillClrLst meth="repeat">
+      <a:schemeClr val="lt1"/>
+    </dgm:txFillClrLst>
+    <dgm:txEffectClrLst/>
+  </dgm:styleLbl>
+  <dgm:styleLbl name="parChTrans2D2">
+    <dgm:fillClrLst meth="repeat">
+      <a:schemeClr val="accent1"/>
+    </dgm:fillClrLst>
+    <dgm:linClrLst meth="repeat">
+      <a:schemeClr val="accent1"/>
+    </dgm:linClrLst>
+    <dgm:effectClrLst/>
+    <dgm:txLinClrLst/>
+    <dgm:txFillClrLst meth="repeat">
+      <a:schemeClr val="lt1"/>
+    </dgm:txFillClrLst>
+    <dgm:txEffectClrLst/>
+  </dgm:styleLbl>
+  <dgm:styleLbl name="parChTrans2D3">
+    <dgm:fillClrLst meth="repeat">
+      <a:schemeClr val="accent1"/>
+    </dgm:fillClrLst>
+    <dgm:linClrLst meth="repeat">
+      <a:schemeClr val="accent1"/>
+    </dgm:linClrLst>
+    <dgm:effectClrLst/>
+    <dgm:txLinClrLst/>
+    <dgm:txFillClrLst meth="repeat">
+      <a:schemeClr val="lt1"/>
+    </dgm:txFillClrLst>
+    <dgm:txEffectClrLst/>
+  </dgm:styleLbl>
+  <dgm:styleLbl name="parChTrans2D4">
+    <dgm:fillClrLst meth="repeat">
+      <a:schemeClr val="accent1"/>
+    </dgm:fillClrLst>
+    <dgm:linClrLst meth="repeat">
+      <a:schemeClr val="accent1"/>
+    </dgm:linClrLst>
+    <dgm:effectClrLst/>
+    <dgm:txLinClrLst/>
+    <dgm:txFillClrLst meth="repeat">
+      <a:schemeClr val="lt1"/>
+    </dgm:txFillClrLst>
+    <dgm:txEffectClrLst/>
+  </dgm:styleLbl>
+  <dgm:styleLbl name="parChTrans1D1">
+    <dgm:fillClrLst meth="repeat">
+      <a:schemeClr val="accent1"/>
+    </dgm:fillClrLst>
+    <dgm:linClrLst meth="repeat">
+      <a:schemeClr val="accent1">
+        <a:shade val="60000"/>
+      </a:schemeClr>
+    </dgm:linClrLst>
+    <dgm:effectClrLst/>
+    <dgm:txLinClrLst/>
+    <dgm:txFillClrLst meth="repeat">
+      <a:schemeClr val="tx1"/>
+    </dgm:txFillClrLst>
+    <dgm:txEffectClrLst/>
+  </dgm:styleLbl>
+  <dgm:styleLbl name="parChTrans1D2">
+    <dgm:fillClrLst meth="repeat">
+      <a:schemeClr val="accent1"/>
+    </dgm:fillClrLst>
+    <dgm:linClrLst meth="repeat">
+      <a:schemeClr val="accent1">
+        <a:shade val="60000"/>
+      </a:schemeClr>
+    </dgm:linClrLst>
+    <dgm:effectClrLst/>
+    <dgm:txLinClrLst/>
+    <dgm:txFillClrLst meth="repeat">
+      <a:schemeClr val="tx1"/>
+    </dgm:txFillClrLst>
+    <dgm:txEffectClrLst/>
+  </dgm:styleLbl>
+  <dgm:styleLbl name="parChTrans1D3">
+    <dgm:fillClrLst meth="repeat">
+      <a:schemeClr val="accent1"/>
+    </dgm:fillClrLst>
+    <dgm:linClrLst meth="repeat">
+      <a:schemeClr val="accent1">
+        <a:shade val="80000"/>
+      </a:schemeClr>
+    </dgm:linClrLst>
+    <dgm:effectClrLst/>
+    <dgm:txLinClrLst/>
+    <dgm:txFillClrLst meth="repeat">
+      <a:schemeClr val="tx1"/>
+    </dgm:txFillClrLst>
+    <dgm:txEffectClrLst/>
+  </dgm:styleLbl>
+  <dgm:styleLbl name="parChTrans1D4">
+    <dgm:fillClrLst meth="repeat">
+      <a:schemeClr val="accent1"/>
+    </dgm:fillClrLst>
+    <dgm:linClrLst meth="repeat">
+      <a:schemeClr val="accent1">
+        <a:shade val="80000"/>
+      </a:schemeClr>
+    </dgm:linClrLst>
+    <dgm:effectClrLst/>
+    <dgm:txLinClrLst/>
+    <dgm:txFillClrLst meth="repeat">
+      <a:schemeClr val="tx1"/>
+    </dgm:txFillClrLst>
+    <dgm:txEffectClrLst/>
+  </dgm:styleLbl>
+  <dgm:styleLbl name="fgAcc1">
+    <dgm:fillClrLst meth="repeat">
+      <a:schemeClr val="lt1">
+        <a:alpha val="90000"/>
+      </a:schemeClr>
+    </dgm:fillClrLst>
+    <dgm:linClrLst meth="repeat">
+      <a:schemeClr val="accent1"/>
+    </dgm:linClrLst>
+    <dgm:effectClrLst/>
+    <dgm:txLinClrLst/>
+    <dgm:txFillClrLst meth="repeat">
+      <a:schemeClr val="dk1"/>
+    </dgm:txFillClrLst>
+    <dgm:txEffectClrLst/>
+  </dgm:styleLbl>
+  <dgm:styleLbl name="conFgAcc1">
+    <dgm:fillClrLst meth="repeat">
+      <a:schemeClr val="lt1">
+        <a:alpha val="90000"/>
+      </a:schemeClr>
+    </dgm:fillClrLst>
+    <dgm:linClrLst meth="repeat">
+      <a:schemeClr val="accent1"/>
+    </dgm:linClrLst>
+    <dgm:effectClrLst/>
+    <dgm:txLinClrLst/>
+    <dgm:txFillClrLst meth="repeat">
+      <a:schemeClr val="dk1"/>
+    </dgm:txFillClrLst>
+    <dgm:txEffectClrLst/>
+  </dgm:styleLbl>
+  <dgm:styleLbl name="alignAcc1">
+    <dgm:fillClrLst meth="repeat">
+      <a:schemeClr val="lt1">
+        <a:alpha val="90000"/>
+      </a:schemeClr>
+    </dgm:fillClrLst>
+    <dgm:linClrLst meth="repeat">
+      <a:schemeClr val="accent1"/>
+    </dgm:linClrLst>
+    <dgm:effectClrLst/>
+    <dgm:txLinClrLst/>
+    <dgm:txFillClrLst meth="repeat">
+      <a:schemeClr val="dk1"/>
+    </dgm:txFillClrLst>
+    <dgm:txEffectClrLst/>
+  </dgm:styleLbl>
+  <dgm:styleLbl name="trAlignAcc1">
+    <dgm:fillClrLst meth="repeat">
+      <a:schemeClr val="lt1">
+        <a:alpha val="40000"/>
+      </a:schemeClr>
+    </dgm:fillClrLst>
+    <dgm:linClrLst meth="repeat">
+      <a:schemeClr val="accent1"/>
+    </dgm:linClrLst>
+    <dgm:effectClrLst/>
+    <dgm:txLinClrLst/>
+    <dgm:txFillClrLst meth="repeat">
+      <a:schemeClr val="dk1"/>
+    </dgm:txFillClrLst>
+    <dgm:txEffectClrLst/>
+  </dgm:styleLbl>
+  <dgm:styleLbl name="bgAcc1">
+    <dgm:fillClrLst meth="repeat">
+      <a:schemeClr val="lt1">
+        <a:alpha val="90000"/>
+      </a:schemeClr>
+    </dgm:fillClrLst>
+    <dgm:linClrLst meth="repeat">
+      <a:schemeClr val="accent1"/>
+    </dgm:linClrLst>
+    <dgm:effectClrLst/>
+    <dgm:txLinClrLst/>
+    <dgm:txFillClrLst meth="repeat">
+      <a:schemeClr val="dk1"/>
+    </dgm:txFillClrLst>
+    <dgm:txEffectClrLst/>
+  </dgm:styleLbl>
+  <dgm:styleLbl name="solidFgAcc1">
+    <dgm:fillClrLst meth="repeat">
+      <a:schemeClr val="lt1"/>
+    </dgm:fillClrLst>
+    <dgm:linClrLst meth="repeat">
+      <a:schemeClr val="accent1"/>
+    </dgm:linClrLst>
+    <dgm:effectClrLst/>
+    <dgm:txLinClrLst/>
+    <dgm:txFillClrLst meth="repeat">
+      <a:schemeClr val="dk1"/>
+    </dgm:txFillClrLst>
+    <dgm:txEffectClrLst/>
+  </dgm:styleLbl>
+  <dgm:styleLbl name="solidAlignAcc1">
+    <dgm:fillClrLst meth="repeat">
+      <a:schemeClr val="lt1"/>
+    </dgm:fillClrLst>
+    <dgm:linClrLst meth="repeat">
+      <a:schemeClr val="accent1"/>
+    </dgm:linClrLst>
+    <dgm:effectClrLst/>
+    <dgm:txLinClrLst/>
+    <dgm:txFillClrLst meth="repeat">
+      <a:schemeClr val="dk1"/>
+    </dgm:txFillClrLst>
+    <dgm:txEffectClrLst/>
+  </dgm:styleLbl>
+  <dgm:styleLbl name="solidBgAcc1">
+    <dgm:fillClrLst meth="repeat">
+      <a:schemeClr val="lt1"/>
+    </dgm:fillClrLst>
+    <dgm:linClrLst meth="repeat">
+      <a:schemeClr val="accent1"/>
+    </dgm:linClrLst>
+    <dgm:effectClrLst/>
+    <dgm:txLinClrLst/>
+    <dgm:txFillClrLst meth="repeat">
+      <a:schemeClr val="dk1"/>
+    </dgm:txFillClrLst>
+    <dgm:txEffectClrLst/>
+  </dgm:styleLbl>
+  <dgm:styleLbl name="fgAccFollowNode1">
+    <dgm:fillClrLst meth="repeat">
+      <a:schemeClr val="accent1">
+        <a:alpha val="90000"/>
+        <a:tint val="40000"/>
+      </a:schemeClr>
+    </dgm:fillClrLst>
+    <dgm:linClrLst meth="repeat">
+      <a:schemeClr val="accent1">
+        <a:alpha val="90000"/>
+        <a:tint val="40000"/>
+      </a:schemeClr>
+    </dgm:linClrLst>
+    <dgm:effectClrLst/>
+    <dgm:txLinClrLst/>
+    <dgm:txFillClrLst meth="repeat">
+      <a:schemeClr val="dk1"/>
+    </dgm:txFillClrLst>
+    <dgm:txEffectClrLst/>
+  </dgm:styleLbl>
+  <dgm:styleLbl name="alignAccFollowNode1">
+    <dgm:fillClrLst meth="repeat">
+      <a:schemeClr val="accent1">
+        <a:alpha val="90000"/>
+        <a:tint val="40000"/>
+      </a:schemeClr>
+    </dgm:fillClrLst>
+    <dgm:linClrLst meth="repeat">
+      <a:schemeClr val="accent1">
+        <a:alpha val="90000"/>
+        <a:tint val="40000"/>
+      </a:schemeClr>
+    </dgm:linClrLst>
+    <dgm:effectClrLst/>
+    <dgm:txLinClrLst/>
+    <dgm:txFillClrLst meth="repeat">
+      <a:schemeClr val="dk1"/>
+    </dgm:txFillClrLst>
+    <dgm:txEffectClrLst/>
+  </dgm:styleLbl>
+  <dgm:styleLbl name="bgAccFollowNode1">
+    <dgm:fillClrLst meth="repeat">
+      <a:schemeClr val="accent1">
+        <a:alpha val="90000"/>
+        <a:tint val="40000"/>
+      </a:schemeClr>
+    </dgm:fillClrLst>
+    <dgm:linClrLst meth="repeat">
+      <a:schemeClr val="accent1">
+        <a:alpha val="90000"/>
+        <a:tint val="40000"/>
+      </a:schemeClr>
+    </dgm:linClrLst>
+    <dgm:effectClrLst/>
+    <dgm:txLinClrLst/>
+    <dgm:txFillClrLst meth="repeat">
+      <a:schemeClr val="dk1"/>
+    </dgm:txFillClrLst>
+    <dgm:txEffectClrLst/>
+  </dgm:styleLbl>
+  <dgm:styleLbl name="fgAcc0">
+    <dgm:fillClrLst meth="repeat">
+      <a:schemeClr val="lt1">
+        <a:alpha val="90000"/>
+      </a:schemeClr>
+    </dgm:fillClrLst>
+    <dgm:linClrLst meth="repeat">
+      <a:schemeClr val="accent1"/>
+    </dgm:linClrLst>
+    <dgm:effectClrLst/>
+    <dgm:txLinClrLst/>
+    <dgm:txFillClrLst meth="repeat">
+      <a:schemeClr val="dk1"/>
+    </dgm:txFillClrLst>
+    <dgm:txEffectClrLst/>
+  </dgm:styleLbl>
+  <dgm:styleLbl name="fgAcc2">
+    <dgm:fillClrLst meth="repeat">
+      <a:schemeClr val="lt1">
+        <a:alpha val="90000"/>
+      </a:schemeClr>
+    </dgm:fillClrLst>
+    <dgm:linClrLst meth="repeat">
+      <a:schemeClr val="accent1"/>
+    </dgm:linClrLst>
+    <dgm:effectClrLst/>
+    <dgm:txLinClrLst/>
+    <dgm:txFillClrLst meth="repeat">
+      <a:schemeClr val="dk1"/>
+    </dgm:txFillClrLst>
+    <dgm:txEffectClrLst/>
+  </dgm:styleLbl>
+  <dgm:styleLbl name="fgAcc3">
+    <dgm:fillClrLst meth="repeat">
+      <a:schemeClr val="lt1">
+        <a:alpha val="90000"/>
+      </a:schemeClr>
+    </dgm:fillClrLst>
+    <dgm:linClrLst meth="repeat">
+      <a:schemeClr val="accent1"/>
+    </dgm:linClrLst>
+    <dgm:effectClrLst/>
+    <dgm:txLinClrLst/>
+    <dgm:txFillClrLst meth="repeat">
+      <a:schemeClr val="dk1"/>
+    </dgm:txFillClrLst>
+    <dgm:txEffectClrLst/>
+  </dgm:styleLbl>
+  <dgm:styleLbl name="fgAcc4">
+    <dgm:fillClrLst meth="repeat">
+      <a:schemeClr val="lt1">
+        <a:alpha val="90000"/>
+      </a:schemeClr>
+    </dgm:fillClrLst>
+    <dgm:linClrLst meth="repeat">
+      <a:schemeClr val="accent1"/>
+    </dgm:linClrLst>
+    <dgm:effectClrLst/>
+    <dgm:txLinClrLst/>
+    <dgm:txFillClrLst meth="repeat">
+      <a:schemeClr val="dk1"/>
+    </dgm:txFillClrLst>
+    <dgm:txEffectClrLst/>
+  </dgm:styleLbl>
+  <dgm:styleLbl name="bgShp">
+    <dgm:fillClrLst meth="repeat">
+      <a:schemeClr val="accent1">
+        <a:tint val="40000"/>
+      </a:schemeClr>
+    </dgm:fillClrLst>
+    <dgm:linClrLst meth="repeat">
+      <a:schemeClr val="accent1"/>
+    </dgm:linClrLst>
+    <dgm:effectClrLst/>
+    <dgm:txLinClrLst/>
+    <dgm:txFillClrLst meth="repeat">
+      <a:schemeClr val="dk1"/>
+    </dgm:txFillClrLst>
+    <dgm:txEffectClrLst/>
+  </dgm:styleLbl>
+  <dgm:styleLbl name="dkBgShp">
+    <dgm:fillClrLst meth="repeat">
+      <a:schemeClr val="accent1">
+        <a:shade val="80000"/>
+      </a:schemeClr>
+    </dgm:fillClrLst>
+    <dgm:linClrLst meth="repeat">
+      <a:schemeClr val="accent1"/>
+    </dgm:linClrLst>
+    <dgm:effectClrLst/>
+    <dgm:txLinClrLst/>
+    <dgm:txFillClrLst meth="repeat">
+      <a:schemeClr val="lt1"/>
+    </dgm:txFillClrLst>
+    <dgm:txEffectClrLst/>
+  </dgm:styleLbl>
+  <dgm:styleLbl name="trBgShp">
+    <dgm:fillClrLst meth="repeat">
+      <a:schemeClr val="accent1">
+        <a:tint val="50000"/>
+        <a:alpha val="40000"/>
+      </a:schemeClr>
+    </dgm:fillClrLst>
+    <dgm:linClrLst meth="repeat">
+      <a:schemeClr val="accent1"/>
+    </dgm:linClrLst>
+    <dgm:effectClrLst/>
+    <dgm:txLinClrLst/>
+    <dgm:txFillClrLst meth="repeat">
+      <a:schemeClr val="lt1"/>
+    </dgm:txFillClrLst>
+    <dgm:txEffectClrLst/>
+  </dgm:styleLbl>
+  <dgm:styleLbl name="fgShp">
+    <dgm:fillClrLst meth="repeat">
+      <a:schemeClr val="accent1">
+        <a:tint val="60000"/>
+      </a:schemeClr>
+    </dgm:fillClrLst>
+    <dgm:linClrLst meth="repeat">
+      <a:schemeClr val="lt1"/>
+    </dgm:linClrLst>
+    <dgm:effectClrLst/>
+    <dgm:txLinClrLst/>
+    <dgm:txFillClrLst meth="repeat">
+      <a:schemeClr val="dk1"/>
+    </dgm:txFillClrLst>
+    <dgm:txEffectClrLst/>
+  </dgm:styleLbl>
+  <dgm:styleLbl name="revTx">
+    <dgm:fillClrLst meth="repeat">
+      <a:schemeClr val="lt1">
+        <a:alpha val="0"/>
+      </a:schemeClr>
+    </dgm:fillClrLst>
+    <dgm:linClrLst meth="repeat">
+      <a:schemeClr val="dk1">
+        <a:alpha val="0"/>
+      </a:schemeClr>
+    </dgm:linClrLst>
+    <dgm:effectClrLst/>
+    <dgm:txLinClrLst/>
+    <dgm:txFillClrLst meth="repeat">
+      <a:schemeClr val="tx1"/>
+    </dgm:txFillClrLst>
+    <dgm:txEffectClrLst/>
+  </dgm:styleLbl>
+</dgm:colorsDef>
+</file>
+
+<file path=ppt/diagrams/colors3.xml><?xml version="1.0" encoding="utf-8"?>
+<dgm:colorsDef xmlns:dgm="http://schemas.openxmlformats.org/drawingml/2006/diagram" xmlns:a="http://schemas.openxmlformats.org/drawingml/2006/main" uniqueId="urn:microsoft.com/office/officeart/2018/5/colors/Iconchunking_neutralbg_colorful1">
+  <dgm:title val=""/>
+  <dgm:desc val=""/>
+  <dgm:catLst>
+    <dgm:cat type="colorful" pri="10100"/>
+  </dgm:catLst>
+  <dgm:styleLbl name="node0">
+    <dgm:fillClrLst meth="repeat">
+      <a:schemeClr val="accent1"/>
+    </dgm:fillClrLst>
+    <dgm:linClrLst meth="repeat">
+      <a:schemeClr val="lt1"/>
+    </dgm:linClrLst>
+    <dgm:effectClrLst/>
+    <dgm:txLinClrLst/>
+    <dgm:txFillClrLst/>
+    <dgm:txEffectClrLst/>
+  </dgm:styleLbl>
+  <dgm:styleLbl name="node1">
+    <dgm:fillClrLst meth="repeat">
+      <a:schemeClr val="accent2"/>
+      <a:schemeClr val="accent3"/>
+      <a:schemeClr val="accent4"/>
+      <a:schemeClr val="accent5"/>
+      <a:schemeClr val="accent6"/>
+    </dgm:fillClrLst>
+    <dgm:linClrLst meth="repeat">
+      <a:schemeClr val="lt1">
+        <a:alpha val="0"/>
+      </a:schemeClr>
+    </dgm:linClrLst>
+    <dgm:effectClrLst/>
+    <dgm:txLinClrLst/>
+    <dgm:txFillClrLst/>
+    <dgm:txEffectClrLst/>
+  </dgm:styleLbl>
+  <dgm:styleLbl name="alignNode1">
+    <dgm:fillClrLst meth="repeat">
+      <a:schemeClr val="accent2"/>
+      <a:schemeClr val="accent3"/>
+      <a:schemeClr val="accent4"/>
+      <a:schemeClr val="accent5"/>
+      <a:schemeClr val="accent6"/>
+    </dgm:fillClrLst>
+    <dgm:linClrLst meth="repeat">
+      <a:schemeClr val="accent2"/>
+      <a:schemeClr val="accent3"/>
+      <a:schemeClr val="accent4"/>
+      <a:schemeClr val="accent5"/>
+      <a:schemeClr val="accent6"/>
+    </dgm:linClrLst>
+    <dgm:effectClrLst/>
+    <dgm:txLinClrLst/>
+    <dgm:txFillClrLst/>
+    <dgm:txEffectClrLst/>
+  </dgm:styleLbl>
+  <dgm:styleLbl name="lnNode1">
+    <dgm:fillClrLst meth="repeat">
+      <a:schemeClr val="accent2"/>
+      <a:schemeClr val="accent3"/>
+      <a:schemeClr val="accent4"/>
+      <a:schemeClr val="accent5"/>
+      <a:schemeClr val="accent6"/>
+    </dgm:fillClrLst>
+    <dgm:linClrLst meth="repeat">
+      <a:schemeClr val="lt1"/>
+    </dgm:linClrLst>
+    <dgm:effectClrLst/>
+    <dgm:txLinClrLst/>
+    <dgm:txFillClrLst/>
+    <dgm:txEffectClrLst/>
+  </dgm:styleLbl>
+  <dgm:styleLbl name="vennNode1">
+    <dgm:fillClrLst meth="repeat">
+      <a:schemeClr val="accent2">
+        <a:alpha val="50000"/>
+      </a:schemeClr>
+      <a:schemeClr val="accent3">
+        <a:alpha val="50000"/>
+      </a:schemeClr>
+      <a:schemeClr val="accent4">
+        <a:alpha val="50000"/>
+      </a:schemeClr>
+      <a:schemeClr val="accent5">
+        <a:alpha val="50000"/>
+      </a:schemeClr>
+      <a:schemeClr val="accent6">
+        <a:alpha val="50000"/>
+      </a:schemeClr>
+    </dgm:fillClrLst>
+    <dgm:linClrLst meth="repeat">
+      <a:schemeClr val="lt1"/>
+    </dgm:linClrLst>
+    <dgm:effectClrLst/>
+    <dgm:txLinClrLst/>
+    <dgm:txFillClrLst/>
+    <dgm:txEffectClrLst/>
+  </dgm:styleLbl>
+  <dgm:styleLbl name="node2">
+    <dgm:fillClrLst>
+      <a:schemeClr val="accent2"/>
+    </dgm:fillClrLst>
+    <dgm:linClrLst meth="repeat">
+      <a:schemeClr val="lt1"/>
+    </dgm:linClrLst>
+    <dgm:effectClrLst/>
+    <dgm:txLinClrLst/>
+    <dgm:txFillClrLst/>
+    <dgm:txEffectClrLst/>
+  </dgm:styleLbl>
+  <dgm:styleLbl name="node3">
+    <dgm:fillClrLst>
+      <a:schemeClr val="accent3"/>
+    </dgm:fillClrLst>
+    <dgm:linClrLst meth="repeat">
+      <a:schemeClr val="lt1"/>
+    </dgm:linClrLst>
+    <dgm:effectClrLst/>
+    <dgm:txLinClrLst/>
+    <dgm:txFillClrLst/>
+    <dgm:txEffectClrLst/>
+  </dgm:styleLbl>
+  <dgm:styleLbl name="node4">
+    <dgm:fillClrLst>
+      <a:schemeClr val="accent4"/>
+    </dgm:fillClrLst>
+    <dgm:linClrLst meth="repeat">
+      <a:schemeClr val="lt1"/>
+    </dgm:linClrLst>
+    <dgm:effectClrLst/>
+    <dgm:txLinClrLst/>
+    <dgm:txFillClrLst/>
+    <dgm:txEffectClrLst/>
+  </dgm:styleLbl>
+  <dgm:styleLbl name="fgImgPlace1">
+    <dgm:fillClrLst meth="repeat">
+      <a:schemeClr val="accent2">
+        <a:tint val="50000"/>
+      </a:schemeClr>
+      <a:schemeClr val="accent3">
+        <a:tint val="50000"/>
+      </a:schemeClr>
+      <a:schemeClr val="accent4">
+        <a:tint val="50000"/>
+      </a:schemeClr>
+      <a:schemeClr val="accent5">
+        <a:tint val="50000"/>
+      </a:schemeClr>
+      <a:schemeClr val="accent6">
+        <a:tint val="50000"/>
+      </a:schemeClr>
+    </dgm:fillClrLst>
+    <dgm:linClrLst meth="repeat">
+      <a:schemeClr val="lt1"/>
+    </dgm:linClrLst>
+    <dgm:effectClrLst/>
+    <dgm:txLinClrLst/>
+    <dgm:txFillClrLst meth="repeat">
+      <a:schemeClr val="lt1"/>
+    </dgm:txFillClrLst>
+    <dgm:txEffectClrLst/>
+  </dgm:styleLbl>
+  <dgm:styleLbl name="alignImgPlace1">
+    <dgm:fillClrLst>
+      <a:schemeClr val="accent1">
+        <a:tint val="50000"/>
+      </a:schemeClr>
+      <a:schemeClr val="accent2">
+        <a:tint val="20000"/>
+      </a:schemeClr>
+    </dgm:fillClrLst>
+    <dgm:linClrLst meth="repeat">
+      <a:schemeClr val="lt1"/>
+    </dgm:linClrLst>
+    <dgm:effectClrLst/>
+    <dgm:txLinClrLst/>
+    <dgm:txFillClrLst meth="repeat">
+      <a:schemeClr val="lt1"/>
+    </dgm:txFillClrLst>
+    <dgm:txEffectClrLst/>
+  </dgm:styleLbl>
+  <dgm:styleLbl name="bgImgPlace1">
+    <dgm:fillClrLst>
+      <a:schemeClr val="accent1">
+        <a:tint val="50000"/>
+      </a:schemeClr>
+      <a:schemeClr val="accent2">
+        <a:tint val="20000"/>
+      </a:schemeClr>
+    </dgm:fillClrLst>
+    <dgm:linClrLst meth="repeat">
+      <a:schemeClr val="lt1"/>
+    </dgm:linClrLst>
+    <dgm:effectClrLst/>
+    <dgm:txLinClrLst/>
+    <dgm:txFillClrLst meth="repeat">
+      <a:schemeClr val="lt1"/>
+    </dgm:txFillClrLst>
+    <dgm:txEffectClrLst/>
+  </dgm:styleLbl>
+  <dgm:styleLbl name="sibTrans2D1">
+    <dgm:fillClrLst meth="repeat">
+      <a:schemeClr val="accent2"/>
+      <a:schemeClr val="accent3"/>
+      <a:schemeClr val="accent4"/>
+      <a:schemeClr val="accent5"/>
+      <a:schemeClr val="accent6"/>
+    </dgm:fillClrLst>
+    <dgm:linClrLst meth="cycle">
+      <a:schemeClr val="lt1"/>
+    </dgm:linClrLst>
+    <dgm:effectClrLst/>
+    <dgm:txLinClrLst/>
+    <dgm:txFillClrLst/>
+    <dgm:txEffectClrLst/>
+  </dgm:styleLbl>
+  <dgm:styleLbl name="fgSibTrans2D1">
+    <dgm:fillClrLst meth="repeat">
+      <a:schemeClr val="accent2"/>
+      <a:schemeClr val="accent3"/>
+      <a:schemeClr val="accent4"/>
+      <a:schemeClr val="accent5"/>
+      <a:schemeClr val="accent6"/>
+    </dgm:fillClrLst>
+    <dgm:linClrLst meth="cycle">
+      <a:schemeClr val="lt1"/>
+    </dgm:linClrLst>
+    <dgm:effectClrLst/>
+    <dgm:txLinClrLst/>
+    <dgm:txFillClrLst meth="repeat">
+      <a:schemeClr val="lt1"/>
+    </dgm:txFillClrLst>
+    <dgm:txEffectClrLst/>
+  </dgm:styleLbl>
+  <dgm:styleLbl name="bgSibTrans2D1">
+    <dgm:fillClrLst meth="repeat">
+      <a:schemeClr val="accent2"/>
+      <a:schemeClr val="accent3"/>
+      <a:schemeClr val="accent4"/>
+      <a:schemeClr val="accent5"/>
+      <a:schemeClr val="accent6"/>
+    </dgm:fillClrLst>
+    <dgm:linClrLst meth="cycle">
+      <a:schemeClr val="lt1"/>
+    </dgm:linClrLst>
+    <dgm:effectClrLst/>
+    <dgm:txLinClrLst/>
+    <dgm:txFillClrLst meth="repeat">
+      <a:schemeClr val="lt1"/>
+    </dgm:txFillClrLst>
+    <dgm:txEffectClrLst/>
+  </dgm:styleLbl>
+  <dgm:styleLbl name="sibTrans1D1">
+    <dgm:fillClrLst meth="repeat">
+      <a:schemeClr val="accent2"/>
+      <a:schemeClr val="accent3"/>
+      <a:schemeClr val="accent4"/>
+      <a:schemeClr val="accent5"/>
+      <a:schemeClr val="accent6"/>
+    </dgm:fillClrLst>
+    <dgm:linClrLst meth="repeat">
+      <a:schemeClr val="accent2"/>
+      <a:schemeClr val="accent3"/>
+      <a:schemeClr val="accent4"/>
+      <a:schemeClr val="accent5"/>
+      <a:schemeClr val="accent6"/>
+    </dgm:linClrLst>
+    <dgm:effectClrLst/>
+    <dgm:txLinClrLst/>
+    <dgm:txFillClrLst meth="repeat">
+      <a:schemeClr val="tx1"/>
+    </dgm:txFillClrLst>
+    <dgm:txEffectClrLst/>
+  </dgm:styleLbl>
+  <dgm:styleLbl name="callout">
+    <dgm:fillClrLst meth="repeat">
+      <a:schemeClr val="accent2"/>
+    </dgm:fillClrLst>
+    <dgm:linClrLst meth="repeat">
+      <a:schemeClr val="accent2">
+        <a:tint val="50000"/>
+      </a:schemeClr>
+    </dgm:linClrLst>
+    <dgm:effectClrLst/>
+    <dgm:txLinClrLst/>
+    <dgm:txFillClrLst meth="repeat">
+      <a:schemeClr val="tx1"/>
+    </dgm:txFillClrLst>
+    <dgm:txEffectClrLst/>
+  </dgm:styleLbl>
+  <dgm:styleLbl name="asst0">
+    <dgm:fillClrLst meth="repeat">
+      <a:schemeClr val="accent1"/>
+    </dgm:fillClrLst>
+    <dgm:linClrLst meth="repeat">
+      <a:schemeClr val="lt1"/>
+    </dgm:linClrLst>
+    <dgm:effectClrLst/>
+    <dgm:txLinClrLst/>
+    <dgm:txFillClrLst/>
+    <dgm:txEffectClrLst/>
+  </dgm:styleLbl>
+  <dgm:styleLbl name="asst1">
+    <dgm:fillClrLst meth="repeat">
+      <a:schemeClr val="accent2"/>
+    </dgm:fillClrLst>
+    <dgm:linClrLst meth="repeat">
+      <a:schemeClr val="lt1"/>
+    </dgm:linClrLst>
+    <dgm:effectClrLst/>
+    <dgm:txLinClrLst/>
+    <dgm:txFillClrLst/>
+    <dgm:txEffectClrLst/>
+  </dgm:styleLbl>
+  <dgm:styleLbl name="asst2">
+    <dgm:fillClrLst>
+      <a:schemeClr val="accent3"/>
+    </dgm:fillClrLst>
+    <dgm:linClrLst meth="repeat">
+      <a:schemeClr val="lt1"/>
+    </dgm:linClrLst>
+    <dgm:effectClrLst/>
+    <dgm:txLinClrLst/>
+    <dgm:txFillClrLst/>
+    <dgm:txEffectClrLst/>
+  </dgm:styleLbl>
+  <dgm:styleLbl name="asst3">
+    <dgm:fillClrLst>
+      <a:schemeClr val="accent4"/>
+    </dgm:fillClrLst>
+    <dgm:linClrLst meth="repeat">
+      <a:schemeClr val="lt1"/>
+    </dgm:linClrLst>
+    <dgm:effectClrLst/>
+    <dgm:txLinClrLst/>
+    <dgm:txFillClrLst/>
+    <dgm:txEffectClrLst/>
+  </dgm:styleLbl>
+  <dgm:styleLbl name="asst4">
+    <dgm:fillClrLst>
+      <a:schemeClr val="accent5"/>
+    </dgm:fillClrLst>
+    <dgm:linClrLst meth="repeat">
+      <a:schemeClr val="lt1"/>
+    </dgm:linClrLst>
+    <dgm:effectClrLst/>
+    <dgm:txLinClrLst/>
+    <dgm:txFillClrLst/>
+    <dgm:txEffectClrLst/>
+  </dgm:styleLbl>
+  <dgm:styleLbl name="parChTrans2D1">
+    <dgm:fillClrLst meth="repeat">
+      <a:schemeClr val="accent2"/>
+    </dgm:fillClrLst>
+    <dgm:linClrLst meth="repeat">
+      <a:schemeClr val="lt1"/>
+    </dgm:linClrLst>
+    <dgm:effectClrLst/>
+    <dgm:txLinClrLst/>
+    <dgm:txFillClrLst meth="repeat">
+      <a:schemeClr val="lt1"/>
+    </dgm:txFillClrLst>
+    <dgm:txEffectClrLst/>
+  </dgm:styleLbl>
+  <dgm:styleLbl name="parChTrans2D2">
+    <dgm:fillClrLst meth="repeat">
+      <a:schemeClr val="accent3"/>
+    </dgm:fillClrLst>
+    <dgm:linClrLst meth="repeat">
+      <a:schemeClr val="lt1"/>
+    </dgm:linClrLst>
+    <dgm:effectClrLst/>
+    <dgm:txLinClrLst/>
+    <dgm:txFillClrLst/>
+    <dgm:txEffectClrLst/>
+  </dgm:styleLbl>
+  <dgm:styleLbl name="parChTrans2D3">
+    <dgm:fillClrLst meth="repeat">
+      <a:schemeClr val="accent4"/>
+    </dgm:fillClrLst>
+    <dgm:linClrLst meth="repeat">
+      <a:schemeClr val="lt1"/>
+    </dgm:linClrLst>
+    <dgm:effectClrLst/>
+    <dgm:txLinClrLst/>
+    <dgm:txFillClrLst/>
+    <dgm:txEffectClrLst/>
+  </dgm:styleLbl>
+  <dgm:styleLbl name="parChTrans2D4">
+    <dgm:fillClrLst meth="repeat">
+      <a:schemeClr val="accent5"/>
+    </dgm:fillClrLst>
+    <dgm:linClrLst meth="repeat">
+      <a:schemeClr val="lt1"/>
+    </dgm:linClrLst>
+    <dgm:effectClrLst/>
+    <dgm:txLinClrLst/>
+    <dgm:txFillClrLst meth="repeat">
+      <a:schemeClr val="lt1"/>
+    </dgm:txFillClrLst>
+    <dgm:txEffectClrLst/>
+  </dgm:styleLbl>
+  <dgm:styleLbl name="parChTrans1D1">
+    <dgm:fillClrLst meth="repeat">
+      <a:schemeClr val="accent2"/>
+    </dgm:fillClrLst>
+    <dgm:linClrLst meth="repeat">
+      <a:schemeClr val="accent1"/>
+    </dgm:linClrLst>
+    <dgm:effectClrLst/>
+    <dgm:txLinClrLst/>
+    <dgm:txFillClrLst meth="repeat">
+      <a:schemeClr val="tx1"/>
+    </dgm:txFillClrLst>
+    <dgm:txEffectClrLst/>
+  </dgm:styleLbl>
+  <dgm:styleLbl name="parChTrans1D2">
+    <dgm:fillClrLst meth="repeat">
+      <a:schemeClr val="accent3">
+        <a:tint val="90000"/>
+      </a:schemeClr>
+    </dgm:fillClrLst>
+    <dgm:linClrLst meth="repeat">
+      <a:schemeClr val="accent2"/>
+    </dgm:linClrLst>
+    <dgm:effectClrLst/>
+    <dgm:txLinClrLst/>
+    <dgm:txFillClrLst meth="repeat">
+      <a:schemeClr val="tx1"/>
+    </dgm:txFillClrLst>
+    <dgm:txEffectClrLst/>
+  </dgm:styleLbl>
+  <dgm:styleLbl name="parChTrans1D3">
+    <dgm:fillClrLst meth="repeat">
+      <a:schemeClr val="accent4">
+        <a:tint val="70000"/>
+      </a:schemeClr>
+    </dgm:fillClrLst>
+    <dgm:linClrLst meth="repeat">
+      <a:schemeClr val="accent3"/>
+    </dgm:linClrLst>
+    <dgm:effectClrLst/>
+    <dgm:txLinClrLst/>
+    <dgm:txFillClrLst meth="repeat">
+      <a:schemeClr val="tx1"/>
+    </dgm:txFillClrLst>
+    <dgm:txEffectClrLst/>
+  </dgm:styleLbl>
+  <dgm:styleLbl name="parChTrans1D4">
+    <dgm:fillClrLst meth="repeat">
+      <a:schemeClr val="accent5">
+        <a:tint val="50000"/>
+      </a:schemeClr>
+    </dgm:fillClrLst>
+    <dgm:linClrLst meth="repeat">
+      <a:schemeClr val="accent4"/>
+    </dgm:linClrLst>
+    <dgm:effectClrLst/>
+    <dgm:txLinClrLst/>
+    <dgm:txFillClrLst meth="repeat">
+      <a:schemeClr val="tx1"/>
+    </dgm:txFillClrLst>
+    <dgm:txEffectClrLst/>
+  </dgm:styleLbl>
+  <dgm:styleLbl name="fgAcc1">
+    <dgm:fillClrLst meth="repeat">
+      <a:schemeClr val="lt1">
+        <a:alpha val="90000"/>
+      </a:schemeClr>
+    </dgm:fillClrLst>
+    <dgm:linClrLst meth="repeat">
+      <a:schemeClr val="accent2"/>
+      <a:schemeClr val="accent3"/>
+      <a:schemeClr val="accent4"/>
+      <a:schemeClr val="accent5"/>
+      <a:schemeClr val="accent6"/>
+    </dgm:linClrLst>
+    <dgm:effectClrLst/>
+    <dgm:txLinClrLst/>
+    <dgm:txFillClrLst meth="repeat">
+      <a:schemeClr val="dk1"/>
+    </dgm:txFillClrLst>
+    <dgm:txEffectClrLst/>
+  </dgm:styleLbl>
+  <dgm:styleLbl name="conFgAcc1">
+    <dgm:fillClrLst meth="repeat">
+      <a:schemeClr val="lt1">
+        <a:alpha val="90000"/>
+      </a:schemeClr>
+    </dgm:fillClrLst>
+    <dgm:linClrLst meth="repeat">
+      <a:schemeClr val="accent2"/>
+      <a:schemeClr val="accent3"/>
+      <a:schemeClr val="accent4"/>
+      <a:schemeClr val="accent5"/>
+      <a:schemeClr val="accent6"/>
+    </dgm:linClrLst>
+    <dgm:effectClrLst/>
+    <dgm:txLinClrLst/>
+    <dgm:txFillClrLst meth="repeat">
+      <a:schemeClr val="dk1"/>
+    </dgm:txFillClrLst>
+    <dgm:txEffectClrLst/>
+  </dgm:styleLbl>
+  <dgm:styleLbl name="alignAcc1">
+    <dgm:fillClrLst meth="repeat">
+      <a:schemeClr val="lt1">
+        <a:alpha val="90000"/>
+      </a:schemeClr>
+    </dgm:fillClrLst>
+    <dgm:linClrLst meth="repeat">
+      <a:schemeClr val="accent2"/>
+      <a:schemeClr val="accent3"/>
+      <a:schemeClr val="accent4"/>
+      <a:schemeClr val="accent5"/>
+      <a:schemeClr val="accent6"/>
+    </dgm:linClrLst>
+    <dgm:effectClrLst/>
+    <dgm:txLinClrLst/>
+    <dgm:txFillClrLst meth="repeat">
+      <a:schemeClr val="dk1"/>
+    </dgm:txFillClrLst>
+    <dgm:txEffectClrLst/>
+  </dgm:styleLbl>
+  <dgm:styleLbl name="trAlignAcc1">
+    <dgm:fillClrLst meth="repeat">
+      <a:schemeClr val="lt1">
+        <a:alpha val="40000"/>
+      </a:schemeClr>
+    </dgm:fillClrLst>
+    <dgm:linClrLst meth="repeat">
+      <a:schemeClr val="accent1"/>
+    </dgm:linClrLst>
+    <dgm:effectClrLst/>
+    <dgm:txLinClrLst/>
+    <dgm:txFillClrLst meth="repeat">
+      <a:schemeClr val="dk1"/>
+    </dgm:txFillClrLst>
+    <dgm:txEffectClrLst/>
+  </dgm:styleLbl>
+  <dgm:styleLbl name="bgAcc1">
+    <dgm:fillClrLst meth="repeat">
+      <a:schemeClr val="lt1">
+        <a:alpha val="90000"/>
+      </a:schemeClr>
+    </dgm:fillClrLst>
+    <dgm:linClrLst meth="repeat">
+      <a:schemeClr val="accent2"/>
+      <a:schemeClr val="accent3"/>
+      <a:schemeClr val="accent4"/>
+      <a:schemeClr val="accent5"/>
+      <a:schemeClr val="accent6"/>
+    </dgm:linClrLst>
+    <dgm:effectClrLst/>
+    <dgm:txLinClrLst/>
+    <dgm:txFillClrLst meth="repeat">
+      <a:schemeClr val="dk1"/>
+    </dgm:txFillClrLst>
+    <dgm:txEffectClrLst/>
+  </dgm:styleLbl>
+  <dgm:styleLbl name="solidFgAcc1">
+    <dgm:fillClrLst meth="repeat">
+      <a:schemeClr val="lt1"/>
+    </dgm:fillClrLst>
+    <dgm:linClrLst meth="repeat">
+      <a:schemeClr val="accent2"/>
+      <a:schemeClr val="accent3"/>
+      <a:schemeClr val="accent4"/>
+      <a:schemeClr val="accent5"/>
+      <a:schemeClr val="accent6"/>
+    </dgm:linClrLst>
+    <dgm:effectClrLst/>
+    <dgm:txLinClrLst/>
+    <dgm:txFillClrLst meth="repeat">
+      <a:schemeClr val="dk1"/>
+    </dgm:txFillClrLst>
+    <dgm:txEffectClrLst/>
+  </dgm:styleLbl>
+  <dgm:styleLbl name="solidAlignAcc1">
+    <dgm:fillClrLst meth="repeat">
+      <a:schemeClr val="lt1"/>
+    </dgm:fillClrLst>
+    <dgm:linClrLst meth="repeat">
+      <a:schemeClr val="accent2"/>
+      <a:schemeClr val="accent3"/>
+      <a:schemeClr val="accent4"/>
+      <a:schemeClr val="accent5"/>
+      <a:schemeClr val="accent6"/>
+    </dgm:linClrLst>
+    <dgm:effectClrLst/>
+    <dgm:txLinClrLst/>
+    <dgm:txFillClrLst meth="repeat">
+      <a:schemeClr val="dk1"/>
+    </dgm:txFillClrLst>
+    <dgm:txEffectClrLst/>
+  </dgm:styleLbl>
+  <dgm:styleLbl name="solidBgAcc1">
+    <dgm:fillClrLst meth="repeat">
+      <a:schemeClr val="lt1"/>
+    </dgm:fillClrLst>
+    <dgm:linClrLst meth="repeat">
+      <a:schemeClr val="accent2"/>
+      <a:schemeClr val="accent3"/>
+      <a:schemeClr val="accent4"/>
+      <a:schemeClr val="accent5"/>
+      <a:schemeClr val="accent6"/>
+    </dgm:linClrLst>
+    <dgm:effectClrLst/>
+    <dgm:txLinClrLst/>
+    <dgm:txFillClrLst meth="repeat">
+      <a:schemeClr val="dk1"/>
+    </dgm:txFillClrLst>
+    <dgm:txEffectClrLst/>
+  </dgm:styleLbl>
+  <dgm:styleLbl name="fgAccFollowNode1">
+    <dgm:fillClrLst meth="repeat">
+      <a:schemeClr val="accent2">
+        <a:tint val="40000"/>
+        <a:alpha val="90000"/>
+      </a:schemeClr>
+      <a:schemeClr val="accent3">
+        <a:tint val="40000"/>
+        <a:alpha val="90000"/>
+      </a:schemeClr>
+      <a:schemeClr val="accent4">
+        <a:tint val="40000"/>
+        <a:alpha val="90000"/>
+      </a:schemeClr>
+      <a:schemeClr val="accent5">
+        <a:tint val="40000"/>
+        <a:alpha val="90000"/>
+      </a:schemeClr>
+      <a:schemeClr val="accent6">
+        <a:tint val="40000"/>
+        <a:alpha val="90000"/>
+      </a:schemeClr>
+    </dgm:fillClrLst>
+    <dgm:linClrLst meth="repeat">
+      <a:schemeClr val="accent2">
+        <a:tint val="40000"/>
+        <a:alpha val="90000"/>
+      </a:schemeClr>
+      <a:schemeClr val="accent3">
+        <a:tint val="40000"/>
+        <a:alpha val="90000"/>
+      </a:schemeClr>
+      <a:schemeClr val="accent4">
+        <a:tint val="40000"/>
+        <a:alpha val="90000"/>
+      </a:schemeClr>
+      <a:schemeClr val="accent5">
+        <a:tint val="40000"/>
+        <a:alpha val="90000"/>
+      </a:schemeClr>
+      <a:schemeClr val="accent6">
+        <a:tint val="40000"/>
+        <a:alpha val="90000"/>
+      </a:schemeClr>
+    </dgm:linClrLst>
+    <dgm:effectClrLst/>
+    <dgm:txLinClrLst/>
+    <dgm:txFillClrLst meth="repeat">
+      <a:schemeClr val="dk1"/>
+    </dgm:txFillClrLst>
+    <dgm:txEffectClrLst/>
+  </dgm:styleLbl>
+  <dgm:styleLbl name="alignAccFollowNode1">
+    <dgm:fillClrLst meth="repeat">
+      <a:schemeClr val="accent2">
+        <a:tint val="40000"/>
+        <a:alpha val="90000"/>
+      </a:schemeClr>
+      <a:schemeClr val="accent3">
+        <a:tint val="40000"/>
+        <a:alpha val="90000"/>
+      </a:schemeClr>
+      <a:schemeClr val="accent4">
+        <a:tint val="40000"/>
+        <a:alpha val="90000"/>
+      </a:schemeClr>
+      <a:schemeClr val="accent5">
+        <a:tint val="40000"/>
+        <a:alpha val="90000"/>
+      </a:schemeClr>
+      <a:schemeClr val="accent6">
+        <a:tint val="40000"/>
+        <a:alpha val="90000"/>
+      </a:schemeClr>
+    </dgm:fillClrLst>
+    <dgm:linClrLst meth="repeat">
+      <a:schemeClr val="accent2">
+        <a:tint val="40000"/>
+        <a:alpha val="90000"/>
+      </a:schemeClr>
+      <a:schemeClr val="accent3">
+        <a:tint val="40000"/>
+        <a:alpha val="90000"/>
+      </a:schemeClr>
+      <a:schemeClr val="accent4">
+        <a:tint val="40000"/>
+        <a:alpha val="90000"/>
+      </a:schemeClr>
+      <a:schemeClr val="accent5">
+        <a:tint val="40000"/>
+        <a:alpha val="90000"/>
+      </a:schemeClr>
+      <a:schemeClr val="accent6">
+        <a:tint val="40000"/>
+        <a:alpha val="90000"/>
+      </a:schemeClr>
+    </dgm:linClrLst>
+    <dgm:effectClrLst/>
+    <dgm:txLinClrLst/>
+    <dgm:txFillClrLst meth="repeat">
+      <a:schemeClr val="dk1"/>
+    </dgm:txFillClrLst>
+    <dgm:txEffectClrLst/>
+  </dgm:styleLbl>
+  <dgm:styleLbl name="bgAccFollowNode1">
+    <dgm:fillClrLst meth="repeat">
+      <a:schemeClr val="accent2">
+        <a:tint val="40000"/>
+        <a:alpha val="90000"/>
+      </a:schemeClr>
+      <a:schemeClr val="accent3">
+        <a:tint val="40000"/>
+        <a:alpha val="90000"/>
+      </a:schemeClr>
+      <a:schemeClr val="accent4">
+        <a:tint val="40000"/>
+        <a:alpha val="90000"/>
+      </a:schemeClr>
+      <a:schemeClr val="accent5">
+        <a:tint val="40000"/>
+        <a:alpha val="90000"/>
+      </a:schemeClr>
+      <a:schemeClr val="accent6">
+        <a:tint val="40000"/>
+        <a:alpha val="90000"/>
+      </a:schemeClr>
+    </dgm:fillClrLst>
+    <dgm:linClrLst meth="repeat">
+      <a:schemeClr val="accent2">
+        <a:tint val="40000"/>
+        <a:alpha val="90000"/>
+      </a:schemeClr>
+      <a:schemeClr val="accent3">
+        <a:tint val="40000"/>
+        <a:alpha val="90000"/>
+      </a:schemeClr>
+      <a:schemeClr val="accent4">
+        <a:tint val="40000"/>
+        <a:alpha val="90000"/>
+      </a:schemeClr>
+      <a:schemeClr val="accent5">
+        <a:tint val="40000"/>
+        <a:alpha val="90000"/>
+      </a:schemeClr>
+      <a:schemeClr val="accent6">
+        <a:tint val="40000"/>
+        <a:alpha val="90000"/>
+      </a:schemeClr>
+    </dgm:linClrLst>
+    <dgm:effectClrLst/>
+    <dgm:txLinClrLst/>
+    <dgm:txFillClrLst meth="repeat">
+      <a:schemeClr val="dk1"/>
+    </dgm:txFillClrLst>
+    <dgm:txEffectClrLst/>
+  </dgm:styleLbl>
+  <dgm:styleLbl name="fgAcc0">
+    <dgm:fillClrLst meth="repeat">
+      <a:schemeClr val="lt1">
+        <a:alpha val="90000"/>
+      </a:schemeClr>
+    </dgm:fillClrLst>
+    <dgm:linClrLst>
+      <a:schemeClr val="accent1"/>
+    </dgm:linClrLst>
+    <dgm:effectClrLst/>
+    <dgm:txLinClrLst/>
+    <dgm:txFillClrLst meth="repeat">
+      <a:schemeClr val="dk1"/>
+    </dgm:txFillClrLst>
+    <dgm:txEffectClrLst/>
+  </dgm:styleLbl>
+  <dgm:styleLbl name="fgAcc2">
+    <dgm:fillClrLst meth="repeat">
+      <a:schemeClr val="lt1">
+        <a:alpha val="90000"/>
+      </a:schemeClr>
+    </dgm:fillClrLst>
+    <dgm:linClrLst>
+      <a:schemeClr val="accent2"/>
+    </dgm:linClrLst>
+    <dgm:effectClrLst/>
+    <dgm:txLinClrLst/>
+    <dgm:txFillClrLst meth="repeat">
+      <a:schemeClr val="dk1"/>
+    </dgm:txFillClrLst>
+    <dgm:txEffectClrLst/>
+  </dgm:styleLbl>
+  <dgm:styleLbl name="fgAcc3">
+    <dgm:fillClrLst meth="repeat">
+      <a:schemeClr val="lt1">
+        <a:alpha val="90000"/>
+      </a:schemeClr>
+    </dgm:fillClrLst>
+    <dgm:linClrLst>
+      <a:schemeClr val="accent3"/>
+    </dgm:linClrLst>
+    <dgm:effectClrLst/>
+    <dgm:txLinClrLst/>
+    <dgm:txFillClrLst meth="repeat">
+      <a:schemeClr val="dk1"/>
+    </dgm:txFillClrLst>
+    <dgm:txEffectClrLst/>
+  </dgm:styleLbl>
+  <dgm:styleLbl name="fgAcc4">
+    <dgm:fillClrLst meth="repeat">
+      <a:schemeClr val="lt1">
+        <a:alpha val="90000"/>
+      </a:schemeClr>
+    </dgm:fillClrLst>
+    <dgm:linClrLst>
+      <a:schemeClr val="accent4"/>
+    </dgm:linClrLst>
+    <dgm:effectClrLst/>
+    <dgm:txLinClrLst/>
+    <dgm:txFillClrLst meth="repeat">
+      <a:schemeClr val="dk1"/>
+    </dgm:txFillClrLst>
+    <dgm:txEffectClrLst/>
+  </dgm:styleLbl>
+  <dgm:styleLbl name="bgShp">
+    <dgm:fillClrLst meth="repeat">
+      <a:schemeClr val="bg1">
+        <a:lumMod val="95000"/>
+      </a:schemeClr>
+    </dgm:fillClrLst>
+    <dgm:linClrLst meth="repeat">
+      <a:schemeClr val="dk1"/>
+    </dgm:linClrLst>
+    <dgm:effectClrLst/>
+    <dgm:txLinClrLst/>
+    <dgm:txFillClrLst meth="repeat">
+      <a:schemeClr val="dk1"/>
+    </dgm:txFillClrLst>
+    <dgm:txEffectClrLst/>
+  </dgm:styleLbl>
+  <dgm:styleLbl name="dkBgShp">
+    <dgm:fillClrLst meth="repeat">
+      <a:schemeClr val="accent2">
+        <a:shade val="90000"/>
+      </a:schemeClr>
+    </dgm:fillClrLst>
+    <dgm:linClrLst meth="repeat">
+      <a:schemeClr val="dk1"/>
+    </dgm:linClrLst>
+    <dgm:effectClrLst/>
+    <dgm:txLinClrLst/>
+    <dgm:txFillClrLst meth="repeat">
+      <a:schemeClr val="lt1"/>
+    </dgm:txFillClrLst>
+    <dgm:txEffectClrLst/>
+  </dgm:styleLbl>
+  <dgm:styleLbl name="trBgShp">
+    <dgm:fillClrLst meth="repeat">
+      <a:schemeClr val="accent1">
+        <a:tint val="50000"/>
+        <a:alpha val="40000"/>
+      </a:schemeClr>
+    </dgm:fillClrLst>
+    <dgm:linClrLst meth="repeat">
+      <a:schemeClr val="accent2"/>
+    </dgm:linClrLst>
+    <dgm:effectClrLst/>
+    <dgm:txLinClrLst/>
+    <dgm:txFillClrLst meth="repeat">
+      <a:schemeClr val="lt1"/>
+    </dgm:txFillClrLst>
+    <dgm:txEffectClrLst/>
+  </dgm:styleLbl>
+  <dgm:styleLbl name="fgShp">
+    <dgm:fillClrLst meth="repeat">
+      <a:schemeClr val="accent2">
+        <a:tint val="40000"/>
+      </a:schemeClr>
+    </dgm:fillClrLst>
+    <dgm:linClrLst meth="repeat">
+      <a:schemeClr val="lt1"/>
+    </dgm:linClrLst>
+    <dgm:effectClrLst/>
+    <dgm:txLinClrLst/>
+    <dgm:txFillClrLst meth="repeat">
+      <a:schemeClr val="dk1"/>
+    </dgm:txFillClrLst>
+    <dgm:txEffectClrLst/>
+  </dgm:styleLbl>
+  <dgm:styleLbl name="revTx">
+    <dgm:fillClrLst meth="repeat">
+      <a:schemeClr val="lt1">
+        <a:alpha val="0"/>
+      </a:schemeClr>
+    </dgm:fillClrLst>
+    <dgm:linClrLst meth="repeat">
+      <a:schemeClr val="dk1">
+        <a:alpha val="0"/>
+      </a:schemeClr>
+    </dgm:linClrLst>
+    <dgm:effectClrLst/>
+    <dgm:txLinClrLst/>
+    <dgm:txFillClrLst meth="repeat">
+      <a:schemeClr val="tx1"/>
+    </dgm:txFillClrLst>
+    <dgm:txEffectClrLst/>
+  </dgm:styleLbl>
+</dgm:colorsDef>
+</file>
+
 <file path=ppt/diagrams/data1.xml><?xml version="1.0" encoding="utf-8"?>
+<dgm:dataModel xmlns:dgm="http://schemas.openxmlformats.org/drawingml/2006/diagram" xmlns:a="http://schemas.openxmlformats.org/drawingml/2006/main">
+  <dgm:ptLst>
+    <dgm:pt modelId="{05B3481C-38FF-4F03-AB4B-01D991318AF1}" type="doc">
+      <dgm:prSet loTypeId="urn:microsoft.com/office/officeart/2018/2/layout/IconLabelList" loCatId="icon" qsTypeId="urn:microsoft.com/office/officeart/2005/8/quickstyle/simple1" qsCatId="simple" csTypeId="urn:microsoft.com/office/officeart/2018/5/colors/Iconchunking_neutralbg_colorful1" csCatId="colorful" phldr="1"/>
+      <dgm:spPr/>
+      <dgm:t>
+        <a:bodyPr/>
+        <a:lstStyle/>
+        <a:p>
+          <a:endParaRPr lang="en-US"/>
+        </a:p>
+      </dgm:t>
+    </dgm:pt>
+    <dgm:pt modelId="{442C6346-141D-456F-90F1-21FD8F320DCF}">
+      <dgm:prSet/>
+      <dgm:spPr/>
+      <dgm:t>
+        <a:bodyPr/>
+        <a:lstStyle/>
+        <a:p>
+          <a:r>
+            <a:rPr lang="nl-NL"/>
+            <a:t>Only 8~ hours a day</a:t>
+          </a:r>
+          <a:endParaRPr lang="en-US"/>
+        </a:p>
+      </dgm:t>
+    </dgm:pt>
+    <dgm:pt modelId="{C0F806AB-B357-4BDE-80AC-E23707B5DD07}" type="parTrans" cxnId="{19F6AA9D-A744-4A15-A258-FCC1E314858D}">
+      <dgm:prSet/>
+      <dgm:spPr/>
+      <dgm:t>
+        <a:bodyPr/>
+        <a:lstStyle/>
+        <a:p>
+          <a:endParaRPr lang="en-US"/>
+        </a:p>
+      </dgm:t>
+    </dgm:pt>
+    <dgm:pt modelId="{E37975F3-44E4-4389-81BE-68BE2F4AB806}" type="sibTrans" cxnId="{19F6AA9D-A744-4A15-A258-FCC1E314858D}">
+      <dgm:prSet/>
+      <dgm:spPr/>
+      <dgm:t>
+        <a:bodyPr/>
+        <a:lstStyle/>
+        <a:p>
+          <a:endParaRPr lang="en-US"/>
+        </a:p>
+      </dgm:t>
+    </dgm:pt>
+    <dgm:pt modelId="{EF1150B8-AD53-4348-9F86-9BD4A3B89537}">
+      <dgm:prSet/>
+      <dgm:spPr/>
+      <dgm:t>
+        <a:bodyPr/>
+        <a:lstStyle/>
+        <a:p>
+          <a:r>
+            <a:rPr lang="nl-NL"/>
+            <a:t>Long term expenses</a:t>
+          </a:r>
+          <a:endParaRPr lang="en-US"/>
+        </a:p>
+      </dgm:t>
+    </dgm:pt>
+    <dgm:pt modelId="{F9321B24-2E70-4793-AE4E-05B04069D5AF}" type="parTrans" cxnId="{AA068137-82B4-4CAF-9A8D-17E837AF8D2C}">
+      <dgm:prSet/>
+      <dgm:spPr/>
+      <dgm:t>
+        <a:bodyPr/>
+        <a:lstStyle/>
+        <a:p>
+          <a:endParaRPr lang="en-US"/>
+        </a:p>
+      </dgm:t>
+    </dgm:pt>
+    <dgm:pt modelId="{7E801E8A-8B20-46A7-9B97-B0E781D5B88C}" type="sibTrans" cxnId="{AA068137-82B4-4CAF-9A8D-17E837AF8D2C}">
+      <dgm:prSet/>
+      <dgm:spPr/>
+      <dgm:t>
+        <a:bodyPr/>
+        <a:lstStyle/>
+        <a:p>
+          <a:endParaRPr lang="en-US"/>
+        </a:p>
+      </dgm:t>
+    </dgm:pt>
+    <dgm:pt modelId="{7CD11388-4175-4277-A97A-A5722806B66D}">
+      <dgm:prSet/>
+      <dgm:spPr/>
+      <dgm:t>
+        <a:bodyPr/>
+        <a:lstStyle/>
+        <a:p>
+          <a:r>
+            <a:rPr lang="nl-NL"/>
+            <a:t>Staff shortage</a:t>
+          </a:r>
+          <a:endParaRPr lang="en-US"/>
+        </a:p>
+      </dgm:t>
+    </dgm:pt>
+    <dgm:pt modelId="{24B573CB-9A97-4720-80C0-05EC184AE5A1}" type="parTrans" cxnId="{67982C6E-DA21-4C95-8CB2-FCF820F10F9E}">
+      <dgm:prSet/>
+      <dgm:spPr/>
+      <dgm:t>
+        <a:bodyPr/>
+        <a:lstStyle/>
+        <a:p>
+          <a:endParaRPr lang="en-US"/>
+        </a:p>
+      </dgm:t>
+    </dgm:pt>
+    <dgm:pt modelId="{EF9B3915-F9E3-4D3A-BBB1-AA4ED3D9E141}" type="sibTrans" cxnId="{67982C6E-DA21-4C95-8CB2-FCF820F10F9E}">
+      <dgm:prSet/>
+      <dgm:spPr/>
+      <dgm:t>
+        <a:bodyPr/>
+        <a:lstStyle/>
+        <a:p>
+          <a:endParaRPr lang="en-US"/>
+        </a:p>
+      </dgm:t>
+    </dgm:pt>
+    <dgm:pt modelId="{50B746B0-23DE-4744-9121-6AA542ED8F55}" type="pres">
+      <dgm:prSet presAssocID="{05B3481C-38FF-4F03-AB4B-01D991318AF1}" presName="root" presStyleCnt="0">
+        <dgm:presLayoutVars>
+          <dgm:dir/>
+          <dgm:resizeHandles val="exact"/>
+        </dgm:presLayoutVars>
+      </dgm:prSet>
+      <dgm:spPr/>
+    </dgm:pt>
+    <dgm:pt modelId="{92018C0F-A97C-419B-A63A-E6E435F77E51}" type="pres">
+      <dgm:prSet presAssocID="{442C6346-141D-456F-90F1-21FD8F320DCF}" presName="compNode" presStyleCnt="0"/>
+      <dgm:spPr/>
+    </dgm:pt>
+    <dgm:pt modelId="{B0C3EEBB-6F8A-463E-A06F-E2099F20C028}" type="pres">
+      <dgm:prSet presAssocID="{442C6346-141D-456F-90F1-21FD8F320DCF}" presName="iconRect" presStyleLbl="node1" presStyleIdx="0" presStyleCnt="3"/>
+      <dgm:spPr>
+        <a:blipFill>
+          <a:blip xmlns:r="http://schemas.openxmlformats.org/officeDocument/2006/relationships" r:embed="rId1">
+            <a:extLst>
+              <a:ext uri="{28A0092B-C50C-407E-A947-70E740481C1C}">
+                <a14:useLocalDpi xmlns:a14="http://schemas.microsoft.com/office/drawing/2010/main" val="0"/>
+              </a:ext>
+              <a:ext uri="{96DAC541-7B7A-43D3-8B79-37D633B846F1}">
+                <asvg:svgBlip xmlns:asvg="http://schemas.microsoft.com/office/drawing/2016/SVG/main" r:embed="rId2"/>
+              </a:ext>
+            </a:extLst>
+          </a:blip>
+          <a:stretch>
+            <a:fillRect/>
+          </a:stretch>
+        </a:blipFill>
+        <a:ln>
+          <a:noFill/>
+        </a:ln>
+      </dgm:spPr>
+      <dgm:extLst>
+        <a:ext uri="{E40237B7-FDA0-4F09-8148-C483321AD2D9}">
+          <dgm14:cNvPr xmlns:dgm14="http://schemas.microsoft.com/office/drawing/2010/diagram" id="0" name="" descr="Klok"/>
+        </a:ext>
+      </dgm:extLst>
+    </dgm:pt>
+    <dgm:pt modelId="{DCDD499A-4838-4E56-8068-CF434B3BA9A2}" type="pres">
+      <dgm:prSet presAssocID="{442C6346-141D-456F-90F1-21FD8F320DCF}" presName="spaceRect" presStyleCnt="0"/>
+      <dgm:spPr/>
+    </dgm:pt>
+    <dgm:pt modelId="{CB48A541-A7CA-40C8-8702-988E656D411C}" type="pres">
+      <dgm:prSet presAssocID="{442C6346-141D-456F-90F1-21FD8F320DCF}" presName="textRect" presStyleLbl="revTx" presStyleIdx="0" presStyleCnt="3">
+        <dgm:presLayoutVars>
+          <dgm:chMax val="1"/>
+          <dgm:chPref val="1"/>
+        </dgm:presLayoutVars>
+      </dgm:prSet>
+      <dgm:spPr/>
+    </dgm:pt>
+    <dgm:pt modelId="{F4C5EDCD-D039-4726-8823-67DB4D7EFF33}" type="pres">
+      <dgm:prSet presAssocID="{E37975F3-44E4-4389-81BE-68BE2F4AB806}" presName="sibTrans" presStyleCnt="0"/>
+      <dgm:spPr/>
+    </dgm:pt>
+    <dgm:pt modelId="{D0D179F6-B8D2-48F3-942B-57FF9820B614}" type="pres">
+      <dgm:prSet presAssocID="{EF1150B8-AD53-4348-9F86-9BD4A3B89537}" presName="compNode" presStyleCnt="0"/>
+      <dgm:spPr/>
+    </dgm:pt>
+    <dgm:pt modelId="{2D7987FC-DB12-434E-B96F-58BF7B397C7F}" type="pres">
+      <dgm:prSet presAssocID="{EF1150B8-AD53-4348-9F86-9BD4A3B89537}" presName="iconRect" presStyleLbl="node1" presStyleIdx="1" presStyleCnt="3"/>
+      <dgm:spPr>
+        <a:blipFill>
+          <a:blip xmlns:r="http://schemas.openxmlformats.org/officeDocument/2006/relationships" r:embed="rId3">
+            <a:extLst>
+              <a:ext uri="{28A0092B-C50C-407E-A947-70E740481C1C}">
+                <a14:useLocalDpi xmlns:a14="http://schemas.microsoft.com/office/drawing/2010/main" val="0"/>
+              </a:ext>
+              <a:ext uri="{96DAC541-7B7A-43D3-8B79-37D633B846F1}">
+                <asvg:svgBlip xmlns:asvg="http://schemas.microsoft.com/office/drawing/2016/SVG/main" r:embed="rId4"/>
+              </a:ext>
+            </a:extLst>
+          </a:blip>
+          <a:stretch>
+            <a:fillRect/>
+          </a:stretch>
+        </a:blipFill>
+        <a:ln>
+          <a:noFill/>
+        </a:ln>
+      </dgm:spPr>
+      <dgm:extLst>
+        <a:ext uri="{E40237B7-FDA0-4F09-8148-C483321AD2D9}">
+          <dgm14:cNvPr xmlns:dgm14="http://schemas.microsoft.com/office/drawing/2010/diagram" id="0" name="" descr="Geld"/>
+        </a:ext>
+      </dgm:extLst>
+    </dgm:pt>
+    <dgm:pt modelId="{94D5C59B-EABD-417C-8F7D-660E263888BA}" type="pres">
+      <dgm:prSet presAssocID="{EF1150B8-AD53-4348-9F86-9BD4A3B89537}" presName="spaceRect" presStyleCnt="0"/>
+      <dgm:spPr/>
+    </dgm:pt>
+    <dgm:pt modelId="{C2FE00E9-4530-4BAD-AE3B-3FE52C1D4D24}" type="pres">
+      <dgm:prSet presAssocID="{EF1150B8-AD53-4348-9F86-9BD4A3B89537}" presName="textRect" presStyleLbl="revTx" presStyleIdx="1" presStyleCnt="3">
+        <dgm:presLayoutVars>
+          <dgm:chMax val="1"/>
+          <dgm:chPref val="1"/>
+        </dgm:presLayoutVars>
+      </dgm:prSet>
+      <dgm:spPr/>
+    </dgm:pt>
+    <dgm:pt modelId="{712847F2-FC81-4F46-9048-7E0A35EC565F}" type="pres">
+      <dgm:prSet presAssocID="{7E801E8A-8B20-46A7-9B97-B0E781D5B88C}" presName="sibTrans" presStyleCnt="0"/>
+      <dgm:spPr/>
+    </dgm:pt>
+    <dgm:pt modelId="{B18350DC-9A45-4FFB-A9DD-6C74EAFF1C19}" type="pres">
+      <dgm:prSet presAssocID="{7CD11388-4175-4277-A97A-A5722806B66D}" presName="compNode" presStyleCnt="0"/>
+      <dgm:spPr/>
+    </dgm:pt>
+    <dgm:pt modelId="{03B24929-8C4A-45ED-8BCA-3B14708B615F}" type="pres">
+      <dgm:prSet presAssocID="{7CD11388-4175-4277-A97A-A5722806B66D}" presName="iconRect" presStyleLbl="node1" presStyleIdx="2" presStyleCnt="3"/>
+      <dgm:spPr>
+        <a:blipFill>
+          <a:blip xmlns:r="http://schemas.openxmlformats.org/officeDocument/2006/relationships" r:embed="rId5">
+            <a:extLst>
+              <a:ext uri="{28A0092B-C50C-407E-A947-70E740481C1C}">
+                <a14:useLocalDpi xmlns:a14="http://schemas.microsoft.com/office/drawing/2010/main" val="0"/>
+              </a:ext>
+              <a:ext uri="{96DAC541-7B7A-43D3-8B79-37D633B846F1}">
+                <asvg:svgBlip xmlns:asvg="http://schemas.microsoft.com/office/drawing/2016/SVG/main" r:embed="rId6"/>
+              </a:ext>
+            </a:extLst>
+          </a:blip>
+          <a:stretch>
+            <a:fillRect/>
+          </a:stretch>
+        </a:blipFill>
+        <a:ln>
+          <a:noFill/>
+        </a:ln>
+      </dgm:spPr>
+      <dgm:extLst>
+        <a:ext uri="{E40237B7-FDA0-4F09-8148-C483321AD2D9}">
+          <dgm14:cNvPr xmlns:dgm14="http://schemas.microsoft.com/office/drawing/2010/diagram" id="0" name="" descr="Groep"/>
+        </a:ext>
+      </dgm:extLst>
+    </dgm:pt>
+    <dgm:pt modelId="{5F0F471F-45D5-491F-9BD0-49628B6F8D94}" type="pres">
+      <dgm:prSet presAssocID="{7CD11388-4175-4277-A97A-A5722806B66D}" presName="spaceRect" presStyleCnt="0"/>
+      <dgm:spPr/>
+    </dgm:pt>
+    <dgm:pt modelId="{3AD6B0F9-D108-4A15-9D46-0AC3490DA5A6}" type="pres">
+      <dgm:prSet presAssocID="{7CD11388-4175-4277-A97A-A5722806B66D}" presName="textRect" presStyleLbl="revTx" presStyleIdx="2" presStyleCnt="3">
+        <dgm:presLayoutVars>
+          <dgm:chMax val="1"/>
+          <dgm:chPref val="1"/>
+        </dgm:presLayoutVars>
+      </dgm:prSet>
+      <dgm:spPr/>
+    </dgm:pt>
+  </dgm:ptLst>
+  <dgm:cxnLst>
+    <dgm:cxn modelId="{2A8A6707-0D24-4C56-8319-584B9BEC2B66}" type="presOf" srcId="{7CD11388-4175-4277-A97A-A5722806B66D}" destId="{3AD6B0F9-D108-4A15-9D46-0AC3490DA5A6}" srcOrd="0" destOrd="0" presId="urn:microsoft.com/office/officeart/2018/2/layout/IconLabelList"/>
+    <dgm:cxn modelId="{AA068137-82B4-4CAF-9A8D-17E837AF8D2C}" srcId="{05B3481C-38FF-4F03-AB4B-01D991318AF1}" destId="{EF1150B8-AD53-4348-9F86-9BD4A3B89537}" srcOrd="1" destOrd="0" parTransId="{F9321B24-2E70-4793-AE4E-05B04069D5AF}" sibTransId="{7E801E8A-8B20-46A7-9B97-B0E781D5B88C}"/>
+    <dgm:cxn modelId="{7CB0EF3A-89CA-4907-8EDD-AC1006873153}" type="presOf" srcId="{EF1150B8-AD53-4348-9F86-9BD4A3B89537}" destId="{C2FE00E9-4530-4BAD-AE3B-3FE52C1D4D24}" srcOrd="0" destOrd="0" presId="urn:microsoft.com/office/officeart/2018/2/layout/IconLabelList"/>
+    <dgm:cxn modelId="{C56FB164-0599-4A48-9327-DF47896D6A00}" type="presOf" srcId="{442C6346-141D-456F-90F1-21FD8F320DCF}" destId="{CB48A541-A7CA-40C8-8702-988E656D411C}" srcOrd="0" destOrd="0" presId="urn:microsoft.com/office/officeart/2018/2/layout/IconLabelList"/>
+    <dgm:cxn modelId="{67982C6E-DA21-4C95-8CB2-FCF820F10F9E}" srcId="{05B3481C-38FF-4F03-AB4B-01D991318AF1}" destId="{7CD11388-4175-4277-A97A-A5722806B66D}" srcOrd="2" destOrd="0" parTransId="{24B573CB-9A97-4720-80C0-05EC184AE5A1}" sibTransId="{EF9B3915-F9E3-4D3A-BBB1-AA4ED3D9E141}"/>
+    <dgm:cxn modelId="{E6BC2879-EB85-4000-BC14-E14A9FCB4F0A}" type="presOf" srcId="{05B3481C-38FF-4F03-AB4B-01D991318AF1}" destId="{50B746B0-23DE-4744-9121-6AA542ED8F55}" srcOrd="0" destOrd="0" presId="urn:microsoft.com/office/officeart/2018/2/layout/IconLabelList"/>
+    <dgm:cxn modelId="{19F6AA9D-A744-4A15-A258-FCC1E314858D}" srcId="{05B3481C-38FF-4F03-AB4B-01D991318AF1}" destId="{442C6346-141D-456F-90F1-21FD8F320DCF}" srcOrd="0" destOrd="0" parTransId="{C0F806AB-B357-4BDE-80AC-E23707B5DD07}" sibTransId="{E37975F3-44E4-4389-81BE-68BE2F4AB806}"/>
+    <dgm:cxn modelId="{BF9B5081-1048-4DD2-8B08-E7900ABC0A22}" type="presParOf" srcId="{50B746B0-23DE-4744-9121-6AA542ED8F55}" destId="{92018C0F-A97C-419B-A63A-E6E435F77E51}" srcOrd="0" destOrd="0" presId="urn:microsoft.com/office/officeart/2018/2/layout/IconLabelList"/>
+    <dgm:cxn modelId="{B89D47E6-2416-4B00-A8F9-9DDC92BE6604}" type="presParOf" srcId="{92018C0F-A97C-419B-A63A-E6E435F77E51}" destId="{B0C3EEBB-6F8A-463E-A06F-E2099F20C028}" srcOrd="0" destOrd="0" presId="urn:microsoft.com/office/officeart/2018/2/layout/IconLabelList"/>
+    <dgm:cxn modelId="{1E5F0070-AFEF-4C12-BBA2-C9EB34C91A2C}" type="presParOf" srcId="{92018C0F-A97C-419B-A63A-E6E435F77E51}" destId="{DCDD499A-4838-4E56-8068-CF434B3BA9A2}" srcOrd="1" destOrd="0" presId="urn:microsoft.com/office/officeart/2018/2/layout/IconLabelList"/>
+    <dgm:cxn modelId="{F6122E63-0184-4727-BA81-9A1766788AAC}" type="presParOf" srcId="{92018C0F-A97C-419B-A63A-E6E435F77E51}" destId="{CB48A541-A7CA-40C8-8702-988E656D411C}" srcOrd="2" destOrd="0" presId="urn:microsoft.com/office/officeart/2018/2/layout/IconLabelList"/>
+    <dgm:cxn modelId="{EE6E0294-D106-4675-83D7-36D468752D06}" type="presParOf" srcId="{50B746B0-23DE-4744-9121-6AA542ED8F55}" destId="{F4C5EDCD-D039-4726-8823-67DB4D7EFF33}" srcOrd="1" destOrd="0" presId="urn:microsoft.com/office/officeart/2018/2/layout/IconLabelList"/>
+    <dgm:cxn modelId="{5CFD039D-11C5-4399-B253-6FCF60901301}" type="presParOf" srcId="{50B746B0-23DE-4744-9121-6AA542ED8F55}" destId="{D0D179F6-B8D2-48F3-942B-57FF9820B614}" srcOrd="2" destOrd="0" presId="urn:microsoft.com/office/officeart/2018/2/layout/IconLabelList"/>
+    <dgm:cxn modelId="{6A808EDC-C46A-47AE-A1AC-C083AC775D5B}" type="presParOf" srcId="{D0D179F6-B8D2-48F3-942B-57FF9820B614}" destId="{2D7987FC-DB12-434E-B96F-58BF7B397C7F}" srcOrd="0" destOrd="0" presId="urn:microsoft.com/office/officeart/2018/2/layout/IconLabelList"/>
+    <dgm:cxn modelId="{4EA54A80-2C68-4A03-B2C0-38E3AA791022}" type="presParOf" srcId="{D0D179F6-B8D2-48F3-942B-57FF9820B614}" destId="{94D5C59B-EABD-417C-8F7D-660E263888BA}" srcOrd="1" destOrd="0" presId="urn:microsoft.com/office/officeart/2018/2/layout/IconLabelList"/>
+    <dgm:cxn modelId="{FEAD5C32-A736-4EB8-AC94-2F719C4AD16E}" type="presParOf" srcId="{D0D179F6-B8D2-48F3-942B-57FF9820B614}" destId="{C2FE00E9-4530-4BAD-AE3B-3FE52C1D4D24}" srcOrd="2" destOrd="0" presId="urn:microsoft.com/office/officeart/2018/2/layout/IconLabelList"/>
+    <dgm:cxn modelId="{3F7DDF49-7FFD-422E-9F32-B5D656940C43}" type="presParOf" srcId="{50B746B0-23DE-4744-9121-6AA542ED8F55}" destId="{712847F2-FC81-4F46-9048-7E0A35EC565F}" srcOrd="3" destOrd="0" presId="urn:microsoft.com/office/officeart/2018/2/layout/IconLabelList"/>
+    <dgm:cxn modelId="{AEF27883-320A-4045-A377-5B66E9C2F67D}" type="presParOf" srcId="{50B746B0-23DE-4744-9121-6AA542ED8F55}" destId="{B18350DC-9A45-4FFB-A9DD-6C74EAFF1C19}" srcOrd="4" destOrd="0" presId="urn:microsoft.com/office/officeart/2018/2/layout/IconLabelList"/>
+    <dgm:cxn modelId="{55EB3FFD-A3EF-4ACA-BC06-DE734E2173AA}" type="presParOf" srcId="{B18350DC-9A45-4FFB-A9DD-6C74EAFF1C19}" destId="{03B24929-8C4A-45ED-8BCA-3B14708B615F}" srcOrd="0" destOrd="0" presId="urn:microsoft.com/office/officeart/2018/2/layout/IconLabelList"/>
+    <dgm:cxn modelId="{3B03BDED-325D-4A0E-92A9-8C320023CD85}" type="presParOf" srcId="{B18350DC-9A45-4FFB-A9DD-6C74EAFF1C19}" destId="{5F0F471F-45D5-491F-9BD0-49628B6F8D94}" srcOrd="1" destOrd="0" presId="urn:microsoft.com/office/officeart/2018/2/layout/IconLabelList"/>
+    <dgm:cxn modelId="{965653AB-7C03-4A2A-A1B1-315027C358CC}" type="presParOf" srcId="{B18350DC-9A45-4FFB-A9DD-6C74EAFF1C19}" destId="{3AD6B0F9-D108-4A15-9D46-0AC3490DA5A6}" srcOrd="2" destOrd="0" presId="urn:microsoft.com/office/officeart/2018/2/layout/IconLabelList"/>
+  </dgm:cxnLst>
+  <dgm:bg/>
+  <dgm:whole/>
+  <dgm:extLst>
+    <a:ext uri="http://schemas.microsoft.com/office/drawing/2008/diagram">
+      <dsp:dataModelExt xmlns:dsp="http://schemas.microsoft.com/office/drawing/2008/diagram" relId="rId6" minVer="http://schemas.openxmlformats.org/drawingml/2006/diagram"/>
+    </a:ext>
+  </dgm:extLst>
+</dgm:dataModel>
+</file>
+
+<file path=ppt/diagrams/data2.xml><?xml version="1.0" encoding="utf-8"?>
+<dgm:dataModel xmlns:dgm="http://schemas.openxmlformats.org/drawingml/2006/diagram" xmlns:a="http://schemas.openxmlformats.org/drawingml/2006/main">
+  <dgm:ptLst>
+    <dgm:pt modelId="{06388886-3D6C-458A-BE29-AD1A5FDD6E46}" type="doc">
+      <dgm:prSet loTypeId="urn:microsoft.com/office/officeart/2018/2/layout/IconLabelList" loCatId="icon" qsTypeId="urn:microsoft.com/office/officeart/2005/8/quickstyle/simple1" qsCatId="simple" csTypeId="urn:microsoft.com/office/officeart/2005/8/colors/accent1_2" csCatId="accent1" phldr="1"/>
+      <dgm:spPr/>
+      <dgm:t>
+        <a:bodyPr/>
+        <a:lstStyle/>
+        <a:p>
+          <a:endParaRPr lang="en-US"/>
+        </a:p>
+      </dgm:t>
+    </dgm:pt>
+    <dgm:pt modelId="{817C1531-4422-463A-B085-F806686822A3}">
+      <dgm:prSet/>
+      <dgm:spPr/>
+      <dgm:t>
+        <a:bodyPr/>
+        <a:lstStyle/>
+        <a:p>
+          <a:pPr>
+            <a:lnSpc>
+              <a:spcPct val="100000"/>
+            </a:lnSpc>
+          </a:pPr>
+          <a:r>
+            <a:rPr lang="nl-NL"/>
+            <a:t>Flexible and easily scalable</a:t>
+          </a:r>
+          <a:endParaRPr lang="en-US"/>
+        </a:p>
+      </dgm:t>
+    </dgm:pt>
+    <dgm:pt modelId="{45DC0A76-E59B-46AD-8D65-CC13AC365819}" type="parTrans" cxnId="{7C6F7A07-B82E-4534-B4FD-4DE1FDF85BE8}">
+      <dgm:prSet/>
+      <dgm:spPr/>
+      <dgm:t>
+        <a:bodyPr/>
+        <a:lstStyle/>
+        <a:p>
+          <a:endParaRPr lang="en-US"/>
+        </a:p>
+      </dgm:t>
+    </dgm:pt>
+    <dgm:pt modelId="{4C6ACD3D-EE93-4746-9BB4-048D27D4BF46}" type="sibTrans" cxnId="{7C6F7A07-B82E-4534-B4FD-4DE1FDF85BE8}">
+      <dgm:prSet/>
+      <dgm:spPr/>
+      <dgm:t>
+        <a:bodyPr/>
+        <a:lstStyle/>
+        <a:p>
+          <a:endParaRPr lang="en-US"/>
+        </a:p>
+      </dgm:t>
+    </dgm:pt>
+    <dgm:pt modelId="{57F555E5-ECA2-4B17-9681-DDC72A4EAC85}">
+      <dgm:prSet/>
+      <dgm:spPr/>
+      <dgm:t>
+        <a:bodyPr/>
+        <a:lstStyle/>
+        <a:p>
+          <a:pPr>
+            <a:lnSpc>
+              <a:spcPct val="100000"/>
+            </a:lnSpc>
+          </a:pPr>
+          <a:r>
+            <a:rPr lang="nl-NL"/>
+            <a:t>Low investment costs</a:t>
+          </a:r>
+          <a:endParaRPr lang="en-US"/>
+        </a:p>
+      </dgm:t>
+    </dgm:pt>
+    <dgm:pt modelId="{BEF7DB05-72CD-4DA3-AAA6-63E8907F77D7}" type="parTrans" cxnId="{D542EEA2-D637-4418-9E01-B2761CB7DB0D}">
+      <dgm:prSet/>
+      <dgm:spPr/>
+      <dgm:t>
+        <a:bodyPr/>
+        <a:lstStyle/>
+        <a:p>
+          <a:endParaRPr lang="en-US"/>
+        </a:p>
+      </dgm:t>
+    </dgm:pt>
+    <dgm:pt modelId="{D7D1356A-AC22-426C-B081-889E85125255}" type="sibTrans" cxnId="{D542EEA2-D637-4418-9E01-B2761CB7DB0D}">
+      <dgm:prSet/>
+      <dgm:spPr/>
+      <dgm:t>
+        <a:bodyPr/>
+        <a:lstStyle/>
+        <a:p>
+          <a:endParaRPr lang="en-US"/>
+        </a:p>
+      </dgm:t>
+    </dgm:pt>
+    <dgm:pt modelId="{CCB6B193-7748-48F7-B153-DBB9D7A94B64}">
+      <dgm:prSet/>
+      <dgm:spPr/>
+      <dgm:t>
+        <a:bodyPr/>
+        <a:lstStyle/>
+        <a:p>
+          <a:pPr>
+            <a:lnSpc>
+              <a:spcPct val="100000"/>
+            </a:lnSpc>
+          </a:pPr>
+          <a:r>
+            <a:rPr lang="nl-NL"/>
+            <a:t>Increased productivity</a:t>
+          </a:r>
+          <a:endParaRPr lang="en-US"/>
+        </a:p>
+      </dgm:t>
+    </dgm:pt>
+    <dgm:pt modelId="{5E4ADA3E-8E33-4842-9B25-C85D5251DBA3}" type="parTrans" cxnId="{46ADA142-DC98-49F9-AA76-0D3B29E5B389}">
+      <dgm:prSet/>
+      <dgm:spPr/>
+      <dgm:t>
+        <a:bodyPr/>
+        <a:lstStyle/>
+        <a:p>
+          <a:endParaRPr lang="en-US"/>
+        </a:p>
+      </dgm:t>
+    </dgm:pt>
+    <dgm:pt modelId="{88954D37-F90A-4403-8432-C750A8C3B3C0}" type="sibTrans" cxnId="{46ADA142-DC98-49F9-AA76-0D3B29E5B389}">
+      <dgm:prSet/>
+      <dgm:spPr/>
+      <dgm:t>
+        <a:bodyPr/>
+        <a:lstStyle/>
+        <a:p>
+          <a:endParaRPr lang="en-US"/>
+        </a:p>
+      </dgm:t>
+    </dgm:pt>
+    <dgm:pt modelId="{E0AC6F42-2330-4E3A-9054-56FB203E01D5}">
+      <dgm:prSet/>
+      <dgm:spPr/>
+      <dgm:t>
+        <a:bodyPr/>
+        <a:lstStyle/>
+        <a:p>
+          <a:pPr>
+            <a:lnSpc>
+              <a:spcPct val="100000"/>
+            </a:lnSpc>
+          </a:pPr>
+          <a:r>
+            <a:rPr lang="nl-NL"/>
+            <a:t>24/7 up and running</a:t>
+          </a:r>
+          <a:endParaRPr lang="en-US"/>
+        </a:p>
+      </dgm:t>
+    </dgm:pt>
+    <dgm:pt modelId="{651AFBD7-0EBC-40A2-9666-A2617169F903}" type="parTrans" cxnId="{01CEFDB6-C159-4C34-8571-7C5523108046}">
+      <dgm:prSet/>
+      <dgm:spPr/>
+      <dgm:t>
+        <a:bodyPr/>
+        <a:lstStyle/>
+        <a:p>
+          <a:endParaRPr lang="en-US"/>
+        </a:p>
+      </dgm:t>
+    </dgm:pt>
+    <dgm:pt modelId="{8E442DAC-2A9A-441A-A749-A12BE503A869}" type="sibTrans" cxnId="{01CEFDB6-C159-4C34-8571-7C5523108046}">
+      <dgm:prSet/>
+      <dgm:spPr/>
+      <dgm:t>
+        <a:bodyPr/>
+        <a:lstStyle/>
+        <a:p>
+          <a:endParaRPr lang="en-US"/>
+        </a:p>
+      </dgm:t>
+    </dgm:pt>
+    <dgm:pt modelId="{32359A12-9050-4C1F-A750-FB833DFEB23C}" type="pres">
+      <dgm:prSet presAssocID="{06388886-3D6C-458A-BE29-AD1A5FDD6E46}" presName="root" presStyleCnt="0">
+        <dgm:presLayoutVars>
+          <dgm:dir/>
+          <dgm:resizeHandles val="exact"/>
+        </dgm:presLayoutVars>
+      </dgm:prSet>
+      <dgm:spPr/>
+    </dgm:pt>
+    <dgm:pt modelId="{5D165492-76E0-4396-BA4C-425F9ECF84B0}" type="pres">
+      <dgm:prSet presAssocID="{817C1531-4422-463A-B085-F806686822A3}" presName="compNode" presStyleCnt="0"/>
+      <dgm:spPr/>
+    </dgm:pt>
+    <dgm:pt modelId="{B7D8A926-A132-4F60-930A-188F01D37A0B}" type="pres">
+      <dgm:prSet presAssocID="{817C1531-4422-463A-B085-F806686822A3}" presName="iconRect" presStyleLbl="node1" presStyleIdx="0" presStyleCnt="4"/>
+      <dgm:spPr>
+        <a:blipFill>
+          <a:blip xmlns:r="http://schemas.openxmlformats.org/officeDocument/2006/relationships" r:embed="rId1">
+            <a:extLst>
+              <a:ext uri="{28A0092B-C50C-407E-A947-70E740481C1C}">
+                <a14:useLocalDpi xmlns:a14="http://schemas.microsoft.com/office/drawing/2010/main" val="0"/>
+              </a:ext>
+              <a:ext uri="{96DAC541-7B7A-43D3-8B79-37D633B846F1}">
+                <asvg:svgBlip xmlns:asvg="http://schemas.microsoft.com/office/drawing/2016/SVG/main" r:embed="rId2"/>
+              </a:ext>
+            </a:extLst>
+          </a:blip>
+          <a:stretch>
+            <a:fillRect/>
+          </a:stretch>
+        </a:blipFill>
+      </dgm:spPr>
+      <dgm:extLst>
+        <a:ext uri="{E40237B7-FDA0-4F09-8148-C483321AD2D9}">
+          <dgm14:cNvPr xmlns:dgm14="http://schemas.microsoft.com/office/drawing/2010/diagram" id="0" name="" descr="Meter"/>
+        </a:ext>
+      </dgm:extLst>
+    </dgm:pt>
+    <dgm:pt modelId="{BDA965B8-EFFD-424A-8B3A-7C585C498777}" type="pres">
+      <dgm:prSet presAssocID="{817C1531-4422-463A-B085-F806686822A3}" presName="spaceRect" presStyleCnt="0"/>
+      <dgm:spPr/>
+    </dgm:pt>
+    <dgm:pt modelId="{BFEC1CDB-53D4-4C19-8CD0-ECD420E284A5}" type="pres">
+      <dgm:prSet presAssocID="{817C1531-4422-463A-B085-F806686822A3}" presName="textRect" presStyleLbl="revTx" presStyleIdx="0" presStyleCnt="4">
+        <dgm:presLayoutVars>
+          <dgm:chMax val="1"/>
+          <dgm:chPref val="1"/>
+        </dgm:presLayoutVars>
+      </dgm:prSet>
+      <dgm:spPr/>
+    </dgm:pt>
+    <dgm:pt modelId="{00F4435B-B20B-480D-9576-1B78D812D14D}" type="pres">
+      <dgm:prSet presAssocID="{4C6ACD3D-EE93-4746-9BB4-048D27D4BF46}" presName="sibTrans" presStyleCnt="0"/>
+      <dgm:spPr/>
+    </dgm:pt>
+    <dgm:pt modelId="{593EFD18-A0B3-4352-9EAD-080CC320B661}" type="pres">
+      <dgm:prSet presAssocID="{57F555E5-ECA2-4B17-9681-DDC72A4EAC85}" presName="compNode" presStyleCnt="0"/>
+      <dgm:spPr/>
+    </dgm:pt>
+    <dgm:pt modelId="{BC2C05E3-FCBA-4D89-B1A2-5770D180C18C}" type="pres">
+      <dgm:prSet presAssocID="{57F555E5-ECA2-4B17-9681-DDC72A4EAC85}" presName="iconRect" presStyleLbl="node1" presStyleIdx="1" presStyleCnt="4"/>
+      <dgm:spPr>
+        <a:blipFill>
+          <a:blip xmlns:r="http://schemas.openxmlformats.org/officeDocument/2006/relationships" r:embed="rId3">
+            <a:extLst>
+              <a:ext uri="{28A0092B-C50C-407E-A947-70E740481C1C}">
+                <a14:useLocalDpi xmlns:a14="http://schemas.microsoft.com/office/drawing/2010/main" val="0"/>
+              </a:ext>
+              <a:ext uri="{96DAC541-7B7A-43D3-8B79-37D633B846F1}">
+                <asvg:svgBlip xmlns:asvg="http://schemas.microsoft.com/office/drawing/2016/SVG/main" r:embed="rId4"/>
+              </a:ext>
+            </a:extLst>
+          </a:blip>
+          <a:stretch>
+            <a:fillRect/>
+          </a:stretch>
+        </a:blipFill>
+      </dgm:spPr>
+      <dgm:extLst>
+        <a:ext uri="{E40237B7-FDA0-4F09-8148-C483321AD2D9}">
+          <dgm14:cNvPr xmlns:dgm14="http://schemas.microsoft.com/office/drawing/2010/diagram" id="0" name="" descr="Geld"/>
+        </a:ext>
+      </dgm:extLst>
+    </dgm:pt>
+    <dgm:pt modelId="{DD83B4E6-0940-4DA0-B48E-530C51AF0ED7}" type="pres">
+      <dgm:prSet presAssocID="{57F555E5-ECA2-4B17-9681-DDC72A4EAC85}" presName="spaceRect" presStyleCnt="0"/>
+      <dgm:spPr/>
+    </dgm:pt>
+    <dgm:pt modelId="{7E06464E-E91F-44A5-AF6E-F01468FBDD21}" type="pres">
+      <dgm:prSet presAssocID="{57F555E5-ECA2-4B17-9681-DDC72A4EAC85}" presName="textRect" presStyleLbl="revTx" presStyleIdx="1" presStyleCnt="4">
+        <dgm:presLayoutVars>
+          <dgm:chMax val="1"/>
+          <dgm:chPref val="1"/>
+        </dgm:presLayoutVars>
+      </dgm:prSet>
+      <dgm:spPr/>
+    </dgm:pt>
+    <dgm:pt modelId="{C8DB6249-9243-436D-97C6-BFFD4FD58572}" type="pres">
+      <dgm:prSet presAssocID="{D7D1356A-AC22-426C-B081-889E85125255}" presName="sibTrans" presStyleCnt="0"/>
+      <dgm:spPr/>
+    </dgm:pt>
+    <dgm:pt modelId="{474A8BBB-21AE-4707-A409-F81E2B358FBE}" type="pres">
+      <dgm:prSet presAssocID="{CCB6B193-7748-48F7-B153-DBB9D7A94B64}" presName="compNode" presStyleCnt="0"/>
+      <dgm:spPr/>
+    </dgm:pt>
+    <dgm:pt modelId="{FD5FF130-20F9-4A50-99D0-F7DBAAA5FAAA}" type="pres">
+      <dgm:prSet presAssocID="{CCB6B193-7748-48F7-B153-DBB9D7A94B64}" presName="iconRect" presStyleLbl="node1" presStyleIdx="2" presStyleCnt="4"/>
+      <dgm:spPr>
+        <a:blipFill>
+          <a:blip xmlns:r="http://schemas.openxmlformats.org/officeDocument/2006/relationships" r:embed="rId5">
+            <a:extLst>
+              <a:ext uri="{28A0092B-C50C-407E-A947-70E740481C1C}">
+                <a14:useLocalDpi xmlns:a14="http://schemas.microsoft.com/office/drawing/2010/main" val="0"/>
+              </a:ext>
+              <a:ext uri="{96DAC541-7B7A-43D3-8B79-37D633B846F1}">
+                <asvg:svgBlip xmlns:asvg="http://schemas.microsoft.com/office/drawing/2016/SVG/main" r:embed="rId6"/>
+              </a:ext>
+            </a:extLst>
+          </a:blip>
+          <a:stretch>
+            <a:fillRect/>
+          </a:stretch>
+        </a:blipFill>
+      </dgm:spPr>
+      <dgm:extLst>
+        <a:ext uri="{E40237B7-FDA0-4F09-8148-C483321AD2D9}">
+          <dgm14:cNvPr xmlns:dgm14="http://schemas.microsoft.com/office/drawing/2010/diagram" id="0" name="" descr="Upward trend"/>
+        </a:ext>
+      </dgm:extLst>
+    </dgm:pt>
+    <dgm:pt modelId="{63015CDF-3A81-4B33-A1D1-F4DD9F7B50C5}" type="pres">
+      <dgm:prSet presAssocID="{CCB6B193-7748-48F7-B153-DBB9D7A94B64}" presName="spaceRect" presStyleCnt="0"/>
+      <dgm:spPr/>
+    </dgm:pt>
+    <dgm:pt modelId="{3CE416C1-2FA4-42FF-A01C-05924BEC7C9F}" type="pres">
+      <dgm:prSet presAssocID="{CCB6B193-7748-48F7-B153-DBB9D7A94B64}" presName="textRect" presStyleLbl="revTx" presStyleIdx="2" presStyleCnt="4">
+        <dgm:presLayoutVars>
+          <dgm:chMax val="1"/>
+          <dgm:chPref val="1"/>
+        </dgm:presLayoutVars>
+      </dgm:prSet>
+      <dgm:spPr/>
+    </dgm:pt>
+    <dgm:pt modelId="{29D9D5B1-6FEF-4905-A807-19730C5BDC2E}" type="pres">
+      <dgm:prSet presAssocID="{88954D37-F90A-4403-8432-C750A8C3B3C0}" presName="sibTrans" presStyleCnt="0"/>
+      <dgm:spPr/>
+    </dgm:pt>
+    <dgm:pt modelId="{8B97910D-3CB1-4E3B-8CD7-F239E08CC3A3}" type="pres">
+      <dgm:prSet presAssocID="{E0AC6F42-2330-4E3A-9054-56FB203E01D5}" presName="compNode" presStyleCnt="0"/>
+      <dgm:spPr/>
+    </dgm:pt>
+    <dgm:pt modelId="{B1C097C5-E77E-44DF-B9C1-CD5DEE2D26CC}" type="pres">
+      <dgm:prSet presAssocID="{E0AC6F42-2330-4E3A-9054-56FB203E01D5}" presName="iconRect" presStyleLbl="node1" presStyleIdx="3" presStyleCnt="4"/>
+      <dgm:spPr>
+        <a:blipFill>
+          <a:blip xmlns:r="http://schemas.openxmlformats.org/officeDocument/2006/relationships" r:embed="rId7">
+            <a:extLst>
+              <a:ext uri="{28A0092B-C50C-407E-A947-70E740481C1C}">
+                <a14:useLocalDpi xmlns:a14="http://schemas.microsoft.com/office/drawing/2010/main" val="0"/>
+              </a:ext>
+              <a:ext uri="{96DAC541-7B7A-43D3-8B79-37D633B846F1}">
+                <asvg:svgBlip xmlns:asvg="http://schemas.microsoft.com/office/drawing/2016/SVG/main" r:embed="rId8"/>
+              </a:ext>
+            </a:extLst>
+          </a:blip>
+          <a:stretch>
+            <a:fillRect/>
+          </a:stretch>
+        </a:blipFill>
+      </dgm:spPr>
+      <dgm:extLst>
+        <a:ext uri="{E40237B7-FDA0-4F09-8148-C483321AD2D9}">
+          <dgm14:cNvPr xmlns:dgm14="http://schemas.microsoft.com/office/drawing/2010/diagram" id="0" name="" descr="Lopen"/>
+        </a:ext>
+      </dgm:extLst>
+    </dgm:pt>
+    <dgm:pt modelId="{345D2803-DE18-410F-8F9B-68D57913D63C}" type="pres">
+      <dgm:prSet presAssocID="{E0AC6F42-2330-4E3A-9054-56FB203E01D5}" presName="spaceRect" presStyleCnt="0"/>
+      <dgm:spPr/>
+    </dgm:pt>
+    <dgm:pt modelId="{3113BB49-C2BA-4EC3-9E0B-6A7404F288D7}" type="pres">
+      <dgm:prSet presAssocID="{E0AC6F42-2330-4E3A-9054-56FB203E01D5}" presName="textRect" presStyleLbl="revTx" presStyleIdx="3" presStyleCnt="4">
+        <dgm:presLayoutVars>
+          <dgm:chMax val="1"/>
+          <dgm:chPref val="1"/>
+        </dgm:presLayoutVars>
+      </dgm:prSet>
+      <dgm:spPr/>
+    </dgm:pt>
+  </dgm:ptLst>
+  <dgm:cxnLst>
+    <dgm:cxn modelId="{7C6F7A07-B82E-4534-B4FD-4DE1FDF85BE8}" srcId="{06388886-3D6C-458A-BE29-AD1A5FDD6E46}" destId="{817C1531-4422-463A-B085-F806686822A3}" srcOrd="0" destOrd="0" parTransId="{45DC0A76-E59B-46AD-8D65-CC13AC365819}" sibTransId="{4C6ACD3D-EE93-4746-9BB4-048D27D4BF46}"/>
+    <dgm:cxn modelId="{46ADA142-DC98-49F9-AA76-0D3B29E5B389}" srcId="{06388886-3D6C-458A-BE29-AD1A5FDD6E46}" destId="{CCB6B193-7748-48F7-B153-DBB9D7A94B64}" srcOrd="2" destOrd="0" parTransId="{5E4ADA3E-8E33-4842-9B25-C85D5251DBA3}" sibTransId="{88954D37-F90A-4403-8432-C750A8C3B3C0}"/>
+    <dgm:cxn modelId="{02596B43-8FA8-40FE-8860-E0743B293EA4}" type="presOf" srcId="{817C1531-4422-463A-B085-F806686822A3}" destId="{BFEC1CDB-53D4-4C19-8CD0-ECD420E284A5}" srcOrd="0" destOrd="0" presId="urn:microsoft.com/office/officeart/2018/2/layout/IconLabelList"/>
+    <dgm:cxn modelId="{55BE008D-BD06-4500-91E2-ED95D7F66430}" type="presOf" srcId="{E0AC6F42-2330-4E3A-9054-56FB203E01D5}" destId="{3113BB49-C2BA-4EC3-9E0B-6A7404F288D7}" srcOrd="0" destOrd="0" presId="urn:microsoft.com/office/officeart/2018/2/layout/IconLabelList"/>
+    <dgm:cxn modelId="{D542EEA2-D637-4418-9E01-B2761CB7DB0D}" srcId="{06388886-3D6C-458A-BE29-AD1A5FDD6E46}" destId="{57F555E5-ECA2-4B17-9681-DDC72A4EAC85}" srcOrd="1" destOrd="0" parTransId="{BEF7DB05-72CD-4DA3-AAA6-63E8907F77D7}" sibTransId="{D7D1356A-AC22-426C-B081-889E85125255}"/>
+    <dgm:cxn modelId="{447EE2A5-BE34-43B0-8699-CE19CFFF0CFB}" type="presOf" srcId="{CCB6B193-7748-48F7-B153-DBB9D7A94B64}" destId="{3CE416C1-2FA4-42FF-A01C-05924BEC7C9F}" srcOrd="0" destOrd="0" presId="urn:microsoft.com/office/officeart/2018/2/layout/IconLabelList"/>
+    <dgm:cxn modelId="{216891B3-5C1B-4382-9F98-F862BDCB1ADA}" type="presOf" srcId="{57F555E5-ECA2-4B17-9681-DDC72A4EAC85}" destId="{7E06464E-E91F-44A5-AF6E-F01468FBDD21}" srcOrd="0" destOrd="0" presId="urn:microsoft.com/office/officeart/2018/2/layout/IconLabelList"/>
+    <dgm:cxn modelId="{01CEFDB6-C159-4C34-8571-7C5523108046}" srcId="{06388886-3D6C-458A-BE29-AD1A5FDD6E46}" destId="{E0AC6F42-2330-4E3A-9054-56FB203E01D5}" srcOrd="3" destOrd="0" parTransId="{651AFBD7-0EBC-40A2-9666-A2617169F903}" sibTransId="{8E442DAC-2A9A-441A-A749-A12BE503A869}"/>
+    <dgm:cxn modelId="{4448F0EF-04AD-4FBE-B272-53DDBBADE556}" type="presOf" srcId="{06388886-3D6C-458A-BE29-AD1A5FDD6E46}" destId="{32359A12-9050-4C1F-A750-FB833DFEB23C}" srcOrd="0" destOrd="0" presId="urn:microsoft.com/office/officeart/2018/2/layout/IconLabelList"/>
+    <dgm:cxn modelId="{23AB8DC2-9A5A-4581-9BC8-B7BC2275405A}" type="presParOf" srcId="{32359A12-9050-4C1F-A750-FB833DFEB23C}" destId="{5D165492-76E0-4396-BA4C-425F9ECF84B0}" srcOrd="0" destOrd="0" presId="urn:microsoft.com/office/officeart/2018/2/layout/IconLabelList"/>
+    <dgm:cxn modelId="{36917CD4-C482-4CFB-A586-098091A4E800}" type="presParOf" srcId="{5D165492-76E0-4396-BA4C-425F9ECF84B0}" destId="{B7D8A926-A132-4F60-930A-188F01D37A0B}" srcOrd="0" destOrd="0" presId="urn:microsoft.com/office/officeart/2018/2/layout/IconLabelList"/>
+    <dgm:cxn modelId="{605EC781-C85A-4882-9AD2-5092AABD0127}" type="presParOf" srcId="{5D165492-76E0-4396-BA4C-425F9ECF84B0}" destId="{BDA965B8-EFFD-424A-8B3A-7C585C498777}" srcOrd="1" destOrd="0" presId="urn:microsoft.com/office/officeart/2018/2/layout/IconLabelList"/>
+    <dgm:cxn modelId="{C2226E44-7FD8-40BA-A031-D18E8A0ACD3F}" type="presParOf" srcId="{5D165492-76E0-4396-BA4C-425F9ECF84B0}" destId="{BFEC1CDB-53D4-4C19-8CD0-ECD420E284A5}" srcOrd="2" destOrd="0" presId="urn:microsoft.com/office/officeart/2018/2/layout/IconLabelList"/>
+    <dgm:cxn modelId="{0CD8C098-198D-464D-8FA5-0003F67C40A5}" type="presParOf" srcId="{32359A12-9050-4C1F-A750-FB833DFEB23C}" destId="{00F4435B-B20B-480D-9576-1B78D812D14D}" srcOrd="1" destOrd="0" presId="urn:microsoft.com/office/officeart/2018/2/layout/IconLabelList"/>
+    <dgm:cxn modelId="{C66373C0-B46E-4D74-A54F-EC59106C6D14}" type="presParOf" srcId="{32359A12-9050-4C1F-A750-FB833DFEB23C}" destId="{593EFD18-A0B3-4352-9EAD-080CC320B661}" srcOrd="2" destOrd="0" presId="urn:microsoft.com/office/officeart/2018/2/layout/IconLabelList"/>
+    <dgm:cxn modelId="{240FD6F7-3CA7-4864-8CD6-146AD045B446}" type="presParOf" srcId="{593EFD18-A0B3-4352-9EAD-080CC320B661}" destId="{BC2C05E3-FCBA-4D89-B1A2-5770D180C18C}" srcOrd="0" destOrd="0" presId="urn:microsoft.com/office/officeart/2018/2/layout/IconLabelList"/>
+    <dgm:cxn modelId="{D44EE331-8384-45FD-9808-AC1AA278D322}" type="presParOf" srcId="{593EFD18-A0B3-4352-9EAD-080CC320B661}" destId="{DD83B4E6-0940-4DA0-B48E-530C51AF0ED7}" srcOrd="1" destOrd="0" presId="urn:microsoft.com/office/officeart/2018/2/layout/IconLabelList"/>
+    <dgm:cxn modelId="{366CDA00-12C5-4F14-8F49-DDDE7653C251}" type="presParOf" srcId="{593EFD18-A0B3-4352-9EAD-080CC320B661}" destId="{7E06464E-E91F-44A5-AF6E-F01468FBDD21}" srcOrd="2" destOrd="0" presId="urn:microsoft.com/office/officeart/2018/2/layout/IconLabelList"/>
+    <dgm:cxn modelId="{5DAC5EDC-7CD8-4B79-888D-8E931E6A3271}" type="presParOf" srcId="{32359A12-9050-4C1F-A750-FB833DFEB23C}" destId="{C8DB6249-9243-436D-97C6-BFFD4FD58572}" srcOrd="3" destOrd="0" presId="urn:microsoft.com/office/officeart/2018/2/layout/IconLabelList"/>
+    <dgm:cxn modelId="{923D4D3F-A8C5-44C9-B3F5-51F80E44F166}" type="presParOf" srcId="{32359A12-9050-4C1F-A750-FB833DFEB23C}" destId="{474A8BBB-21AE-4707-A409-F81E2B358FBE}" srcOrd="4" destOrd="0" presId="urn:microsoft.com/office/officeart/2018/2/layout/IconLabelList"/>
+    <dgm:cxn modelId="{467EEF01-71F4-4CA4-B87E-2090CE3A5815}" type="presParOf" srcId="{474A8BBB-21AE-4707-A409-F81E2B358FBE}" destId="{FD5FF130-20F9-4A50-99D0-F7DBAAA5FAAA}" srcOrd="0" destOrd="0" presId="urn:microsoft.com/office/officeart/2018/2/layout/IconLabelList"/>
+    <dgm:cxn modelId="{8026BE3E-C70F-4F08-A4C3-7743CF4667E4}" type="presParOf" srcId="{474A8BBB-21AE-4707-A409-F81E2B358FBE}" destId="{63015CDF-3A81-4B33-A1D1-F4DD9F7B50C5}" srcOrd="1" destOrd="0" presId="urn:microsoft.com/office/officeart/2018/2/layout/IconLabelList"/>
+    <dgm:cxn modelId="{3DAB8831-0E59-4952-8F27-1A375A760840}" type="presParOf" srcId="{474A8BBB-21AE-4707-A409-F81E2B358FBE}" destId="{3CE416C1-2FA4-42FF-A01C-05924BEC7C9F}" srcOrd="2" destOrd="0" presId="urn:microsoft.com/office/officeart/2018/2/layout/IconLabelList"/>
+    <dgm:cxn modelId="{05E8EF0F-AEFF-48C7-8E28-732DCCCCD7F8}" type="presParOf" srcId="{32359A12-9050-4C1F-A750-FB833DFEB23C}" destId="{29D9D5B1-6FEF-4905-A807-19730C5BDC2E}" srcOrd="5" destOrd="0" presId="urn:microsoft.com/office/officeart/2018/2/layout/IconLabelList"/>
+    <dgm:cxn modelId="{DFD06860-13C7-4228-9578-7535FBEC46D6}" type="presParOf" srcId="{32359A12-9050-4C1F-A750-FB833DFEB23C}" destId="{8B97910D-3CB1-4E3B-8CD7-F239E08CC3A3}" srcOrd="6" destOrd="0" presId="urn:microsoft.com/office/officeart/2018/2/layout/IconLabelList"/>
+    <dgm:cxn modelId="{DE3B7EFE-0846-4825-A1CE-A43FE46A1C4F}" type="presParOf" srcId="{8B97910D-3CB1-4E3B-8CD7-F239E08CC3A3}" destId="{B1C097C5-E77E-44DF-B9C1-CD5DEE2D26CC}" srcOrd="0" destOrd="0" presId="urn:microsoft.com/office/officeart/2018/2/layout/IconLabelList"/>
+    <dgm:cxn modelId="{F8A4469A-60CD-4AC3-8B6D-B10DC024290A}" type="presParOf" srcId="{8B97910D-3CB1-4E3B-8CD7-F239E08CC3A3}" destId="{345D2803-DE18-410F-8F9B-68D57913D63C}" srcOrd="1" destOrd="0" presId="urn:microsoft.com/office/officeart/2018/2/layout/IconLabelList"/>
+    <dgm:cxn modelId="{7437E1BC-AE44-4746-A115-154D1F0D4740}" type="presParOf" srcId="{8B97910D-3CB1-4E3B-8CD7-F239E08CC3A3}" destId="{3113BB49-C2BA-4EC3-9E0B-6A7404F288D7}" srcOrd="2" destOrd="0" presId="urn:microsoft.com/office/officeart/2018/2/layout/IconLabelList"/>
+  </dgm:cxnLst>
+  <dgm:bg/>
+  <dgm:whole/>
+  <dgm:extLst>
+    <a:ext uri="http://schemas.microsoft.com/office/drawing/2008/diagram">
+      <dsp:dataModelExt xmlns:dsp="http://schemas.microsoft.com/office/drawing/2008/diagram" relId="rId6" minVer="http://schemas.openxmlformats.org/drawingml/2006/diagram"/>
+    </a:ext>
+  </dgm:extLst>
+</dgm:dataModel>
+</file>
+
+<file path=ppt/diagrams/data3.xml><?xml version="1.0" encoding="utf-8"?>
 <dgm:dataModel xmlns:dgm="http://schemas.openxmlformats.org/drawingml/2006/diagram" xmlns:a="http://schemas.openxmlformats.org/drawingml/2006/main">
   <dgm:ptLst>
     <dgm:pt modelId="{8C3CF414-15FB-4761-8AC0-260786C1C915}" type="doc">
@@ -1432,6 +3831,835 @@
 </file>
 
 <file path=ppt/diagrams/drawing1.xml><?xml version="1.0" encoding="utf-8"?>
+<dsp:drawing xmlns:dgm="http://schemas.openxmlformats.org/drawingml/2006/diagram" xmlns:dsp="http://schemas.microsoft.com/office/drawing/2008/diagram" xmlns:a="http://schemas.openxmlformats.org/drawingml/2006/main">
+  <dsp:spTree>
+    <dsp:nvGrpSpPr>
+      <dsp:cNvPr id="0" name=""/>
+      <dsp:cNvGrpSpPr/>
+    </dsp:nvGrpSpPr>
+    <dsp:grpSpPr/>
+    <dsp:sp modelId="{B0C3EEBB-6F8A-463E-A06F-E2099F20C028}">
+      <dsp:nvSpPr>
+        <dsp:cNvPr id="0" name=""/>
+        <dsp:cNvSpPr/>
+      </dsp:nvSpPr>
+      <dsp:spPr>
+        <a:xfrm>
+          <a:off x="1258265" y="360378"/>
+          <a:ext cx="991237" cy="991237"/>
+        </a:xfrm>
+        <a:prstGeom prst="rect">
+          <a:avLst/>
+        </a:prstGeom>
+        <a:blipFill>
+          <a:blip xmlns:r="http://schemas.openxmlformats.org/officeDocument/2006/relationships" r:embed="rId1">
+            <a:extLst>
+              <a:ext uri="{28A0092B-C50C-407E-A947-70E740481C1C}">
+                <a14:useLocalDpi xmlns:a14="http://schemas.microsoft.com/office/drawing/2010/main" val="0"/>
+              </a:ext>
+              <a:ext uri="{96DAC541-7B7A-43D3-8B79-37D633B846F1}">
+                <asvg:svgBlip xmlns:asvg="http://schemas.microsoft.com/office/drawing/2016/SVG/main" r:embed="rId2"/>
+              </a:ext>
+            </a:extLst>
+          </a:blip>
+          <a:stretch>
+            <a:fillRect/>
+          </a:stretch>
+        </a:blipFill>
+        <a:ln w="12700" cap="flat" cmpd="sng" algn="ctr">
+          <a:noFill/>
+          <a:prstDash val="solid"/>
+          <a:miter lim="800000"/>
+        </a:ln>
+        <a:effectLst/>
+      </dsp:spPr>
+      <dsp:style>
+        <a:lnRef idx="2">
+          <a:scrgbClr r="0" g="0" b="0"/>
+        </a:lnRef>
+        <a:fillRef idx="1">
+          <a:scrgbClr r="0" g="0" b="0"/>
+        </a:fillRef>
+        <a:effectRef idx="0">
+          <a:scrgbClr r="0" g="0" b="0"/>
+        </a:effectRef>
+        <a:fontRef idx="minor">
+          <a:schemeClr val="lt1"/>
+        </a:fontRef>
+      </dsp:style>
+    </dsp:sp>
+    <dsp:sp modelId="{CB48A541-A7CA-40C8-8702-988E656D411C}">
+      <dsp:nvSpPr>
+        <dsp:cNvPr id="0" name=""/>
+        <dsp:cNvSpPr/>
+      </dsp:nvSpPr>
+      <dsp:spPr>
+        <a:xfrm>
+          <a:off x="652509" y="1671656"/>
+          <a:ext cx="2202750" cy="720000"/>
+        </a:xfrm>
+        <a:prstGeom prst="rect">
+          <a:avLst/>
+        </a:prstGeom>
+        <a:noFill/>
+        <a:ln>
+          <a:noFill/>
+        </a:ln>
+        <a:effectLst/>
+      </dsp:spPr>
+      <dsp:style>
+        <a:lnRef idx="0">
+          <a:scrgbClr r="0" g="0" b="0"/>
+        </a:lnRef>
+        <a:fillRef idx="0">
+          <a:scrgbClr r="0" g="0" b="0"/>
+        </a:fillRef>
+        <a:effectRef idx="0">
+          <a:scrgbClr r="0" g="0" b="0"/>
+        </a:effectRef>
+        <a:fontRef idx="minor"/>
+      </dsp:style>
+      <dsp:txBody>
+        <a:bodyPr spcFirstLastPara="0" vert="horz" wrap="square" lIns="0" tIns="0" rIns="0" bIns="0" numCol="1" spcCol="1270" anchor="t" anchorCtr="0">
+          <a:noAutofit/>
+        </a:bodyPr>
+        <a:lstStyle/>
+        <a:p>
+          <a:pPr marL="0" lvl="0" indent="0" algn="ctr" defTabSz="1111250">
+            <a:lnSpc>
+              <a:spcPct val="90000"/>
+            </a:lnSpc>
+            <a:spcBef>
+              <a:spcPct val="0"/>
+            </a:spcBef>
+            <a:spcAft>
+              <a:spcPct val="35000"/>
+            </a:spcAft>
+            <a:buNone/>
+          </a:pPr>
+          <a:r>
+            <a:rPr lang="nl-NL" sz="2500" kern="1200"/>
+            <a:t>Only 8~ hours a day</a:t>
+          </a:r>
+          <a:endParaRPr lang="en-US" sz="2500" kern="1200"/>
+        </a:p>
+      </dsp:txBody>
+      <dsp:txXfrm>
+        <a:off x="652509" y="1671656"/>
+        <a:ext cx="2202750" cy="720000"/>
+      </dsp:txXfrm>
+    </dsp:sp>
+    <dsp:sp modelId="{2D7987FC-DB12-434E-B96F-58BF7B397C7F}">
+      <dsp:nvSpPr>
+        <dsp:cNvPr id="0" name=""/>
+        <dsp:cNvSpPr/>
+      </dsp:nvSpPr>
+      <dsp:spPr>
+        <a:xfrm>
+          <a:off x="3846496" y="360378"/>
+          <a:ext cx="991237" cy="991237"/>
+        </a:xfrm>
+        <a:prstGeom prst="rect">
+          <a:avLst/>
+        </a:prstGeom>
+        <a:blipFill>
+          <a:blip xmlns:r="http://schemas.openxmlformats.org/officeDocument/2006/relationships" r:embed="rId3">
+            <a:extLst>
+              <a:ext uri="{28A0092B-C50C-407E-A947-70E740481C1C}">
+                <a14:useLocalDpi xmlns:a14="http://schemas.microsoft.com/office/drawing/2010/main" val="0"/>
+              </a:ext>
+              <a:ext uri="{96DAC541-7B7A-43D3-8B79-37D633B846F1}">
+                <asvg:svgBlip xmlns:asvg="http://schemas.microsoft.com/office/drawing/2016/SVG/main" r:embed="rId4"/>
+              </a:ext>
+            </a:extLst>
+          </a:blip>
+          <a:stretch>
+            <a:fillRect/>
+          </a:stretch>
+        </a:blipFill>
+        <a:ln w="12700" cap="flat" cmpd="sng" algn="ctr">
+          <a:noFill/>
+          <a:prstDash val="solid"/>
+          <a:miter lim="800000"/>
+        </a:ln>
+        <a:effectLst/>
+      </dsp:spPr>
+      <dsp:style>
+        <a:lnRef idx="2">
+          <a:scrgbClr r="0" g="0" b="0"/>
+        </a:lnRef>
+        <a:fillRef idx="1">
+          <a:scrgbClr r="0" g="0" b="0"/>
+        </a:fillRef>
+        <a:effectRef idx="0">
+          <a:scrgbClr r="0" g="0" b="0"/>
+        </a:effectRef>
+        <a:fontRef idx="minor">
+          <a:schemeClr val="lt1"/>
+        </a:fontRef>
+      </dsp:style>
+    </dsp:sp>
+    <dsp:sp modelId="{C2FE00E9-4530-4BAD-AE3B-3FE52C1D4D24}">
+      <dsp:nvSpPr>
+        <dsp:cNvPr id="0" name=""/>
+        <dsp:cNvSpPr/>
+      </dsp:nvSpPr>
+      <dsp:spPr>
+        <a:xfrm>
+          <a:off x="3240740" y="1671656"/>
+          <a:ext cx="2202750" cy="720000"/>
+        </a:xfrm>
+        <a:prstGeom prst="rect">
+          <a:avLst/>
+        </a:prstGeom>
+        <a:noFill/>
+        <a:ln>
+          <a:noFill/>
+        </a:ln>
+        <a:effectLst/>
+      </dsp:spPr>
+      <dsp:style>
+        <a:lnRef idx="0">
+          <a:scrgbClr r="0" g="0" b="0"/>
+        </a:lnRef>
+        <a:fillRef idx="0">
+          <a:scrgbClr r="0" g="0" b="0"/>
+        </a:fillRef>
+        <a:effectRef idx="0">
+          <a:scrgbClr r="0" g="0" b="0"/>
+        </a:effectRef>
+        <a:fontRef idx="minor"/>
+      </dsp:style>
+      <dsp:txBody>
+        <a:bodyPr spcFirstLastPara="0" vert="horz" wrap="square" lIns="0" tIns="0" rIns="0" bIns="0" numCol="1" spcCol="1270" anchor="t" anchorCtr="0">
+          <a:noAutofit/>
+        </a:bodyPr>
+        <a:lstStyle/>
+        <a:p>
+          <a:pPr marL="0" lvl="0" indent="0" algn="ctr" defTabSz="1111250">
+            <a:lnSpc>
+              <a:spcPct val="90000"/>
+            </a:lnSpc>
+            <a:spcBef>
+              <a:spcPct val="0"/>
+            </a:spcBef>
+            <a:spcAft>
+              <a:spcPct val="35000"/>
+            </a:spcAft>
+            <a:buNone/>
+          </a:pPr>
+          <a:r>
+            <a:rPr lang="nl-NL" sz="2500" kern="1200"/>
+            <a:t>Long term expenses</a:t>
+          </a:r>
+          <a:endParaRPr lang="en-US" sz="2500" kern="1200"/>
+        </a:p>
+      </dsp:txBody>
+      <dsp:txXfrm>
+        <a:off x="3240740" y="1671656"/>
+        <a:ext cx="2202750" cy="720000"/>
+      </dsp:txXfrm>
+    </dsp:sp>
+    <dsp:sp modelId="{03B24929-8C4A-45ED-8BCA-3B14708B615F}">
+      <dsp:nvSpPr>
+        <dsp:cNvPr id="0" name=""/>
+        <dsp:cNvSpPr/>
+      </dsp:nvSpPr>
+      <dsp:spPr>
+        <a:xfrm>
+          <a:off x="2552381" y="2942343"/>
+          <a:ext cx="991237" cy="991237"/>
+        </a:xfrm>
+        <a:prstGeom prst="rect">
+          <a:avLst/>
+        </a:prstGeom>
+        <a:blipFill>
+          <a:blip xmlns:r="http://schemas.openxmlformats.org/officeDocument/2006/relationships" r:embed="rId5">
+            <a:extLst>
+              <a:ext uri="{28A0092B-C50C-407E-A947-70E740481C1C}">
+                <a14:useLocalDpi xmlns:a14="http://schemas.microsoft.com/office/drawing/2010/main" val="0"/>
+              </a:ext>
+              <a:ext uri="{96DAC541-7B7A-43D3-8B79-37D633B846F1}">
+                <asvg:svgBlip xmlns:asvg="http://schemas.microsoft.com/office/drawing/2016/SVG/main" r:embed="rId6"/>
+              </a:ext>
+            </a:extLst>
+          </a:blip>
+          <a:stretch>
+            <a:fillRect/>
+          </a:stretch>
+        </a:blipFill>
+        <a:ln w="12700" cap="flat" cmpd="sng" algn="ctr">
+          <a:noFill/>
+          <a:prstDash val="solid"/>
+          <a:miter lim="800000"/>
+        </a:ln>
+        <a:effectLst/>
+      </dsp:spPr>
+      <dsp:style>
+        <a:lnRef idx="2">
+          <a:scrgbClr r="0" g="0" b="0"/>
+        </a:lnRef>
+        <a:fillRef idx="1">
+          <a:scrgbClr r="0" g="0" b="0"/>
+        </a:fillRef>
+        <a:effectRef idx="0">
+          <a:scrgbClr r="0" g="0" b="0"/>
+        </a:effectRef>
+        <a:fontRef idx="minor">
+          <a:schemeClr val="lt1"/>
+        </a:fontRef>
+      </dsp:style>
+    </dsp:sp>
+    <dsp:sp modelId="{3AD6B0F9-D108-4A15-9D46-0AC3490DA5A6}">
+      <dsp:nvSpPr>
+        <dsp:cNvPr id="0" name=""/>
+        <dsp:cNvSpPr/>
+      </dsp:nvSpPr>
+      <dsp:spPr>
+        <a:xfrm>
+          <a:off x="1946625" y="4253621"/>
+          <a:ext cx="2202750" cy="720000"/>
+        </a:xfrm>
+        <a:prstGeom prst="rect">
+          <a:avLst/>
+        </a:prstGeom>
+        <a:noFill/>
+        <a:ln>
+          <a:noFill/>
+        </a:ln>
+        <a:effectLst/>
+      </dsp:spPr>
+      <dsp:style>
+        <a:lnRef idx="0">
+          <a:scrgbClr r="0" g="0" b="0"/>
+        </a:lnRef>
+        <a:fillRef idx="0">
+          <a:scrgbClr r="0" g="0" b="0"/>
+        </a:fillRef>
+        <a:effectRef idx="0">
+          <a:scrgbClr r="0" g="0" b="0"/>
+        </a:effectRef>
+        <a:fontRef idx="minor"/>
+      </dsp:style>
+      <dsp:txBody>
+        <a:bodyPr spcFirstLastPara="0" vert="horz" wrap="square" lIns="0" tIns="0" rIns="0" bIns="0" numCol="1" spcCol="1270" anchor="t" anchorCtr="0">
+          <a:noAutofit/>
+        </a:bodyPr>
+        <a:lstStyle/>
+        <a:p>
+          <a:pPr marL="0" lvl="0" indent="0" algn="ctr" defTabSz="1111250">
+            <a:lnSpc>
+              <a:spcPct val="90000"/>
+            </a:lnSpc>
+            <a:spcBef>
+              <a:spcPct val="0"/>
+            </a:spcBef>
+            <a:spcAft>
+              <a:spcPct val="35000"/>
+            </a:spcAft>
+            <a:buNone/>
+          </a:pPr>
+          <a:r>
+            <a:rPr lang="nl-NL" sz="2500" kern="1200"/>
+            <a:t>Staff shortage</a:t>
+          </a:r>
+          <a:endParaRPr lang="en-US" sz="2500" kern="1200"/>
+        </a:p>
+      </dsp:txBody>
+      <dsp:txXfrm>
+        <a:off x="1946625" y="4253621"/>
+        <a:ext cx="2202750" cy="720000"/>
+      </dsp:txXfrm>
+    </dsp:sp>
+  </dsp:spTree>
+</dsp:drawing>
+</file>
+
+<file path=ppt/diagrams/drawing2.xml><?xml version="1.0" encoding="utf-8"?>
+<dsp:drawing xmlns:dgm="http://schemas.openxmlformats.org/drawingml/2006/diagram" xmlns:dsp="http://schemas.microsoft.com/office/drawing/2008/diagram" xmlns:a="http://schemas.openxmlformats.org/drawingml/2006/main">
+  <dsp:spTree>
+    <dsp:nvGrpSpPr>
+      <dsp:cNvPr id="0" name=""/>
+      <dsp:cNvGrpSpPr/>
+    </dsp:nvGrpSpPr>
+    <dsp:grpSpPr/>
+    <dsp:sp modelId="{B7D8A926-A132-4F60-930A-188F01D37A0B}">
+      <dsp:nvSpPr>
+        <dsp:cNvPr id="0" name=""/>
+        <dsp:cNvSpPr/>
+      </dsp:nvSpPr>
+      <dsp:spPr>
+        <a:xfrm>
+          <a:off x="654928" y="862286"/>
+          <a:ext cx="1059412" cy="1059412"/>
+        </a:xfrm>
+        <a:prstGeom prst="rect">
+          <a:avLst/>
+        </a:prstGeom>
+        <a:blipFill>
+          <a:blip xmlns:r="http://schemas.openxmlformats.org/officeDocument/2006/relationships" r:embed="rId1">
+            <a:extLst>
+              <a:ext uri="{28A0092B-C50C-407E-A947-70E740481C1C}">
+                <a14:useLocalDpi xmlns:a14="http://schemas.microsoft.com/office/drawing/2010/main" val="0"/>
+              </a:ext>
+              <a:ext uri="{96DAC541-7B7A-43D3-8B79-37D633B846F1}">
+                <asvg:svgBlip xmlns:asvg="http://schemas.microsoft.com/office/drawing/2016/SVG/main" r:embed="rId2"/>
+              </a:ext>
+            </a:extLst>
+          </a:blip>
+          <a:stretch>
+            <a:fillRect/>
+          </a:stretch>
+        </a:blipFill>
+        <a:ln w="12700" cap="flat" cmpd="sng" algn="ctr">
+          <a:solidFill>
+            <a:schemeClr val="lt1">
+              <a:hueOff val="0"/>
+              <a:satOff val="0"/>
+              <a:lumOff val="0"/>
+              <a:alphaOff val="0"/>
+            </a:schemeClr>
+          </a:solidFill>
+          <a:prstDash val="solid"/>
+          <a:miter lim="800000"/>
+        </a:ln>
+        <a:effectLst/>
+      </dsp:spPr>
+      <dsp:style>
+        <a:lnRef idx="2">
+          <a:scrgbClr r="0" g="0" b="0"/>
+        </a:lnRef>
+        <a:fillRef idx="1">
+          <a:scrgbClr r="0" g="0" b="0"/>
+        </a:fillRef>
+        <a:effectRef idx="0">
+          <a:scrgbClr r="0" g="0" b="0"/>
+        </a:effectRef>
+        <a:fontRef idx="minor">
+          <a:schemeClr val="lt1"/>
+        </a:fontRef>
+      </dsp:style>
+    </dsp:sp>
+    <dsp:sp modelId="{BFEC1CDB-53D4-4C19-8CD0-ECD420E284A5}">
+      <dsp:nvSpPr>
+        <dsp:cNvPr id="0" name=""/>
+        <dsp:cNvSpPr/>
+      </dsp:nvSpPr>
+      <dsp:spPr>
+        <a:xfrm>
+          <a:off x="7509" y="2235796"/>
+          <a:ext cx="2354250" cy="720000"/>
+        </a:xfrm>
+        <a:prstGeom prst="rect">
+          <a:avLst/>
+        </a:prstGeom>
+        <a:noFill/>
+        <a:ln>
+          <a:noFill/>
+        </a:ln>
+        <a:effectLst/>
+      </dsp:spPr>
+      <dsp:style>
+        <a:lnRef idx="0">
+          <a:scrgbClr r="0" g="0" b="0"/>
+        </a:lnRef>
+        <a:fillRef idx="0">
+          <a:scrgbClr r="0" g="0" b="0"/>
+        </a:fillRef>
+        <a:effectRef idx="0">
+          <a:scrgbClr r="0" g="0" b="0"/>
+        </a:effectRef>
+        <a:fontRef idx="minor"/>
+      </dsp:style>
+      <dsp:txBody>
+        <a:bodyPr spcFirstLastPara="0" vert="horz" wrap="square" lIns="0" tIns="0" rIns="0" bIns="0" numCol="1" spcCol="1270" anchor="t" anchorCtr="0">
+          <a:noAutofit/>
+        </a:bodyPr>
+        <a:lstStyle/>
+        <a:p>
+          <a:pPr marL="0" lvl="0" indent="0" algn="ctr" defTabSz="1022350">
+            <a:lnSpc>
+              <a:spcPct val="100000"/>
+            </a:lnSpc>
+            <a:spcBef>
+              <a:spcPct val="0"/>
+            </a:spcBef>
+            <a:spcAft>
+              <a:spcPct val="35000"/>
+            </a:spcAft>
+            <a:buNone/>
+          </a:pPr>
+          <a:r>
+            <a:rPr lang="nl-NL" sz="2300" kern="1200"/>
+            <a:t>Flexible and easily scalable</a:t>
+          </a:r>
+          <a:endParaRPr lang="en-US" sz="2300" kern="1200"/>
+        </a:p>
+      </dsp:txBody>
+      <dsp:txXfrm>
+        <a:off x="7509" y="2235796"/>
+        <a:ext cx="2354250" cy="720000"/>
+      </dsp:txXfrm>
+    </dsp:sp>
+    <dsp:sp modelId="{BC2C05E3-FCBA-4D89-B1A2-5770D180C18C}">
+      <dsp:nvSpPr>
+        <dsp:cNvPr id="0" name=""/>
+        <dsp:cNvSpPr/>
+      </dsp:nvSpPr>
+      <dsp:spPr>
+        <a:xfrm>
+          <a:off x="3421171" y="862286"/>
+          <a:ext cx="1059412" cy="1059412"/>
+        </a:xfrm>
+        <a:prstGeom prst="rect">
+          <a:avLst/>
+        </a:prstGeom>
+        <a:blipFill>
+          <a:blip xmlns:r="http://schemas.openxmlformats.org/officeDocument/2006/relationships" r:embed="rId3">
+            <a:extLst>
+              <a:ext uri="{28A0092B-C50C-407E-A947-70E740481C1C}">
+                <a14:useLocalDpi xmlns:a14="http://schemas.microsoft.com/office/drawing/2010/main" val="0"/>
+              </a:ext>
+              <a:ext uri="{96DAC541-7B7A-43D3-8B79-37D633B846F1}">
+                <asvg:svgBlip xmlns:asvg="http://schemas.microsoft.com/office/drawing/2016/SVG/main" r:embed="rId4"/>
+              </a:ext>
+            </a:extLst>
+          </a:blip>
+          <a:stretch>
+            <a:fillRect/>
+          </a:stretch>
+        </a:blipFill>
+        <a:ln w="12700" cap="flat" cmpd="sng" algn="ctr">
+          <a:solidFill>
+            <a:schemeClr val="lt1">
+              <a:hueOff val="0"/>
+              <a:satOff val="0"/>
+              <a:lumOff val="0"/>
+              <a:alphaOff val="0"/>
+            </a:schemeClr>
+          </a:solidFill>
+          <a:prstDash val="solid"/>
+          <a:miter lim="800000"/>
+        </a:ln>
+        <a:effectLst/>
+      </dsp:spPr>
+      <dsp:style>
+        <a:lnRef idx="2">
+          <a:scrgbClr r="0" g="0" b="0"/>
+        </a:lnRef>
+        <a:fillRef idx="1">
+          <a:scrgbClr r="0" g="0" b="0"/>
+        </a:fillRef>
+        <a:effectRef idx="0">
+          <a:scrgbClr r="0" g="0" b="0"/>
+        </a:effectRef>
+        <a:fontRef idx="minor">
+          <a:schemeClr val="lt1"/>
+        </a:fontRef>
+      </dsp:style>
+    </dsp:sp>
+    <dsp:sp modelId="{7E06464E-E91F-44A5-AF6E-F01468FBDD21}">
+      <dsp:nvSpPr>
+        <dsp:cNvPr id="0" name=""/>
+        <dsp:cNvSpPr/>
+      </dsp:nvSpPr>
+      <dsp:spPr>
+        <a:xfrm>
+          <a:off x="2773753" y="2235796"/>
+          <a:ext cx="2354250" cy="720000"/>
+        </a:xfrm>
+        <a:prstGeom prst="rect">
+          <a:avLst/>
+        </a:prstGeom>
+        <a:noFill/>
+        <a:ln>
+          <a:noFill/>
+        </a:ln>
+        <a:effectLst/>
+      </dsp:spPr>
+      <dsp:style>
+        <a:lnRef idx="0">
+          <a:scrgbClr r="0" g="0" b="0"/>
+        </a:lnRef>
+        <a:fillRef idx="0">
+          <a:scrgbClr r="0" g="0" b="0"/>
+        </a:fillRef>
+        <a:effectRef idx="0">
+          <a:scrgbClr r="0" g="0" b="0"/>
+        </a:effectRef>
+        <a:fontRef idx="minor"/>
+      </dsp:style>
+      <dsp:txBody>
+        <a:bodyPr spcFirstLastPara="0" vert="horz" wrap="square" lIns="0" tIns="0" rIns="0" bIns="0" numCol="1" spcCol="1270" anchor="t" anchorCtr="0">
+          <a:noAutofit/>
+        </a:bodyPr>
+        <a:lstStyle/>
+        <a:p>
+          <a:pPr marL="0" lvl="0" indent="0" algn="ctr" defTabSz="1022350">
+            <a:lnSpc>
+              <a:spcPct val="100000"/>
+            </a:lnSpc>
+            <a:spcBef>
+              <a:spcPct val="0"/>
+            </a:spcBef>
+            <a:spcAft>
+              <a:spcPct val="35000"/>
+            </a:spcAft>
+            <a:buNone/>
+          </a:pPr>
+          <a:r>
+            <a:rPr lang="nl-NL" sz="2300" kern="1200"/>
+            <a:t>Low investment costs</a:t>
+          </a:r>
+          <a:endParaRPr lang="en-US" sz="2300" kern="1200"/>
+        </a:p>
+      </dsp:txBody>
+      <dsp:txXfrm>
+        <a:off x="2773753" y="2235796"/>
+        <a:ext cx="2354250" cy="720000"/>
+      </dsp:txXfrm>
+    </dsp:sp>
+    <dsp:sp modelId="{FD5FF130-20F9-4A50-99D0-F7DBAAA5FAAA}">
+      <dsp:nvSpPr>
+        <dsp:cNvPr id="0" name=""/>
+        <dsp:cNvSpPr/>
+      </dsp:nvSpPr>
+      <dsp:spPr>
+        <a:xfrm>
+          <a:off x="6187415" y="862286"/>
+          <a:ext cx="1059412" cy="1059412"/>
+        </a:xfrm>
+        <a:prstGeom prst="rect">
+          <a:avLst/>
+        </a:prstGeom>
+        <a:blipFill>
+          <a:blip xmlns:r="http://schemas.openxmlformats.org/officeDocument/2006/relationships" r:embed="rId5">
+            <a:extLst>
+              <a:ext uri="{28A0092B-C50C-407E-A947-70E740481C1C}">
+                <a14:useLocalDpi xmlns:a14="http://schemas.microsoft.com/office/drawing/2010/main" val="0"/>
+              </a:ext>
+              <a:ext uri="{96DAC541-7B7A-43D3-8B79-37D633B846F1}">
+                <asvg:svgBlip xmlns:asvg="http://schemas.microsoft.com/office/drawing/2016/SVG/main" r:embed="rId6"/>
+              </a:ext>
+            </a:extLst>
+          </a:blip>
+          <a:stretch>
+            <a:fillRect/>
+          </a:stretch>
+        </a:blipFill>
+        <a:ln w="12700" cap="flat" cmpd="sng" algn="ctr">
+          <a:solidFill>
+            <a:schemeClr val="lt1">
+              <a:hueOff val="0"/>
+              <a:satOff val="0"/>
+              <a:lumOff val="0"/>
+              <a:alphaOff val="0"/>
+            </a:schemeClr>
+          </a:solidFill>
+          <a:prstDash val="solid"/>
+          <a:miter lim="800000"/>
+        </a:ln>
+        <a:effectLst/>
+      </dsp:spPr>
+      <dsp:style>
+        <a:lnRef idx="2">
+          <a:scrgbClr r="0" g="0" b="0"/>
+        </a:lnRef>
+        <a:fillRef idx="1">
+          <a:scrgbClr r="0" g="0" b="0"/>
+        </a:fillRef>
+        <a:effectRef idx="0">
+          <a:scrgbClr r="0" g="0" b="0"/>
+        </a:effectRef>
+        <a:fontRef idx="minor">
+          <a:schemeClr val="lt1"/>
+        </a:fontRef>
+      </dsp:style>
+    </dsp:sp>
+    <dsp:sp modelId="{3CE416C1-2FA4-42FF-A01C-05924BEC7C9F}">
+      <dsp:nvSpPr>
+        <dsp:cNvPr id="0" name=""/>
+        <dsp:cNvSpPr/>
+      </dsp:nvSpPr>
+      <dsp:spPr>
+        <a:xfrm>
+          <a:off x="5539996" y="2235796"/>
+          <a:ext cx="2354250" cy="720000"/>
+        </a:xfrm>
+        <a:prstGeom prst="rect">
+          <a:avLst/>
+        </a:prstGeom>
+        <a:noFill/>
+        <a:ln>
+          <a:noFill/>
+        </a:ln>
+        <a:effectLst/>
+      </dsp:spPr>
+      <dsp:style>
+        <a:lnRef idx="0">
+          <a:scrgbClr r="0" g="0" b="0"/>
+        </a:lnRef>
+        <a:fillRef idx="0">
+          <a:scrgbClr r="0" g="0" b="0"/>
+        </a:fillRef>
+        <a:effectRef idx="0">
+          <a:scrgbClr r="0" g="0" b="0"/>
+        </a:effectRef>
+        <a:fontRef idx="minor"/>
+      </dsp:style>
+      <dsp:txBody>
+        <a:bodyPr spcFirstLastPara="0" vert="horz" wrap="square" lIns="0" tIns="0" rIns="0" bIns="0" numCol="1" spcCol="1270" anchor="t" anchorCtr="0">
+          <a:noAutofit/>
+        </a:bodyPr>
+        <a:lstStyle/>
+        <a:p>
+          <a:pPr marL="0" lvl="0" indent="0" algn="ctr" defTabSz="1022350">
+            <a:lnSpc>
+              <a:spcPct val="100000"/>
+            </a:lnSpc>
+            <a:spcBef>
+              <a:spcPct val="0"/>
+            </a:spcBef>
+            <a:spcAft>
+              <a:spcPct val="35000"/>
+            </a:spcAft>
+            <a:buNone/>
+          </a:pPr>
+          <a:r>
+            <a:rPr lang="nl-NL" sz="2300" kern="1200"/>
+            <a:t>Increased productivity</a:t>
+          </a:r>
+          <a:endParaRPr lang="en-US" sz="2300" kern="1200"/>
+        </a:p>
+      </dsp:txBody>
+      <dsp:txXfrm>
+        <a:off x="5539996" y="2235796"/>
+        <a:ext cx="2354250" cy="720000"/>
+      </dsp:txXfrm>
+    </dsp:sp>
+    <dsp:sp modelId="{B1C097C5-E77E-44DF-B9C1-CD5DEE2D26CC}">
+      <dsp:nvSpPr>
+        <dsp:cNvPr id="0" name=""/>
+        <dsp:cNvSpPr/>
+      </dsp:nvSpPr>
+      <dsp:spPr>
+        <a:xfrm>
+          <a:off x="8953659" y="862286"/>
+          <a:ext cx="1059412" cy="1059412"/>
+        </a:xfrm>
+        <a:prstGeom prst="rect">
+          <a:avLst/>
+        </a:prstGeom>
+        <a:blipFill>
+          <a:blip xmlns:r="http://schemas.openxmlformats.org/officeDocument/2006/relationships" r:embed="rId7">
+            <a:extLst>
+              <a:ext uri="{28A0092B-C50C-407E-A947-70E740481C1C}">
+                <a14:useLocalDpi xmlns:a14="http://schemas.microsoft.com/office/drawing/2010/main" val="0"/>
+              </a:ext>
+              <a:ext uri="{96DAC541-7B7A-43D3-8B79-37D633B846F1}">
+                <asvg:svgBlip xmlns:asvg="http://schemas.microsoft.com/office/drawing/2016/SVG/main" r:embed="rId8"/>
+              </a:ext>
+            </a:extLst>
+          </a:blip>
+          <a:stretch>
+            <a:fillRect/>
+          </a:stretch>
+        </a:blipFill>
+        <a:ln w="12700" cap="flat" cmpd="sng" algn="ctr">
+          <a:solidFill>
+            <a:schemeClr val="lt1">
+              <a:hueOff val="0"/>
+              <a:satOff val="0"/>
+              <a:lumOff val="0"/>
+              <a:alphaOff val="0"/>
+            </a:schemeClr>
+          </a:solidFill>
+          <a:prstDash val="solid"/>
+          <a:miter lim="800000"/>
+        </a:ln>
+        <a:effectLst/>
+      </dsp:spPr>
+      <dsp:style>
+        <a:lnRef idx="2">
+          <a:scrgbClr r="0" g="0" b="0"/>
+        </a:lnRef>
+        <a:fillRef idx="1">
+          <a:scrgbClr r="0" g="0" b="0"/>
+        </a:fillRef>
+        <a:effectRef idx="0">
+          <a:scrgbClr r="0" g="0" b="0"/>
+        </a:effectRef>
+        <a:fontRef idx="minor">
+          <a:schemeClr val="lt1"/>
+        </a:fontRef>
+      </dsp:style>
+    </dsp:sp>
+    <dsp:sp modelId="{3113BB49-C2BA-4EC3-9E0B-6A7404F288D7}">
+      <dsp:nvSpPr>
+        <dsp:cNvPr id="0" name=""/>
+        <dsp:cNvSpPr/>
+      </dsp:nvSpPr>
+      <dsp:spPr>
+        <a:xfrm>
+          <a:off x="8306240" y="2235796"/>
+          <a:ext cx="2354250" cy="720000"/>
+        </a:xfrm>
+        <a:prstGeom prst="rect">
+          <a:avLst/>
+        </a:prstGeom>
+        <a:noFill/>
+        <a:ln>
+          <a:noFill/>
+        </a:ln>
+        <a:effectLst/>
+      </dsp:spPr>
+      <dsp:style>
+        <a:lnRef idx="0">
+          <a:scrgbClr r="0" g="0" b="0"/>
+        </a:lnRef>
+        <a:fillRef idx="0">
+          <a:scrgbClr r="0" g="0" b="0"/>
+        </a:fillRef>
+        <a:effectRef idx="0">
+          <a:scrgbClr r="0" g="0" b="0"/>
+        </a:effectRef>
+        <a:fontRef idx="minor"/>
+      </dsp:style>
+      <dsp:txBody>
+        <a:bodyPr spcFirstLastPara="0" vert="horz" wrap="square" lIns="0" tIns="0" rIns="0" bIns="0" numCol="1" spcCol="1270" anchor="t" anchorCtr="0">
+          <a:noAutofit/>
+        </a:bodyPr>
+        <a:lstStyle/>
+        <a:p>
+          <a:pPr marL="0" lvl="0" indent="0" algn="ctr" defTabSz="1022350">
+            <a:lnSpc>
+              <a:spcPct val="100000"/>
+            </a:lnSpc>
+            <a:spcBef>
+              <a:spcPct val="0"/>
+            </a:spcBef>
+            <a:spcAft>
+              <a:spcPct val="35000"/>
+            </a:spcAft>
+            <a:buNone/>
+          </a:pPr>
+          <a:r>
+            <a:rPr lang="nl-NL" sz="2300" kern="1200"/>
+            <a:t>24/7 up and running</a:t>
+          </a:r>
+          <a:endParaRPr lang="en-US" sz="2300" kern="1200"/>
+        </a:p>
+      </dsp:txBody>
+      <dsp:txXfrm>
+        <a:off x="8306240" y="2235796"/>
+        <a:ext cx="2354250" cy="720000"/>
+      </dsp:txXfrm>
+    </dsp:sp>
+  </dsp:spTree>
+</dsp:drawing>
+</file>
+
+<file path=ppt/diagrams/drawing3.xml><?xml version="1.0" encoding="utf-8"?>
 <dsp:drawing xmlns:dgm="http://schemas.openxmlformats.org/drawingml/2006/diagram" xmlns:dsp="http://schemas.microsoft.com/office/drawing/2008/diagram" xmlns:a="http://schemas.openxmlformats.org/drawingml/2006/main">
   <dsp:spTree>
     <dsp:nvGrpSpPr>
@@ -2071,7 +5299,2455 @@
 </dgm:layoutDef>
 </file>
 
+<file path=ppt/diagrams/layout2.xml><?xml version="1.0" encoding="utf-8"?>
+<dgm:layoutDef xmlns:dgm="http://schemas.openxmlformats.org/drawingml/2006/diagram" xmlns:a="http://schemas.openxmlformats.org/drawingml/2006/main" uniqueId="urn:microsoft.com/office/officeart/2018/2/layout/IconLabelList">
+  <dgm:title val="Icon Label List"/>
+  <dgm:desc val="Use to show non-sequential or grouped chunks of information accompanied by a related visuals. Works best with icons or small pictures with short text captions."/>
+  <dgm:catLst>
+    <dgm:cat type="icon" pri="500"/>
+  </dgm:catLst>
+  <dgm:sampData useDef="1">
+    <dgm:dataModel>
+      <dgm:ptLst/>
+      <dgm:bg/>
+      <dgm:whole/>
+    </dgm:dataModel>
+  </dgm:sampData>
+  <dgm:styleData useDef="1">
+    <dgm:dataModel>
+      <dgm:ptLst/>
+      <dgm:bg/>
+      <dgm:whole/>
+    </dgm:dataModel>
+  </dgm:styleData>
+  <dgm:clrData useDef="1">
+    <dgm:dataModel>
+      <dgm:ptLst/>
+      <dgm:bg/>
+      <dgm:whole/>
+    </dgm:dataModel>
+  </dgm:clrData>
+  <dgm:layoutNode name="root">
+    <dgm:varLst>
+      <dgm:dir/>
+      <dgm:resizeHandles val="exact"/>
+    </dgm:varLst>
+    <dgm:choose name="Name0">
+      <dgm:if name="Name1" axis="self" func="var" arg="dir" op="equ" val="norm">
+        <dgm:alg type="snake">
+          <dgm:param type="grDir" val="tL"/>
+          <dgm:param type="flowDir" val="row"/>
+          <dgm:param type="contDir" val="sameDir"/>
+          <dgm:param type="off" val="ctr"/>
+          <dgm:param type="vertAlign" val="mid"/>
+          <dgm:param type="horzAlign" val="ctr"/>
+        </dgm:alg>
+      </dgm:if>
+      <dgm:else name="Name2">
+        <dgm:alg type="snake">
+          <dgm:param type="grDir" val="tR"/>
+          <dgm:param type="flowDir" val="row"/>
+          <dgm:param type="contDir" val="sameDir"/>
+          <dgm:param type="off" val="ctr"/>
+          <dgm:param type="vertAlign" val="mid"/>
+          <dgm:param type="horzAlign" val="ctr"/>
+        </dgm:alg>
+      </dgm:else>
+    </dgm:choose>
+    <dgm:shape xmlns:r="http://schemas.openxmlformats.org/officeDocument/2006/relationships" r:blip="">
+      <dgm:adjLst/>
+    </dgm:shape>
+    <dgm:presOf/>
+    <dgm:choose name="Name3">
+      <dgm:if name="Name4" axis="ch" ptType="node" func="cnt" op="lte" val="2">
+        <dgm:constrLst>
+          <dgm:constr type="h" for="ch" forName="compNode" refType="h" fact="0.4"/>
+          <dgm:constr type="w" for="ch" forName="compNode" val="120"/>
+          <dgm:constr type="w" for="ch" forName="sibTrans" refType="w" refFor="ch" refForName="compNode" fact="0.175"/>
+          <dgm:constr type="sp" refType="w" refFor="ch" refForName="compNode" op="equ" fact="0.25"/>
+          <dgm:constr type="primFontSz" for="des" ptType="node" op="equ" val="50"/>
+          <dgm:constr type="h" for="des" forName="compNode" op="equ"/>
+          <dgm:constr type="h" for="des" forName="textRect" op="equ"/>
+        </dgm:constrLst>
+      </dgm:if>
+      <dgm:if name="Name5" axis="ch" ptType="node" func="cnt" op="lte" val="4">
+        <dgm:constrLst>
+          <dgm:constr type="h" for="ch" forName="compNode" refType="h" fact="0.4"/>
+          <dgm:constr type="w" for="ch" forName="compNode" refType="w"/>
+          <dgm:constr type="w" for="ch" forName="sibTrans" refType="w" refFor="ch" refForName="compNode" fact="0.175"/>
+          <dgm:constr type="sp" refType="w" refFor="ch" refForName="compNode" op="equ" fact="0.25"/>
+          <dgm:constr type="primFontSz" for="des" ptType="node" op="equ" val="36"/>
+          <dgm:constr type="h" for="des" forName="compNode" op="equ"/>
+          <dgm:constr type="h" for="des" forName="textRect" op="equ"/>
+        </dgm:constrLst>
+      </dgm:if>
+      <dgm:else name="Name6">
+        <dgm:constrLst>
+          <dgm:constr type="h" for="ch" forName="compNode" refType="h" fact="0.4"/>
+          <dgm:constr type="w" for="ch" forName="compNode" refType="w"/>
+          <dgm:constr type="w" for="ch" forName="sibTrans" refType="w" refFor="ch" refForName="compNode" fact="0.175"/>
+          <dgm:constr type="sp" refType="w" refFor="ch" refForName="compNode" op="equ" fact="0.25"/>
+          <dgm:constr type="primFontSz" for="des" ptType="node" op="equ" val="24"/>
+          <dgm:constr type="h" for="des" forName="compNode" op="equ"/>
+          <dgm:constr type="h" for="des" forName="textRect" op="equ"/>
+        </dgm:constrLst>
+      </dgm:else>
+    </dgm:choose>
+    <dgm:ruleLst>
+      <dgm:rule type="w" for="ch" forName="compNode" val="50" fact="NaN" max="NaN"/>
+    </dgm:ruleLst>
+    <dgm:forEach name="Name7" axis="ch" ptType="node">
+      <dgm:layoutNode name="compNode">
+        <dgm:alg type="composite"/>
+        <dgm:shape xmlns:r="http://schemas.openxmlformats.org/officeDocument/2006/relationships" r:blip="">
+          <dgm:adjLst/>
+        </dgm:shape>
+        <dgm:presOf axis="self"/>
+        <dgm:constrLst>
+          <dgm:constr type="w" for="ch" forName="iconRect" refType="w" fact="0.45"/>
+          <dgm:constr type="h" for="ch" forName="iconRect" refType="w" refFor="ch" refForName="iconRect"/>
+          <dgm:constr type="ctrX" for="ch" forName="iconRect" refType="w" fact="0.5"/>
+          <dgm:constr type="t" for="ch" forName="iconRect"/>
+          <dgm:constr type="h" for="ch" forName="spaceRect" refType="h" fact="0.15"/>
+          <dgm:constr type="w" for="ch" forName="spaceRect" refType="w"/>
+          <dgm:constr type="l" for="ch" forName="spaceRect"/>
+          <dgm:constr type="t" for="ch" forName="spaceRect" refType="b" refFor="ch" refForName="iconRect"/>
+          <dgm:constr type="h" for="ch" forName="textRect" val="20"/>
+          <dgm:constr type="w" for="ch" forName="textRect" refType="w"/>
+          <dgm:constr type="l" for="ch" forName="textRect"/>
+          <dgm:constr type="t" for="ch" forName="textRect" refType="b" refFor="ch" refForName="spaceRect"/>
+        </dgm:constrLst>
+        <dgm:ruleLst>
+          <dgm:rule type="h" val="INF" fact="NaN" max="NaN"/>
+        </dgm:ruleLst>
+        <dgm:layoutNode name="iconRect" styleLbl="node1">
+          <dgm:alg type="sp"/>
+          <dgm:shape xmlns:r="http://schemas.openxmlformats.org/officeDocument/2006/relationships" type="rect" r:blip="" blipPhldr="1">
+            <dgm:adjLst/>
+          </dgm:shape>
+          <dgm:presOf/>
+          <dgm:constrLst/>
+          <dgm:ruleLst/>
+        </dgm:layoutNode>
+        <dgm:layoutNode name="spaceRect">
+          <dgm:alg type="sp"/>
+          <dgm:shape xmlns:r="http://schemas.openxmlformats.org/officeDocument/2006/relationships" r:blip="">
+            <dgm:adjLst/>
+          </dgm:shape>
+          <dgm:presOf/>
+          <dgm:constrLst/>
+          <dgm:ruleLst/>
+        </dgm:layoutNode>
+        <dgm:layoutNode name="textRect" styleLbl="revTx">
+          <dgm:varLst>
+            <dgm:chMax val="1"/>
+            <dgm:chPref val="1"/>
+          </dgm:varLst>
+          <dgm:alg type="tx">
+            <dgm:param type="txAnchorVert" val="t"/>
+          </dgm:alg>
+          <dgm:shape xmlns:r="http://schemas.openxmlformats.org/officeDocument/2006/relationships" type="rect" r:blip="">
+            <dgm:adjLst/>
+          </dgm:shape>
+          <dgm:presOf axis="self" ptType="node"/>
+          <dgm:constrLst>
+            <dgm:constr type="lMarg"/>
+            <dgm:constr type="rMarg"/>
+            <dgm:constr type="tMarg"/>
+            <dgm:constr type="bMarg"/>
+          </dgm:constrLst>
+          <dgm:ruleLst>
+            <dgm:rule type="primFontSz" val="11" fact="NaN" max="NaN"/>
+            <dgm:rule type="h" val="INF" fact="NaN" max="NaN"/>
+          </dgm:ruleLst>
+        </dgm:layoutNode>
+      </dgm:layoutNode>
+      <dgm:forEach name="Name8" axis="followSib" ptType="sibTrans" cnt="1">
+        <dgm:layoutNode name="sibTrans">
+          <dgm:alg type="sp"/>
+          <dgm:shape xmlns:r="http://schemas.openxmlformats.org/officeDocument/2006/relationships" r:blip="">
+            <dgm:adjLst/>
+          </dgm:shape>
+          <dgm:presOf axis="self"/>
+          <dgm:constrLst/>
+          <dgm:ruleLst/>
+        </dgm:layoutNode>
+      </dgm:forEach>
+    </dgm:forEach>
+  </dgm:layoutNode>
+  <dgm:extLst>
+    <a:ext uri="{68A01E43-0DF5-4B5B-8FA6-DAF915123BFB}">
+      <dgm1612:lstStyle xmlns:dgm1612="http://schemas.microsoft.com/office/drawing/2016/12/diagram">
+        <a:lvl1pPr>
+          <a:lnSpc>
+            <a:spcPct val="100000"/>
+          </a:lnSpc>
+        </a:lvl1pPr>
+      </dgm1612:lstStyle>
+    </a:ext>
+  </dgm:extLst>
+</dgm:layoutDef>
+</file>
+
+<file path=ppt/diagrams/layout3.xml><?xml version="1.0" encoding="utf-8"?>
+<dgm:layoutDef xmlns:dgm="http://schemas.openxmlformats.org/drawingml/2006/diagram" xmlns:a="http://schemas.openxmlformats.org/drawingml/2006/main" uniqueId="urn:microsoft.com/office/officeart/2018/2/layout/IconLabelList">
+  <dgm:title val="Icon Label List"/>
+  <dgm:desc val="Use to show non-sequential or grouped chunks of information accompanied by a related visuals. Works best with icons or small pictures with short text captions."/>
+  <dgm:catLst>
+    <dgm:cat type="icon" pri="500"/>
+  </dgm:catLst>
+  <dgm:sampData useDef="1">
+    <dgm:dataModel>
+      <dgm:ptLst/>
+      <dgm:bg/>
+      <dgm:whole/>
+    </dgm:dataModel>
+  </dgm:sampData>
+  <dgm:styleData useDef="1">
+    <dgm:dataModel>
+      <dgm:ptLst/>
+      <dgm:bg/>
+      <dgm:whole/>
+    </dgm:dataModel>
+  </dgm:styleData>
+  <dgm:clrData useDef="1">
+    <dgm:dataModel>
+      <dgm:ptLst/>
+      <dgm:bg/>
+      <dgm:whole/>
+    </dgm:dataModel>
+  </dgm:clrData>
+  <dgm:layoutNode name="root">
+    <dgm:varLst>
+      <dgm:dir/>
+      <dgm:resizeHandles val="exact"/>
+    </dgm:varLst>
+    <dgm:choose name="Name0">
+      <dgm:if name="Name1" axis="self" func="var" arg="dir" op="equ" val="norm">
+        <dgm:alg type="snake">
+          <dgm:param type="grDir" val="tL"/>
+          <dgm:param type="flowDir" val="row"/>
+          <dgm:param type="contDir" val="sameDir"/>
+          <dgm:param type="off" val="ctr"/>
+          <dgm:param type="vertAlign" val="mid"/>
+          <dgm:param type="horzAlign" val="ctr"/>
+        </dgm:alg>
+      </dgm:if>
+      <dgm:else name="Name2">
+        <dgm:alg type="snake">
+          <dgm:param type="grDir" val="tR"/>
+          <dgm:param type="flowDir" val="row"/>
+          <dgm:param type="contDir" val="sameDir"/>
+          <dgm:param type="off" val="ctr"/>
+          <dgm:param type="vertAlign" val="mid"/>
+          <dgm:param type="horzAlign" val="ctr"/>
+        </dgm:alg>
+      </dgm:else>
+    </dgm:choose>
+    <dgm:shape xmlns:r="http://schemas.openxmlformats.org/officeDocument/2006/relationships" r:blip="">
+      <dgm:adjLst/>
+    </dgm:shape>
+    <dgm:presOf/>
+    <dgm:choose name="Name3">
+      <dgm:if name="Name4" axis="ch" ptType="node" func="cnt" op="lte" val="2">
+        <dgm:constrLst>
+          <dgm:constr type="h" for="ch" forName="compNode" refType="h" fact="0.4"/>
+          <dgm:constr type="w" for="ch" forName="compNode" val="120"/>
+          <dgm:constr type="w" for="ch" forName="sibTrans" refType="w" refFor="ch" refForName="compNode" fact="0.175"/>
+          <dgm:constr type="sp" refType="w" refFor="ch" refForName="compNode" op="equ" fact="0.25"/>
+          <dgm:constr type="primFontSz" for="des" ptType="node" op="equ" val="50"/>
+          <dgm:constr type="h" for="des" forName="compNode" op="equ"/>
+          <dgm:constr type="h" for="des" forName="textRect" op="equ"/>
+        </dgm:constrLst>
+      </dgm:if>
+      <dgm:if name="Name5" axis="ch" ptType="node" func="cnt" op="lte" val="4">
+        <dgm:constrLst>
+          <dgm:constr type="h" for="ch" forName="compNode" refType="h" fact="0.4"/>
+          <dgm:constr type="w" for="ch" forName="compNode" refType="w"/>
+          <dgm:constr type="w" for="ch" forName="sibTrans" refType="w" refFor="ch" refForName="compNode" fact="0.175"/>
+          <dgm:constr type="sp" refType="w" refFor="ch" refForName="compNode" op="equ" fact="0.25"/>
+          <dgm:constr type="primFontSz" for="des" ptType="node" op="equ" val="36"/>
+          <dgm:constr type="h" for="des" forName="compNode" op="equ"/>
+          <dgm:constr type="h" for="des" forName="textRect" op="equ"/>
+        </dgm:constrLst>
+      </dgm:if>
+      <dgm:else name="Name6">
+        <dgm:constrLst>
+          <dgm:constr type="h" for="ch" forName="compNode" refType="h" fact="0.4"/>
+          <dgm:constr type="w" for="ch" forName="compNode" refType="w"/>
+          <dgm:constr type="w" for="ch" forName="sibTrans" refType="w" refFor="ch" refForName="compNode" fact="0.175"/>
+          <dgm:constr type="sp" refType="w" refFor="ch" refForName="compNode" op="equ" fact="0.25"/>
+          <dgm:constr type="primFontSz" for="des" ptType="node" op="equ" val="24"/>
+          <dgm:constr type="h" for="des" forName="compNode" op="equ"/>
+          <dgm:constr type="h" for="des" forName="textRect" op="equ"/>
+        </dgm:constrLst>
+      </dgm:else>
+    </dgm:choose>
+    <dgm:ruleLst>
+      <dgm:rule type="w" for="ch" forName="compNode" val="50" fact="NaN" max="NaN"/>
+    </dgm:ruleLst>
+    <dgm:forEach name="Name7" axis="ch" ptType="node">
+      <dgm:layoutNode name="compNode">
+        <dgm:alg type="composite"/>
+        <dgm:shape xmlns:r="http://schemas.openxmlformats.org/officeDocument/2006/relationships" r:blip="">
+          <dgm:adjLst/>
+        </dgm:shape>
+        <dgm:presOf axis="self"/>
+        <dgm:constrLst>
+          <dgm:constr type="w" for="ch" forName="iconRect" refType="w" fact="0.45"/>
+          <dgm:constr type="h" for="ch" forName="iconRect" refType="w" refFor="ch" refForName="iconRect"/>
+          <dgm:constr type="ctrX" for="ch" forName="iconRect" refType="w" fact="0.5"/>
+          <dgm:constr type="t" for="ch" forName="iconRect"/>
+          <dgm:constr type="h" for="ch" forName="spaceRect" refType="h" fact="0.15"/>
+          <dgm:constr type="w" for="ch" forName="spaceRect" refType="w"/>
+          <dgm:constr type="l" for="ch" forName="spaceRect"/>
+          <dgm:constr type="t" for="ch" forName="spaceRect" refType="b" refFor="ch" refForName="iconRect"/>
+          <dgm:constr type="h" for="ch" forName="textRect" val="20"/>
+          <dgm:constr type="w" for="ch" forName="textRect" refType="w"/>
+          <dgm:constr type="l" for="ch" forName="textRect"/>
+          <dgm:constr type="t" for="ch" forName="textRect" refType="b" refFor="ch" refForName="spaceRect"/>
+        </dgm:constrLst>
+        <dgm:ruleLst>
+          <dgm:rule type="h" val="INF" fact="NaN" max="NaN"/>
+        </dgm:ruleLst>
+        <dgm:layoutNode name="iconRect" styleLbl="node1">
+          <dgm:alg type="sp"/>
+          <dgm:shape xmlns:r="http://schemas.openxmlformats.org/officeDocument/2006/relationships" type="rect" r:blip="" blipPhldr="1">
+            <dgm:adjLst/>
+          </dgm:shape>
+          <dgm:presOf/>
+          <dgm:constrLst/>
+          <dgm:ruleLst/>
+        </dgm:layoutNode>
+        <dgm:layoutNode name="spaceRect">
+          <dgm:alg type="sp"/>
+          <dgm:shape xmlns:r="http://schemas.openxmlformats.org/officeDocument/2006/relationships" r:blip="">
+            <dgm:adjLst/>
+          </dgm:shape>
+          <dgm:presOf/>
+          <dgm:constrLst/>
+          <dgm:ruleLst/>
+        </dgm:layoutNode>
+        <dgm:layoutNode name="textRect" styleLbl="revTx">
+          <dgm:varLst>
+            <dgm:chMax val="1"/>
+            <dgm:chPref val="1"/>
+          </dgm:varLst>
+          <dgm:alg type="tx">
+            <dgm:param type="txAnchorVert" val="t"/>
+          </dgm:alg>
+          <dgm:shape xmlns:r="http://schemas.openxmlformats.org/officeDocument/2006/relationships" type="rect" r:blip="">
+            <dgm:adjLst/>
+          </dgm:shape>
+          <dgm:presOf axis="self" ptType="node"/>
+          <dgm:constrLst>
+            <dgm:constr type="lMarg"/>
+            <dgm:constr type="rMarg"/>
+            <dgm:constr type="tMarg"/>
+            <dgm:constr type="bMarg"/>
+          </dgm:constrLst>
+          <dgm:ruleLst>
+            <dgm:rule type="primFontSz" val="11" fact="NaN" max="NaN"/>
+            <dgm:rule type="h" val="INF" fact="NaN" max="NaN"/>
+          </dgm:ruleLst>
+        </dgm:layoutNode>
+      </dgm:layoutNode>
+      <dgm:forEach name="Name8" axis="followSib" ptType="sibTrans" cnt="1">
+        <dgm:layoutNode name="sibTrans">
+          <dgm:alg type="sp"/>
+          <dgm:shape xmlns:r="http://schemas.openxmlformats.org/officeDocument/2006/relationships" r:blip="">
+            <dgm:adjLst/>
+          </dgm:shape>
+          <dgm:presOf axis="self"/>
+          <dgm:constrLst/>
+          <dgm:ruleLst/>
+        </dgm:layoutNode>
+      </dgm:forEach>
+    </dgm:forEach>
+  </dgm:layoutNode>
+  <dgm:extLst>
+    <a:ext uri="{68A01E43-0DF5-4B5B-8FA6-DAF915123BFB}">
+      <dgm1612:lstStyle xmlns:dgm1612="http://schemas.microsoft.com/office/drawing/2016/12/diagram">
+        <a:lvl1pPr>
+          <a:lnSpc>
+            <a:spcPct val="100000"/>
+          </a:lnSpc>
+        </a:lvl1pPr>
+      </dgm1612:lstStyle>
+    </a:ext>
+  </dgm:extLst>
+</dgm:layoutDef>
+</file>
+
 <file path=ppt/diagrams/quickStyle1.xml><?xml version="1.0" encoding="utf-8"?>
+<dgm:styleDef xmlns:dgm="http://schemas.openxmlformats.org/drawingml/2006/diagram" xmlns:a="http://schemas.openxmlformats.org/drawingml/2006/main" uniqueId="urn:microsoft.com/office/officeart/2005/8/quickstyle/simple1">
+  <dgm:title val=""/>
+  <dgm:desc val=""/>
+  <dgm:catLst>
+    <dgm:cat type="simple" pri="10100"/>
+  </dgm:catLst>
+  <dgm:scene3d>
+    <a:camera prst="orthographicFront"/>
+    <a:lightRig rig="threePt" dir="t"/>
+  </dgm:scene3d>
+  <dgm:styleLbl name="node0">
+    <dgm:scene3d>
+      <a:camera prst="orthographicFront"/>
+      <a:lightRig rig="threePt" dir="t"/>
+    </dgm:scene3d>
+    <dgm:sp3d/>
+    <dgm:txPr/>
+    <dgm:style>
+      <a:lnRef idx="2">
+        <a:scrgbClr r="0" g="0" b="0"/>
+      </a:lnRef>
+      <a:fillRef idx="1">
+        <a:scrgbClr r="0" g="0" b="0"/>
+      </a:fillRef>
+      <a:effectRef idx="0">
+        <a:scrgbClr r="0" g="0" b="0"/>
+      </a:effectRef>
+      <a:fontRef idx="minor">
+        <a:schemeClr val="lt1"/>
+      </a:fontRef>
+    </dgm:style>
+  </dgm:styleLbl>
+  <dgm:styleLbl name="lnNode1">
+    <dgm:scene3d>
+      <a:camera prst="orthographicFront"/>
+      <a:lightRig rig="threePt" dir="t"/>
+    </dgm:scene3d>
+    <dgm:sp3d/>
+    <dgm:txPr/>
+    <dgm:style>
+      <a:lnRef idx="2">
+        <a:scrgbClr r="0" g="0" b="0"/>
+      </a:lnRef>
+      <a:fillRef idx="1">
+        <a:scrgbClr r="0" g="0" b="0"/>
+      </a:fillRef>
+      <a:effectRef idx="0">
+        <a:scrgbClr r="0" g="0" b="0"/>
+      </a:effectRef>
+      <a:fontRef idx="minor">
+        <a:schemeClr val="lt1"/>
+      </a:fontRef>
+    </dgm:style>
+  </dgm:styleLbl>
+  <dgm:styleLbl name="vennNode1">
+    <dgm:scene3d>
+      <a:camera prst="orthographicFront"/>
+      <a:lightRig rig="threePt" dir="t"/>
+    </dgm:scene3d>
+    <dgm:sp3d/>
+    <dgm:txPr/>
+    <dgm:style>
+      <a:lnRef idx="2">
+        <a:scrgbClr r="0" g="0" b="0"/>
+      </a:lnRef>
+      <a:fillRef idx="1">
+        <a:scrgbClr r="0" g="0" b="0"/>
+      </a:fillRef>
+      <a:effectRef idx="0">
+        <a:scrgbClr r="0" g="0" b="0"/>
+      </a:effectRef>
+      <a:fontRef idx="minor">
+        <a:schemeClr val="tx1"/>
+      </a:fontRef>
+    </dgm:style>
+  </dgm:styleLbl>
+  <dgm:styleLbl name="alignNode1">
+    <dgm:scene3d>
+      <a:camera prst="orthographicFront"/>
+      <a:lightRig rig="threePt" dir="t"/>
+    </dgm:scene3d>
+    <dgm:sp3d/>
+    <dgm:txPr/>
+    <dgm:style>
+      <a:lnRef idx="2">
+        <a:scrgbClr r="0" g="0" b="0"/>
+      </a:lnRef>
+      <a:fillRef idx="1">
+        <a:scrgbClr r="0" g="0" b="0"/>
+      </a:fillRef>
+      <a:effectRef idx="0">
+        <a:scrgbClr r="0" g="0" b="0"/>
+      </a:effectRef>
+      <a:fontRef idx="minor">
+        <a:schemeClr val="lt1"/>
+      </a:fontRef>
+    </dgm:style>
+  </dgm:styleLbl>
+  <dgm:styleLbl name="node1">
+    <dgm:scene3d>
+      <a:camera prst="orthographicFront"/>
+      <a:lightRig rig="threePt" dir="t"/>
+    </dgm:scene3d>
+    <dgm:sp3d/>
+    <dgm:txPr/>
+    <dgm:style>
+      <a:lnRef idx="2">
+        <a:scrgbClr r="0" g="0" b="0"/>
+      </a:lnRef>
+      <a:fillRef idx="1">
+        <a:scrgbClr r="0" g="0" b="0"/>
+      </a:fillRef>
+      <a:effectRef idx="0">
+        <a:scrgbClr r="0" g="0" b="0"/>
+      </a:effectRef>
+      <a:fontRef idx="minor">
+        <a:schemeClr val="lt1"/>
+      </a:fontRef>
+    </dgm:style>
+  </dgm:styleLbl>
+  <dgm:styleLbl name="node2">
+    <dgm:scene3d>
+      <a:camera prst="orthographicFront"/>
+      <a:lightRig rig="threePt" dir="t"/>
+    </dgm:scene3d>
+    <dgm:sp3d/>
+    <dgm:txPr/>
+    <dgm:style>
+      <a:lnRef idx="2">
+        <a:scrgbClr r="0" g="0" b="0"/>
+      </a:lnRef>
+      <a:fillRef idx="1">
+        <a:scrgbClr r="0" g="0" b="0"/>
+      </a:fillRef>
+      <a:effectRef idx="0">
+        <a:scrgbClr r="0" g="0" b="0"/>
+      </a:effectRef>
+      <a:fontRef idx="minor">
+        <a:schemeClr val="lt1"/>
+      </a:fontRef>
+    </dgm:style>
+  </dgm:styleLbl>
+  <dgm:styleLbl name="node3">
+    <dgm:scene3d>
+      <a:camera prst="orthographicFront"/>
+      <a:lightRig rig="threePt" dir="t"/>
+    </dgm:scene3d>
+    <dgm:sp3d/>
+    <dgm:txPr/>
+    <dgm:style>
+      <a:lnRef idx="2">
+        <a:scrgbClr r="0" g="0" b="0"/>
+      </a:lnRef>
+      <a:fillRef idx="1">
+        <a:scrgbClr r="0" g="0" b="0"/>
+      </a:fillRef>
+      <a:effectRef idx="0">
+        <a:scrgbClr r="0" g="0" b="0"/>
+      </a:effectRef>
+      <a:fontRef idx="minor">
+        <a:schemeClr val="lt1"/>
+      </a:fontRef>
+    </dgm:style>
+  </dgm:styleLbl>
+  <dgm:styleLbl name="node4">
+    <dgm:scene3d>
+      <a:camera prst="orthographicFront"/>
+      <a:lightRig rig="threePt" dir="t"/>
+    </dgm:scene3d>
+    <dgm:sp3d/>
+    <dgm:txPr/>
+    <dgm:style>
+      <a:lnRef idx="2">
+        <a:scrgbClr r="0" g="0" b="0"/>
+      </a:lnRef>
+      <a:fillRef idx="1">
+        <a:scrgbClr r="0" g="0" b="0"/>
+      </a:fillRef>
+      <a:effectRef idx="0">
+        <a:scrgbClr r="0" g="0" b="0"/>
+      </a:effectRef>
+      <a:fontRef idx="minor">
+        <a:schemeClr val="lt1"/>
+      </a:fontRef>
+    </dgm:style>
+  </dgm:styleLbl>
+  <dgm:styleLbl name="fgImgPlace1">
+    <dgm:scene3d>
+      <a:camera prst="orthographicFront"/>
+      <a:lightRig rig="threePt" dir="t"/>
+    </dgm:scene3d>
+    <dgm:sp3d/>
+    <dgm:txPr/>
+    <dgm:style>
+      <a:lnRef idx="2">
+        <a:scrgbClr r="0" g="0" b="0"/>
+      </a:lnRef>
+      <a:fillRef idx="1">
+        <a:scrgbClr r="0" g="0" b="0"/>
+      </a:fillRef>
+      <a:effectRef idx="0">
+        <a:scrgbClr r="0" g="0" b="0"/>
+      </a:effectRef>
+      <a:fontRef idx="minor"/>
+    </dgm:style>
+  </dgm:styleLbl>
+  <dgm:styleLbl name="alignImgPlace1">
+    <dgm:scene3d>
+      <a:camera prst="orthographicFront"/>
+      <a:lightRig rig="threePt" dir="t"/>
+    </dgm:scene3d>
+    <dgm:sp3d/>
+    <dgm:txPr/>
+    <dgm:style>
+      <a:lnRef idx="2">
+        <a:scrgbClr r="0" g="0" b="0"/>
+      </a:lnRef>
+      <a:fillRef idx="1">
+        <a:scrgbClr r="0" g="0" b="0"/>
+      </a:fillRef>
+      <a:effectRef idx="0">
+        <a:scrgbClr r="0" g="0" b="0"/>
+      </a:effectRef>
+      <a:fontRef idx="minor"/>
+    </dgm:style>
+  </dgm:styleLbl>
+  <dgm:styleLbl name="bgImgPlace1">
+    <dgm:scene3d>
+      <a:camera prst="orthographicFront"/>
+      <a:lightRig rig="threePt" dir="t"/>
+    </dgm:scene3d>
+    <dgm:sp3d/>
+    <dgm:txPr/>
+    <dgm:style>
+      <a:lnRef idx="2">
+        <a:scrgbClr r="0" g="0" b="0"/>
+      </a:lnRef>
+      <a:fillRef idx="1">
+        <a:scrgbClr r="0" g="0" b="0"/>
+      </a:fillRef>
+      <a:effectRef idx="0">
+        <a:scrgbClr r="0" g="0" b="0"/>
+      </a:effectRef>
+      <a:fontRef idx="minor"/>
+    </dgm:style>
+  </dgm:styleLbl>
+  <dgm:styleLbl name="sibTrans2D1">
+    <dgm:scene3d>
+      <a:camera prst="orthographicFront"/>
+      <a:lightRig rig="threePt" dir="t"/>
+    </dgm:scene3d>
+    <dgm:sp3d/>
+    <dgm:txPr/>
+    <dgm:style>
+      <a:lnRef idx="0">
+        <a:scrgbClr r="0" g="0" b="0"/>
+      </a:lnRef>
+      <a:fillRef idx="1">
+        <a:scrgbClr r="0" g="0" b="0"/>
+      </a:fillRef>
+      <a:effectRef idx="0">
+        <a:scrgbClr r="0" g="0" b="0"/>
+      </a:effectRef>
+      <a:fontRef idx="minor">
+        <a:schemeClr val="lt1"/>
+      </a:fontRef>
+    </dgm:style>
+  </dgm:styleLbl>
+  <dgm:styleLbl name="fgSibTrans2D1">
+    <dgm:scene3d>
+      <a:camera prst="orthographicFront"/>
+      <a:lightRig rig="threePt" dir="t"/>
+    </dgm:scene3d>
+    <dgm:sp3d/>
+    <dgm:txPr/>
+    <dgm:style>
+      <a:lnRef idx="0">
+        <a:scrgbClr r="0" g="0" b="0"/>
+      </a:lnRef>
+      <a:fillRef idx="1">
+        <a:scrgbClr r="0" g="0" b="0"/>
+      </a:fillRef>
+      <a:effectRef idx="0">
+        <a:scrgbClr r="0" g="0" b="0"/>
+      </a:effectRef>
+      <a:fontRef idx="minor">
+        <a:schemeClr val="lt1"/>
+      </a:fontRef>
+    </dgm:style>
+  </dgm:styleLbl>
+  <dgm:styleLbl name="bgSibTrans2D1">
+    <dgm:scene3d>
+      <a:camera prst="orthographicFront"/>
+      <a:lightRig rig="threePt" dir="t"/>
+    </dgm:scene3d>
+    <dgm:sp3d/>
+    <dgm:txPr/>
+    <dgm:style>
+      <a:lnRef idx="0">
+        <a:scrgbClr r="0" g="0" b="0"/>
+      </a:lnRef>
+      <a:fillRef idx="1">
+        <a:scrgbClr r="0" g="0" b="0"/>
+      </a:fillRef>
+      <a:effectRef idx="0">
+        <a:scrgbClr r="0" g="0" b="0"/>
+      </a:effectRef>
+      <a:fontRef idx="minor">
+        <a:schemeClr val="lt1"/>
+      </a:fontRef>
+    </dgm:style>
+  </dgm:styleLbl>
+  <dgm:styleLbl name="sibTrans1D1">
+    <dgm:scene3d>
+      <a:camera prst="orthographicFront"/>
+      <a:lightRig rig="threePt" dir="t"/>
+    </dgm:scene3d>
+    <dgm:sp3d/>
+    <dgm:txPr/>
+    <dgm:style>
+      <a:lnRef idx="1">
+        <a:scrgbClr r="0" g="0" b="0"/>
+      </a:lnRef>
+      <a:fillRef idx="0">
+        <a:scrgbClr r="0" g="0" b="0"/>
+      </a:fillRef>
+      <a:effectRef idx="0">
+        <a:scrgbClr r="0" g="0" b="0"/>
+      </a:effectRef>
+      <a:fontRef idx="minor"/>
+    </dgm:style>
+  </dgm:styleLbl>
+  <dgm:styleLbl name="callout">
+    <dgm:scene3d>
+      <a:camera prst="orthographicFront"/>
+      <a:lightRig rig="threePt" dir="t"/>
+    </dgm:scene3d>
+    <dgm:sp3d/>
+    <dgm:txPr/>
+    <dgm:style>
+      <a:lnRef idx="2">
+        <a:scrgbClr r="0" g="0" b="0"/>
+      </a:lnRef>
+      <a:fillRef idx="1">
+        <a:scrgbClr r="0" g="0" b="0"/>
+      </a:fillRef>
+      <a:effectRef idx="0">
+        <a:scrgbClr r="0" g="0" b="0"/>
+      </a:effectRef>
+      <a:fontRef idx="minor"/>
+    </dgm:style>
+  </dgm:styleLbl>
+  <dgm:styleLbl name="asst0">
+    <dgm:scene3d>
+      <a:camera prst="orthographicFront"/>
+      <a:lightRig rig="threePt" dir="t"/>
+    </dgm:scene3d>
+    <dgm:sp3d/>
+    <dgm:txPr/>
+    <dgm:style>
+      <a:lnRef idx="2">
+        <a:scrgbClr r="0" g="0" b="0"/>
+      </a:lnRef>
+      <a:fillRef idx="1">
+        <a:scrgbClr r="0" g="0" b="0"/>
+      </a:fillRef>
+      <a:effectRef idx="0">
+        <a:scrgbClr r="0" g="0" b="0"/>
+      </a:effectRef>
+      <a:fontRef idx="minor">
+        <a:schemeClr val="lt1"/>
+      </a:fontRef>
+    </dgm:style>
+  </dgm:styleLbl>
+  <dgm:styleLbl name="asst1">
+    <dgm:scene3d>
+      <a:camera prst="orthographicFront"/>
+      <a:lightRig rig="threePt" dir="t"/>
+    </dgm:scene3d>
+    <dgm:sp3d/>
+    <dgm:txPr/>
+    <dgm:style>
+      <a:lnRef idx="2">
+        <a:scrgbClr r="0" g="0" b="0"/>
+      </a:lnRef>
+      <a:fillRef idx="1">
+        <a:scrgbClr r="0" g="0" b="0"/>
+      </a:fillRef>
+      <a:effectRef idx="0">
+        <a:scrgbClr r="0" g="0" b="0"/>
+      </a:effectRef>
+      <a:fontRef idx="minor">
+        <a:schemeClr val="lt1"/>
+      </a:fontRef>
+    </dgm:style>
+  </dgm:styleLbl>
+  <dgm:styleLbl name="asst2">
+    <dgm:scene3d>
+      <a:camera prst="orthographicFront"/>
+      <a:lightRig rig="threePt" dir="t"/>
+    </dgm:scene3d>
+    <dgm:sp3d/>
+    <dgm:txPr/>
+    <dgm:style>
+      <a:lnRef idx="2">
+        <a:scrgbClr r="0" g="0" b="0"/>
+      </a:lnRef>
+      <a:fillRef idx="1">
+        <a:scrgbClr r="0" g="0" b="0"/>
+      </a:fillRef>
+      <a:effectRef idx="0">
+        <a:scrgbClr r="0" g="0" b="0"/>
+      </a:effectRef>
+      <a:fontRef idx="minor">
+        <a:schemeClr val="lt1"/>
+      </a:fontRef>
+    </dgm:style>
+  </dgm:styleLbl>
+  <dgm:styleLbl name="asst3">
+    <dgm:scene3d>
+      <a:camera prst="orthographicFront"/>
+      <a:lightRig rig="threePt" dir="t"/>
+    </dgm:scene3d>
+    <dgm:sp3d/>
+    <dgm:txPr/>
+    <dgm:style>
+      <a:lnRef idx="2">
+        <a:scrgbClr r="0" g="0" b="0"/>
+      </a:lnRef>
+      <a:fillRef idx="1">
+        <a:scrgbClr r="0" g="0" b="0"/>
+      </a:fillRef>
+      <a:effectRef idx="0">
+        <a:scrgbClr r="0" g="0" b="0"/>
+      </a:effectRef>
+      <a:fontRef idx="minor">
+        <a:schemeClr val="lt1"/>
+      </a:fontRef>
+    </dgm:style>
+  </dgm:styleLbl>
+  <dgm:styleLbl name="asst4">
+    <dgm:scene3d>
+      <a:camera prst="orthographicFront"/>
+      <a:lightRig rig="threePt" dir="t"/>
+    </dgm:scene3d>
+    <dgm:sp3d/>
+    <dgm:txPr/>
+    <dgm:style>
+      <a:lnRef idx="2">
+        <a:scrgbClr r="0" g="0" b="0"/>
+      </a:lnRef>
+      <a:fillRef idx="1">
+        <a:scrgbClr r="0" g="0" b="0"/>
+      </a:fillRef>
+      <a:effectRef idx="0">
+        <a:scrgbClr r="0" g="0" b="0"/>
+      </a:effectRef>
+      <a:fontRef idx="minor">
+        <a:schemeClr val="lt1"/>
+      </a:fontRef>
+    </dgm:style>
+  </dgm:styleLbl>
+  <dgm:styleLbl name="parChTrans2D1">
+    <dgm:scene3d>
+      <a:camera prst="orthographicFront"/>
+      <a:lightRig rig="threePt" dir="t"/>
+    </dgm:scene3d>
+    <dgm:sp3d/>
+    <dgm:txPr/>
+    <dgm:style>
+      <a:lnRef idx="2">
+        <a:scrgbClr r="0" g="0" b="0"/>
+      </a:lnRef>
+      <a:fillRef idx="1">
+        <a:scrgbClr r="0" g="0" b="0"/>
+      </a:fillRef>
+      <a:effectRef idx="0">
+        <a:scrgbClr r="0" g="0" b="0"/>
+      </a:effectRef>
+      <a:fontRef idx="minor">
+        <a:schemeClr val="lt1"/>
+      </a:fontRef>
+    </dgm:style>
+  </dgm:styleLbl>
+  <dgm:styleLbl name="parChTrans2D2">
+    <dgm:scene3d>
+      <a:camera prst="orthographicFront"/>
+      <a:lightRig rig="threePt" dir="t"/>
+    </dgm:scene3d>
+    <dgm:sp3d/>
+    <dgm:txPr/>
+    <dgm:style>
+      <a:lnRef idx="2">
+        <a:scrgbClr r="0" g="0" b="0"/>
+      </a:lnRef>
+      <a:fillRef idx="1">
+        <a:scrgbClr r="0" g="0" b="0"/>
+      </a:fillRef>
+      <a:effectRef idx="0">
+        <a:scrgbClr r="0" g="0" b="0"/>
+      </a:effectRef>
+      <a:fontRef idx="minor">
+        <a:schemeClr val="lt1"/>
+      </a:fontRef>
+    </dgm:style>
+  </dgm:styleLbl>
+  <dgm:styleLbl name="parChTrans2D3">
+    <dgm:scene3d>
+      <a:camera prst="orthographicFront"/>
+      <a:lightRig rig="threePt" dir="t"/>
+    </dgm:scene3d>
+    <dgm:sp3d/>
+    <dgm:txPr/>
+    <dgm:style>
+      <a:lnRef idx="2">
+        <a:scrgbClr r="0" g="0" b="0"/>
+      </a:lnRef>
+      <a:fillRef idx="1">
+        <a:scrgbClr r="0" g="0" b="0"/>
+      </a:fillRef>
+      <a:effectRef idx="0">
+        <a:scrgbClr r="0" g="0" b="0"/>
+      </a:effectRef>
+      <a:fontRef idx="minor">
+        <a:schemeClr val="lt1"/>
+      </a:fontRef>
+    </dgm:style>
+  </dgm:styleLbl>
+  <dgm:styleLbl name="parChTrans2D4">
+    <dgm:scene3d>
+      <a:camera prst="orthographicFront"/>
+      <a:lightRig rig="threePt" dir="t"/>
+    </dgm:scene3d>
+    <dgm:sp3d/>
+    <dgm:txPr/>
+    <dgm:style>
+      <a:lnRef idx="2">
+        <a:scrgbClr r="0" g="0" b="0"/>
+      </a:lnRef>
+      <a:fillRef idx="1">
+        <a:scrgbClr r="0" g="0" b="0"/>
+      </a:fillRef>
+      <a:effectRef idx="0">
+        <a:scrgbClr r="0" g="0" b="0"/>
+      </a:effectRef>
+      <a:fontRef idx="minor">
+        <a:schemeClr val="lt1"/>
+      </a:fontRef>
+    </dgm:style>
+  </dgm:styleLbl>
+  <dgm:styleLbl name="parChTrans1D1">
+    <dgm:scene3d>
+      <a:camera prst="orthographicFront"/>
+      <a:lightRig rig="threePt" dir="t"/>
+    </dgm:scene3d>
+    <dgm:sp3d/>
+    <dgm:txPr/>
+    <dgm:style>
+      <a:lnRef idx="2">
+        <a:scrgbClr r="0" g="0" b="0"/>
+      </a:lnRef>
+      <a:fillRef idx="0">
+        <a:scrgbClr r="0" g="0" b="0"/>
+      </a:fillRef>
+      <a:effectRef idx="0">
+        <a:scrgbClr r="0" g="0" b="0"/>
+      </a:effectRef>
+      <a:fontRef idx="minor"/>
+    </dgm:style>
+  </dgm:styleLbl>
+  <dgm:styleLbl name="parChTrans1D2">
+    <dgm:scene3d>
+      <a:camera prst="orthographicFront"/>
+      <a:lightRig rig="threePt" dir="t"/>
+    </dgm:scene3d>
+    <dgm:sp3d/>
+    <dgm:txPr/>
+    <dgm:style>
+      <a:lnRef idx="2">
+        <a:scrgbClr r="0" g="0" b="0"/>
+      </a:lnRef>
+      <a:fillRef idx="0">
+        <a:scrgbClr r="0" g="0" b="0"/>
+      </a:fillRef>
+      <a:effectRef idx="0">
+        <a:scrgbClr r="0" g="0" b="0"/>
+      </a:effectRef>
+      <a:fontRef idx="minor"/>
+    </dgm:style>
+  </dgm:styleLbl>
+  <dgm:styleLbl name="parChTrans1D3">
+    <dgm:scene3d>
+      <a:camera prst="orthographicFront"/>
+      <a:lightRig rig="threePt" dir="t"/>
+    </dgm:scene3d>
+    <dgm:sp3d/>
+    <dgm:txPr/>
+    <dgm:style>
+      <a:lnRef idx="2">
+        <a:scrgbClr r="0" g="0" b="0"/>
+      </a:lnRef>
+      <a:fillRef idx="0">
+        <a:scrgbClr r="0" g="0" b="0"/>
+      </a:fillRef>
+      <a:effectRef idx="0">
+        <a:scrgbClr r="0" g="0" b="0"/>
+      </a:effectRef>
+      <a:fontRef idx="minor"/>
+    </dgm:style>
+  </dgm:styleLbl>
+  <dgm:styleLbl name="parChTrans1D4">
+    <dgm:scene3d>
+      <a:camera prst="orthographicFront"/>
+      <a:lightRig rig="threePt" dir="t"/>
+    </dgm:scene3d>
+    <dgm:sp3d/>
+    <dgm:txPr/>
+    <dgm:style>
+      <a:lnRef idx="2">
+        <a:scrgbClr r="0" g="0" b="0"/>
+      </a:lnRef>
+      <a:fillRef idx="0">
+        <a:scrgbClr r="0" g="0" b="0"/>
+      </a:fillRef>
+      <a:effectRef idx="0">
+        <a:scrgbClr r="0" g="0" b="0"/>
+      </a:effectRef>
+      <a:fontRef idx="minor"/>
+    </dgm:style>
+  </dgm:styleLbl>
+  <dgm:styleLbl name="fgAcc1">
+    <dgm:scene3d>
+      <a:camera prst="orthographicFront"/>
+      <a:lightRig rig="threePt" dir="t"/>
+    </dgm:scene3d>
+    <dgm:sp3d/>
+    <dgm:txPr/>
+    <dgm:style>
+      <a:lnRef idx="2">
+        <a:scrgbClr r="0" g="0" b="0"/>
+      </a:lnRef>
+      <a:fillRef idx="1">
+        <a:scrgbClr r="0" g="0" b="0"/>
+      </a:fillRef>
+      <a:effectRef idx="0">
+        <a:scrgbClr r="0" g="0" b="0"/>
+      </a:effectRef>
+      <a:fontRef idx="minor"/>
+    </dgm:style>
+  </dgm:styleLbl>
+  <dgm:styleLbl name="conFgAcc1">
+    <dgm:scene3d>
+      <a:camera prst="orthographicFront"/>
+      <a:lightRig rig="threePt" dir="t"/>
+    </dgm:scene3d>
+    <dgm:sp3d/>
+    <dgm:txPr/>
+    <dgm:style>
+      <a:lnRef idx="2">
+        <a:scrgbClr r="0" g="0" b="0"/>
+      </a:lnRef>
+      <a:fillRef idx="1">
+        <a:scrgbClr r="0" g="0" b="0"/>
+      </a:fillRef>
+      <a:effectRef idx="0">
+        <a:scrgbClr r="0" g="0" b="0"/>
+      </a:effectRef>
+      <a:fontRef idx="minor"/>
+    </dgm:style>
+  </dgm:styleLbl>
+  <dgm:styleLbl name="alignAcc1">
+    <dgm:scene3d>
+      <a:camera prst="orthographicFront"/>
+      <a:lightRig rig="threePt" dir="t"/>
+    </dgm:scene3d>
+    <dgm:sp3d/>
+    <dgm:txPr/>
+    <dgm:style>
+      <a:lnRef idx="2">
+        <a:scrgbClr r="0" g="0" b="0"/>
+      </a:lnRef>
+      <a:fillRef idx="1">
+        <a:scrgbClr r="0" g="0" b="0"/>
+      </a:fillRef>
+      <a:effectRef idx="0">
+        <a:scrgbClr r="0" g="0" b="0"/>
+      </a:effectRef>
+      <a:fontRef idx="minor"/>
+    </dgm:style>
+  </dgm:styleLbl>
+  <dgm:styleLbl name="trAlignAcc1">
+    <dgm:scene3d>
+      <a:camera prst="orthographicFront"/>
+      <a:lightRig rig="threePt" dir="t"/>
+    </dgm:scene3d>
+    <dgm:sp3d/>
+    <dgm:txPr/>
+    <dgm:style>
+      <a:lnRef idx="1">
+        <a:scrgbClr r="0" g="0" b="0"/>
+      </a:lnRef>
+      <a:fillRef idx="1">
+        <a:scrgbClr r="0" g="0" b="0"/>
+      </a:fillRef>
+      <a:effectRef idx="0">
+        <a:scrgbClr r="0" g="0" b="0"/>
+      </a:effectRef>
+      <a:fontRef idx="minor"/>
+    </dgm:style>
+  </dgm:styleLbl>
+  <dgm:styleLbl name="bgAcc1">
+    <dgm:scene3d>
+      <a:camera prst="orthographicFront"/>
+      <a:lightRig rig="threePt" dir="t"/>
+    </dgm:scene3d>
+    <dgm:sp3d/>
+    <dgm:txPr/>
+    <dgm:style>
+      <a:lnRef idx="2">
+        <a:scrgbClr r="0" g="0" b="0"/>
+      </a:lnRef>
+      <a:fillRef idx="1">
+        <a:scrgbClr r="0" g="0" b="0"/>
+      </a:fillRef>
+      <a:effectRef idx="0">
+        <a:scrgbClr r="0" g="0" b="0"/>
+      </a:effectRef>
+      <a:fontRef idx="minor"/>
+    </dgm:style>
+  </dgm:styleLbl>
+  <dgm:styleLbl name="solidFgAcc1">
+    <dgm:scene3d>
+      <a:camera prst="orthographicFront"/>
+      <a:lightRig rig="threePt" dir="t"/>
+    </dgm:scene3d>
+    <dgm:sp3d/>
+    <dgm:txPr/>
+    <dgm:style>
+      <a:lnRef idx="2">
+        <a:scrgbClr r="0" g="0" b="0"/>
+      </a:lnRef>
+      <a:fillRef idx="1">
+        <a:scrgbClr r="0" g="0" b="0"/>
+      </a:fillRef>
+      <a:effectRef idx="0">
+        <a:scrgbClr r="0" g="0" b="0"/>
+      </a:effectRef>
+      <a:fontRef idx="minor"/>
+    </dgm:style>
+  </dgm:styleLbl>
+  <dgm:styleLbl name="solidAlignAcc1">
+    <dgm:scene3d>
+      <a:camera prst="orthographicFront"/>
+      <a:lightRig rig="threePt" dir="t"/>
+    </dgm:scene3d>
+    <dgm:sp3d/>
+    <dgm:txPr/>
+    <dgm:style>
+      <a:lnRef idx="2">
+        <a:scrgbClr r="0" g="0" b="0"/>
+      </a:lnRef>
+      <a:fillRef idx="1">
+        <a:scrgbClr r="0" g="0" b="0"/>
+      </a:fillRef>
+      <a:effectRef idx="0">
+        <a:scrgbClr r="0" g="0" b="0"/>
+      </a:effectRef>
+      <a:fontRef idx="minor"/>
+    </dgm:style>
+  </dgm:styleLbl>
+  <dgm:styleLbl name="solidBgAcc1">
+    <dgm:scene3d>
+      <a:camera prst="orthographicFront"/>
+      <a:lightRig rig="threePt" dir="t"/>
+    </dgm:scene3d>
+    <dgm:sp3d/>
+    <dgm:txPr/>
+    <dgm:style>
+      <a:lnRef idx="2">
+        <a:scrgbClr r="0" g="0" b="0"/>
+      </a:lnRef>
+      <a:fillRef idx="1">
+        <a:scrgbClr r="0" g="0" b="0"/>
+      </a:fillRef>
+      <a:effectRef idx="0">
+        <a:scrgbClr r="0" g="0" b="0"/>
+      </a:effectRef>
+      <a:fontRef idx="minor"/>
+    </dgm:style>
+  </dgm:styleLbl>
+  <dgm:styleLbl name="fgAccFollowNode1">
+    <dgm:scene3d>
+      <a:camera prst="orthographicFront"/>
+      <a:lightRig rig="threePt" dir="t"/>
+    </dgm:scene3d>
+    <dgm:sp3d/>
+    <dgm:txPr/>
+    <dgm:style>
+      <a:lnRef idx="2">
+        <a:scrgbClr r="0" g="0" b="0"/>
+      </a:lnRef>
+      <a:fillRef idx="1">
+        <a:scrgbClr r="0" g="0" b="0"/>
+      </a:fillRef>
+      <a:effectRef idx="0">
+        <a:scrgbClr r="0" g="0" b="0"/>
+      </a:effectRef>
+      <a:fontRef idx="minor"/>
+    </dgm:style>
+  </dgm:styleLbl>
+  <dgm:styleLbl name="alignAccFollowNode1">
+    <dgm:scene3d>
+      <a:camera prst="orthographicFront"/>
+      <a:lightRig rig="threePt" dir="t"/>
+    </dgm:scene3d>
+    <dgm:sp3d/>
+    <dgm:txPr/>
+    <dgm:style>
+      <a:lnRef idx="2">
+        <a:scrgbClr r="0" g="0" b="0"/>
+      </a:lnRef>
+      <a:fillRef idx="1">
+        <a:scrgbClr r="0" g="0" b="0"/>
+      </a:fillRef>
+      <a:effectRef idx="0">
+        <a:scrgbClr r="0" g="0" b="0"/>
+      </a:effectRef>
+      <a:fontRef idx="minor"/>
+    </dgm:style>
+  </dgm:styleLbl>
+  <dgm:styleLbl name="bgAccFollowNode1">
+    <dgm:scene3d>
+      <a:camera prst="orthographicFront"/>
+      <a:lightRig rig="threePt" dir="t"/>
+    </dgm:scene3d>
+    <dgm:sp3d/>
+    <dgm:txPr/>
+    <dgm:style>
+      <a:lnRef idx="2">
+        <a:scrgbClr r="0" g="0" b="0"/>
+      </a:lnRef>
+      <a:fillRef idx="1">
+        <a:scrgbClr r="0" g="0" b="0"/>
+      </a:fillRef>
+      <a:effectRef idx="0">
+        <a:scrgbClr r="0" g="0" b="0"/>
+      </a:effectRef>
+      <a:fontRef idx="minor"/>
+    </dgm:style>
+  </dgm:styleLbl>
+  <dgm:styleLbl name="fgAcc0">
+    <dgm:scene3d>
+      <a:camera prst="orthographicFront"/>
+      <a:lightRig rig="threePt" dir="t"/>
+    </dgm:scene3d>
+    <dgm:sp3d/>
+    <dgm:txPr/>
+    <dgm:style>
+      <a:lnRef idx="2">
+        <a:scrgbClr r="0" g="0" b="0"/>
+      </a:lnRef>
+      <a:fillRef idx="1">
+        <a:scrgbClr r="0" g="0" b="0"/>
+      </a:fillRef>
+      <a:effectRef idx="0">
+        <a:scrgbClr r="0" g="0" b="0"/>
+      </a:effectRef>
+      <a:fontRef idx="minor"/>
+    </dgm:style>
+  </dgm:styleLbl>
+  <dgm:styleLbl name="fgAcc2">
+    <dgm:scene3d>
+      <a:camera prst="orthographicFront"/>
+      <a:lightRig rig="threePt" dir="t"/>
+    </dgm:scene3d>
+    <dgm:sp3d/>
+    <dgm:txPr/>
+    <dgm:style>
+      <a:lnRef idx="2">
+        <a:scrgbClr r="0" g="0" b="0"/>
+      </a:lnRef>
+      <a:fillRef idx="1">
+        <a:scrgbClr r="0" g="0" b="0"/>
+      </a:fillRef>
+      <a:effectRef idx="0">
+        <a:scrgbClr r="0" g="0" b="0"/>
+      </a:effectRef>
+      <a:fontRef idx="minor"/>
+    </dgm:style>
+  </dgm:styleLbl>
+  <dgm:styleLbl name="fgAcc3">
+    <dgm:scene3d>
+      <a:camera prst="orthographicFront"/>
+      <a:lightRig rig="threePt" dir="t"/>
+    </dgm:scene3d>
+    <dgm:sp3d/>
+    <dgm:txPr/>
+    <dgm:style>
+      <a:lnRef idx="2">
+        <a:scrgbClr r="0" g="0" b="0"/>
+      </a:lnRef>
+      <a:fillRef idx="1">
+        <a:scrgbClr r="0" g="0" b="0"/>
+      </a:fillRef>
+      <a:effectRef idx="0">
+        <a:scrgbClr r="0" g="0" b="0"/>
+      </a:effectRef>
+      <a:fontRef idx="minor"/>
+    </dgm:style>
+  </dgm:styleLbl>
+  <dgm:styleLbl name="fgAcc4">
+    <dgm:scene3d>
+      <a:camera prst="orthographicFront"/>
+      <a:lightRig rig="threePt" dir="t"/>
+    </dgm:scene3d>
+    <dgm:sp3d/>
+    <dgm:txPr/>
+    <dgm:style>
+      <a:lnRef idx="2">
+        <a:scrgbClr r="0" g="0" b="0"/>
+      </a:lnRef>
+      <a:fillRef idx="1">
+        <a:scrgbClr r="0" g="0" b="0"/>
+      </a:fillRef>
+      <a:effectRef idx="0">
+        <a:scrgbClr r="0" g="0" b="0"/>
+      </a:effectRef>
+      <a:fontRef idx="minor"/>
+    </dgm:style>
+  </dgm:styleLbl>
+  <dgm:styleLbl name="bgShp">
+    <dgm:scene3d>
+      <a:camera prst="orthographicFront"/>
+      <a:lightRig rig="threePt" dir="t"/>
+    </dgm:scene3d>
+    <dgm:sp3d/>
+    <dgm:txPr/>
+    <dgm:style>
+      <a:lnRef idx="0">
+        <a:scrgbClr r="0" g="0" b="0"/>
+      </a:lnRef>
+      <a:fillRef idx="1">
+        <a:scrgbClr r="0" g="0" b="0"/>
+      </a:fillRef>
+      <a:effectRef idx="0">
+        <a:scrgbClr r="0" g="0" b="0"/>
+      </a:effectRef>
+      <a:fontRef idx="minor"/>
+    </dgm:style>
+  </dgm:styleLbl>
+  <dgm:styleLbl name="dkBgShp">
+    <dgm:scene3d>
+      <a:camera prst="orthographicFront"/>
+      <a:lightRig rig="threePt" dir="t"/>
+    </dgm:scene3d>
+    <dgm:sp3d/>
+    <dgm:txPr/>
+    <dgm:style>
+      <a:lnRef idx="0">
+        <a:scrgbClr r="0" g="0" b="0"/>
+      </a:lnRef>
+      <a:fillRef idx="1">
+        <a:scrgbClr r="0" g="0" b="0"/>
+      </a:fillRef>
+      <a:effectRef idx="0">
+        <a:scrgbClr r="0" g="0" b="0"/>
+      </a:effectRef>
+      <a:fontRef idx="minor"/>
+    </dgm:style>
+  </dgm:styleLbl>
+  <dgm:styleLbl name="trBgShp">
+    <dgm:scene3d>
+      <a:camera prst="orthographicFront"/>
+      <a:lightRig rig="threePt" dir="t"/>
+    </dgm:scene3d>
+    <dgm:sp3d/>
+    <dgm:txPr/>
+    <dgm:style>
+      <a:lnRef idx="0">
+        <a:scrgbClr r="0" g="0" b="0"/>
+      </a:lnRef>
+      <a:fillRef idx="1">
+        <a:scrgbClr r="0" g="0" b="0"/>
+      </a:fillRef>
+      <a:effectRef idx="0">
+        <a:scrgbClr r="0" g="0" b="0"/>
+      </a:effectRef>
+      <a:fontRef idx="minor"/>
+    </dgm:style>
+  </dgm:styleLbl>
+  <dgm:styleLbl name="fgShp">
+    <dgm:scene3d>
+      <a:camera prst="orthographicFront"/>
+      <a:lightRig rig="threePt" dir="t"/>
+    </dgm:scene3d>
+    <dgm:sp3d/>
+    <dgm:txPr/>
+    <dgm:style>
+      <a:lnRef idx="2">
+        <a:scrgbClr r="0" g="0" b="0"/>
+      </a:lnRef>
+      <a:fillRef idx="1">
+        <a:scrgbClr r="0" g="0" b="0"/>
+      </a:fillRef>
+      <a:effectRef idx="0">
+        <a:scrgbClr r="0" g="0" b="0"/>
+      </a:effectRef>
+      <a:fontRef idx="minor"/>
+    </dgm:style>
+  </dgm:styleLbl>
+  <dgm:styleLbl name="revTx">
+    <dgm:scene3d>
+      <a:camera prst="orthographicFront"/>
+      <a:lightRig rig="threePt" dir="t"/>
+    </dgm:scene3d>
+    <dgm:sp3d/>
+    <dgm:txPr/>
+    <dgm:style>
+      <a:lnRef idx="0">
+        <a:scrgbClr r="0" g="0" b="0"/>
+      </a:lnRef>
+      <a:fillRef idx="0">
+        <a:scrgbClr r="0" g="0" b="0"/>
+      </a:fillRef>
+      <a:effectRef idx="0">
+        <a:scrgbClr r="0" g="0" b="0"/>
+      </a:effectRef>
+      <a:fontRef idx="minor"/>
+    </dgm:style>
+  </dgm:styleLbl>
+</dgm:styleDef>
+</file>
+
+<file path=ppt/diagrams/quickStyle2.xml><?xml version="1.0" encoding="utf-8"?>
+<dgm:styleDef xmlns:dgm="http://schemas.openxmlformats.org/drawingml/2006/diagram" xmlns:a="http://schemas.openxmlformats.org/drawingml/2006/main" uniqueId="urn:microsoft.com/office/officeart/2005/8/quickstyle/simple1">
+  <dgm:title val=""/>
+  <dgm:desc val=""/>
+  <dgm:catLst>
+    <dgm:cat type="simple" pri="10100"/>
+  </dgm:catLst>
+  <dgm:scene3d>
+    <a:camera prst="orthographicFront"/>
+    <a:lightRig rig="threePt" dir="t"/>
+  </dgm:scene3d>
+  <dgm:styleLbl name="node0">
+    <dgm:scene3d>
+      <a:camera prst="orthographicFront"/>
+      <a:lightRig rig="threePt" dir="t"/>
+    </dgm:scene3d>
+    <dgm:sp3d/>
+    <dgm:txPr/>
+    <dgm:style>
+      <a:lnRef idx="2">
+        <a:scrgbClr r="0" g="0" b="0"/>
+      </a:lnRef>
+      <a:fillRef idx="1">
+        <a:scrgbClr r="0" g="0" b="0"/>
+      </a:fillRef>
+      <a:effectRef idx="0">
+        <a:scrgbClr r="0" g="0" b="0"/>
+      </a:effectRef>
+      <a:fontRef idx="minor">
+        <a:schemeClr val="lt1"/>
+      </a:fontRef>
+    </dgm:style>
+  </dgm:styleLbl>
+  <dgm:styleLbl name="lnNode1">
+    <dgm:scene3d>
+      <a:camera prst="orthographicFront"/>
+      <a:lightRig rig="threePt" dir="t"/>
+    </dgm:scene3d>
+    <dgm:sp3d/>
+    <dgm:txPr/>
+    <dgm:style>
+      <a:lnRef idx="2">
+        <a:scrgbClr r="0" g="0" b="0"/>
+      </a:lnRef>
+      <a:fillRef idx="1">
+        <a:scrgbClr r="0" g="0" b="0"/>
+      </a:fillRef>
+      <a:effectRef idx="0">
+        <a:scrgbClr r="0" g="0" b="0"/>
+      </a:effectRef>
+      <a:fontRef idx="minor">
+        <a:schemeClr val="lt1"/>
+      </a:fontRef>
+    </dgm:style>
+  </dgm:styleLbl>
+  <dgm:styleLbl name="vennNode1">
+    <dgm:scene3d>
+      <a:camera prst="orthographicFront"/>
+      <a:lightRig rig="threePt" dir="t"/>
+    </dgm:scene3d>
+    <dgm:sp3d/>
+    <dgm:txPr/>
+    <dgm:style>
+      <a:lnRef idx="2">
+        <a:scrgbClr r="0" g="0" b="0"/>
+      </a:lnRef>
+      <a:fillRef idx="1">
+        <a:scrgbClr r="0" g="0" b="0"/>
+      </a:fillRef>
+      <a:effectRef idx="0">
+        <a:scrgbClr r="0" g="0" b="0"/>
+      </a:effectRef>
+      <a:fontRef idx="minor">
+        <a:schemeClr val="tx1"/>
+      </a:fontRef>
+    </dgm:style>
+  </dgm:styleLbl>
+  <dgm:styleLbl name="alignNode1">
+    <dgm:scene3d>
+      <a:camera prst="orthographicFront"/>
+      <a:lightRig rig="threePt" dir="t"/>
+    </dgm:scene3d>
+    <dgm:sp3d/>
+    <dgm:txPr/>
+    <dgm:style>
+      <a:lnRef idx="2">
+        <a:scrgbClr r="0" g="0" b="0"/>
+      </a:lnRef>
+      <a:fillRef idx="1">
+        <a:scrgbClr r="0" g="0" b="0"/>
+      </a:fillRef>
+      <a:effectRef idx="0">
+        <a:scrgbClr r="0" g="0" b="0"/>
+      </a:effectRef>
+      <a:fontRef idx="minor">
+        <a:schemeClr val="lt1"/>
+      </a:fontRef>
+    </dgm:style>
+  </dgm:styleLbl>
+  <dgm:styleLbl name="node1">
+    <dgm:scene3d>
+      <a:camera prst="orthographicFront"/>
+      <a:lightRig rig="threePt" dir="t"/>
+    </dgm:scene3d>
+    <dgm:sp3d/>
+    <dgm:txPr/>
+    <dgm:style>
+      <a:lnRef idx="2">
+        <a:scrgbClr r="0" g="0" b="0"/>
+      </a:lnRef>
+      <a:fillRef idx="1">
+        <a:scrgbClr r="0" g="0" b="0"/>
+      </a:fillRef>
+      <a:effectRef idx="0">
+        <a:scrgbClr r="0" g="0" b="0"/>
+      </a:effectRef>
+      <a:fontRef idx="minor">
+        <a:schemeClr val="lt1"/>
+      </a:fontRef>
+    </dgm:style>
+  </dgm:styleLbl>
+  <dgm:styleLbl name="node2">
+    <dgm:scene3d>
+      <a:camera prst="orthographicFront"/>
+      <a:lightRig rig="threePt" dir="t"/>
+    </dgm:scene3d>
+    <dgm:sp3d/>
+    <dgm:txPr/>
+    <dgm:style>
+      <a:lnRef idx="2">
+        <a:scrgbClr r="0" g="0" b="0"/>
+      </a:lnRef>
+      <a:fillRef idx="1">
+        <a:scrgbClr r="0" g="0" b="0"/>
+      </a:fillRef>
+      <a:effectRef idx="0">
+        <a:scrgbClr r="0" g="0" b="0"/>
+      </a:effectRef>
+      <a:fontRef idx="minor">
+        <a:schemeClr val="lt1"/>
+      </a:fontRef>
+    </dgm:style>
+  </dgm:styleLbl>
+  <dgm:styleLbl name="node3">
+    <dgm:scene3d>
+      <a:camera prst="orthographicFront"/>
+      <a:lightRig rig="threePt" dir="t"/>
+    </dgm:scene3d>
+    <dgm:sp3d/>
+    <dgm:txPr/>
+    <dgm:style>
+      <a:lnRef idx="2">
+        <a:scrgbClr r="0" g="0" b="0"/>
+      </a:lnRef>
+      <a:fillRef idx="1">
+        <a:scrgbClr r="0" g="0" b="0"/>
+      </a:fillRef>
+      <a:effectRef idx="0">
+        <a:scrgbClr r="0" g="0" b="0"/>
+      </a:effectRef>
+      <a:fontRef idx="minor">
+        <a:schemeClr val="lt1"/>
+      </a:fontRef>
+    </dgm:style>
+  </dgm:styleLbl>
+  <dgm:styleLbl name="node4">
+    <dgm:scene3d>
+      <a:camera prst="orthographicFront"/>
+      <a:lightRig rig="threePt" dir="t"/>
+    </dgm:scene3d>
+    <dgm:sp3d/>
+    <dgm:txPr/>
+    <dgm:style>
+      <a:lnRef idx="2">
+        <a:scrgbClr r="0" g="0" b="0"/>
+      </a:lnRef>
+      <a:fillRef idx="1">
+        <a:scrgbClr r="0" g="0" b="0"/>
+      </a:fillRef>
+      <a:effectRef idx="0">
+        <a:scrgbClr r="0" g="0" b="0"/>
+      </a:effectRef>
+      <a:fontRef idx="minor">
+        <a:schemeClr val="lt1"/>
+      </a:fontRef>
+    </dgm:style>
+  </dgm:styleLbl>
+  <dgm:styleLbl name="fgImgPlace1">
+    <dgm:scene3d>
+      <a:camera prst="orthographicFront"/>
+      <a:lightRig rig="threePt" dir="t"/>
+    </dgm:scene3d>
+    <dgm:sp3d/>
+    <dgm:txPr/>
+    <dgm:style>
+      <a:lnRef idx="2">
+        <a:scrgbClr r="0" g="0" b="0"/>
+      </a:lnRef>
+      <a:fillRef idx="1">
+        <a:scrgbClr r="0" g="0" b="0"/>
+      </a:fillRef>
+      <a:effectRef idx="0">
+        <a:scrgbClr r="0" g="0" b="0"/>
+      </a:effectRef>
+      <a:fontRef idx="minor"/>
+    </dgm:style>
+  </dgm:styleLbl>
+  <dgm:styleLbl name="alignImgPlace1">
+    <dgm:scene3d>
+      <a:camera prst="orthographicFront"/>
+      <a:lightRig rig="threePt" dir="t"/>
+    </dgm:scene3d>
+    <dgm:sp3d/>
+    <dgm:txPr/>
+    <dgm:style>
+      <a:lnRef idx="2">
+        <a:scrgbClr r="0" g="0" b="0"/>
+      </a:lnRef>
+      <a:fillRef idx="1">
+        <a:scrgbClr r="0" g="0" b="0"/>
+      </a:fillRef>
+      <a:effectRef idx="0">
+        <a:scrgbClr r="0" g="0" b="0"/>
+      </a:effectRef>
+      <a:fontRef idx="minor"/>
+    </dgm:style>
+  </dgm:styleLbl>
+  <dgm:styleLbl name="bgImgPlace1">
+    <dgm:scene3d>
+      <a:camera prst="orthographicFront"/>
+      <a:lightRig rig="threePt" dir="t"/>
+    </dgm:scene3d>
+    <dgm:sp3d/>
+    <dgm:txPr/>
+    <dgm:style>
+      <a:lnRef idx="2">
+        <a:scrgbClr r="0" g="0" b="0"/>
+      </a:lnRef>
+      <a:fillRef idx="1">
+        <a:scrgbClr r="0" g="0" b="0"/>
+      </a:fillRef>
+      <a:effectRef idx="0">
+        <a:scrgbClr r="0" g="0" b="0"/>
+      </a:effectRef>
+      <a:fontRef idx="minor"/>
+    </dgm:style>
+  </dgm:styleLbl>
+  <dgm:styleLbl name="sibTrans2D1">
+    <dgm:scene3d>
+      <a:camera prst="orthographicFront"/>
+      <a:lightRig rig="threePt" dir="t"/>
+    </dgm:scene3d>
+    <dgm:sp3d/>
+    <dgm:txPr/>
+    <dgm:style>
+      <a:lnRef idx="0">
+        <a:scrgbClr r="0" g="0" b="0"/>
+      </a:lnRef>
+      <a:fillRef idx="1">
+        <a:scrgbClr r="0" g="0" b="0"/>
+      </a:fillRef>
+      <a:effectRef idx="0">
+        <a:scrgbClr r="0" g="0" b="0"/>
+      </a:effectRef>
+      <a:fontRef idx="minor">
+        <a:schemeClr val="lt1"/>
+      </a:fontRef>
+    </dgm:style>
+  </dgm:styleLbl>
+  <dgm:styleLbl name="fgSibTrans2D1">
+    <dgm:scene3d>
+      <a:camera prst="orthographicFront"/>
+      <a:lightRig rig="threePt" dir="t"/>
+    </dgm:scene3d>
+    <dgm:sp3d/>
+    <dgm:txPr/>
+    <dgm:style>
+      <a:lnRef idx="0">
+        <a:scrgbClr r="0" g="0" b="0"/>
+      </a:lnRef>
+      <a:fillRef idx="1">
+        <a:scrgbClr r="0" g="0" b="0"/>
+      </a:fillRef>
+      <a:effectRef idx="0">
+        <a:scrgbClr r="0" g="0" b="0"/>
+      </a:effectRef>
+      <a:fontRef idx="minor">
+        <a:schemeClr val="lt1"/>
+      </a:fontRef>
+    </dgm:style>
+  </dgm:styleLbl>
+  <dgm:styleLbl name="bgSibTrans2D1">
+    <dgm:scene3d>
+      <a:camera prst="orthographicFront"/>
+      <a:lightRig rig="threePt" dir="t"/>
+    </dgm:scene3d>
+    <dgm:sp3d/>
+    <dgm:txPr/>
+    <dgm:style>
+      <a:lnRef idx="0">
+        <a:scrgbClr r="0" g="0" b="0"/>
+      </a:lnRef>
+      <a:fillRef idx="1">
+        <a:scrgbClr r="0" g="0" b="0"/>
+      </a:fillRef>
+      <a:effectRef idx="0">
+        <a:scrgbClr r="0" g="0" b="0"/>
+      </a:effectRef>
+      <a:fontRef idx="minor">
+        <a:schemeClr val="lt1"/>
+      </a:fontRef>
+    </dgm:style>
+  </dgm:styleLbl>
+  <dgm:styleLbl name="sibTrans1D1">
+    <dgm:scene3d>
+      <a:camera prst="orthographicFront"/>
+      <a:lightRig rig="threePt" dir="t"/>
+    </dgm:scene3d>
+    <dgm:sp3d/>
+    <dgm:txPr/>
+    <dgm:style>
+      <a:lnRef idx="1">
+        <a:scrgbClr r="0" g="0" b="0"/>
+      </a:lnRef>
+      <a:fillRef idx="0">
+        <a:scrgbClr r="0" g="0" b="0"/>
+      </a:fillRef>
+      <a:effectRef idx="0">
+        <a:scrgbClr r="0" g="0" b="0"/>
+      </a:effectRef>
+      <a:fontRef idx="minor"/>
+    </dgm:style>
+  </dgm:styleLbl>
+  <dgm:styleLbl name="callout">
+    <dgm:scene3d>
+      <a:camera prst="orthographicFront"/>
+      <a:lightRig rig="threePt" dir="t"/>
+    </dgm:scene3d>
+    <dgm:sp3d/>
+    <dgm:txPr/>
+    <dgm:style>
+      <a:lnRef idx="2">
+        <a:scrgbClr r="0" g="0" b="0"/>
+      </a:lnRef>
+      <a:fillRef idx="1">
+        <a:scrgbClr r="0" g="0" b="0"/>
+      </a:fillRef>
+      <a:effectRef idx="0">
+        <a:scrgbClr r="0" g="0" b="0"/>
+      </a:effectRef>
+      <a:fontRef idx="minor"/>
+    </dgm:style>
+  </dgm:styleLbl>
+  <dgm:styleLbl name="asst0">
+    <dgm:scene3d>
+      <a:camera prst="orthographicFront"/>
+      <a:lightRig rig="threePt" dir="t"/>
+    </dgm:scene3d>
+    <dgm:sp3d/>
+    <dgm:txPr/>
+    <dgm:style>
+      <a:lnRef idx="2">
+        <a:scrgbClr r="0" g="0" b="0"/>
+      </a:lnRef>
+      <a:fillRef idx="1">
+        <a:scrgbClr r="0" g="0" b="0"/>
+      </a:fillRef>
+      <a:effectRef idx="0">
+        <a:scrgbClr r="0" g="0" b="0"/>
+      </a:effectRef>
+      <a:fontRef idx="minor">
+        <a:schemeClr val="lt1"/>
+      </a:fontRef>
+    </dgm:style>
+  </dgm:styleLbl>
+  <dgm:styleLbl name="asst1">
+    <dgm:scene3d>
+      <a:camera prst="orthographicFront"/>
+      <a:lightRig rig="threePt" dir="t"/>
+    </dgm:scene3d>
+    <dgm:sp3d/>
+    <dgm:txPr/>
+    <dgm:style>
+      <a:lnRef idx="2">
+        <a:scrgbClr r="0" g="0" b="0"/>
+      </a:lnRef>
+      <a:fillRef idx="1">
+        <a:scrgbClr r="0" g="0" b="0"/>
+      </a:fillRef>
+      <a:effectRef idx="0">
+        <a:scrgbClr r="0" g="0" b="0"/>
+      </a:effectRef>
+      <a:fontRef idx="minor">
+        <a:schemeClr val="lt1"/>
+      </a:fontRef>
+    </dgm:style>
+  </dgm:styleLbl>
+  <dgm:styleLbl name="asst2">
+    <dgm:scene3d>
+      <a:camera prst="orthographicFront"/>
+      <a:lightRig rig="threePt" dir="t"/>
+    </dgm:scene3d>
+    <dgm:sp3d/>
+    <dgm:txPr/>
+    <dgm:style>
+      <a:lnRef idx="2">
+        <a:scrgbClr r="0" g="0" b="0"/>
+      </a:lnRef>
+      <a:fillRef idx="1">
+        <a:scrgbClr r="0" g="0" b="0"/>
+      </a:fillRef>
+      <a:effectRef idx="0">
+        <a:scrgbClr r="0" g="0" b="0"/>
+      </a:effectRef>
+      <a:fontRef idx="minor">
+        <a:schemeClr val="lt1"/>
+      </a:fontRef>
+    </dgm:style>
+  </dgm:styleLbl>
+  <dgm:styleLbl name="asst3">
+    <dgm:scene3d>
+      <a:camera prst="orthographicFront"/>
+      <a:lightRig rig="threePt" dir="t"/>
+    </dgm:scene3d>
+    <dgm:sp3d/>
+    <dgm:txPr/>
+    <dgm:style>
+      <a:lnRef idx="2">
+        <a:scrgbClr r="0" g="0" b="0"/>
+      </a:lnRef>
+      <a:fillRef idx="1">
+        <a:scrgbClr r="0" g="0" b="0"/>
+      </a:fillRef>
+      <a:effectRef idx="0">
+        <a:scrgbClr r="0" g="0" b="0"/>
+      </a:effectRef>
+      <a:fontRef idx="minor">
+        <a:schemeClr val="lt1"/>
+      </a:fontRef>
+    </dgm:style>
+  </dgm:styleLbl>
+  <dgm:styleLbl name="asst4">
+    <dgm:scene3d>
+      <a:camera prst="orthographicFront"/>
+      <a:lightRig rig="threePt" dir="t"/>
+    </dgm:scene3d>
+    <dgm:sp3d/>
+    <dgm:txPr/>
+    <dgm:style>
+      <a:lnRef idx="2">
+        <a:scrgbClr r="0" g="0" b="0"/>
+      </a:lnRef>
+      <a:fillRef idx="1">
+        <a:scrgbClr r="0" g="0" b="0"/>
+      </a:fillRef>
+      <a:effectRef idx="0">
+        <a:scrgbClr r="0" g="0" b="0"/>
+      </a:effectRef>
+      <a:fontRef idx="minor">
+        <a:schemeClr val="lt1"/>
+      </a:fontRef>
+    </dgm:style>
+  </dgm:styleLbl>
+  <dgm:styleLbl name="parChTrans2D1">
+    <dgm:scene3d>
+      <a:camera prst="orthographicFront"/>
+      <a:lightRig rig="threePt" dir="t"/>
+    </dgm:scene3d>
+    <dgm:sp3d/>
+    <dgm:txPr/>
+    <dgm:style>
+      <a:lnRef idx="2">
+        <a:scrgbClr r="0" g="0" b="0"/>
+      </a:lnRef>
+      <a:fillRef idx="1">
+        <a:scrgbClr r="0" g="0" b="0"/>
+      </a:fillRef>
+      <a:effectRef idx="0">
+        <a:scrgbClr r="0" g="0" b="0"/>
+      </a:effectRef>
+      <a:fontRef idx="minor">
+        <a:schemeClr val="lt1"/>
+      </a:fontRef>
+    </dgm:style>
+  </dgm:styleLbl>
+  <dgm:styleLbl name="parChTrans2D2">
+    <dgm:scene3d>
+      <a:camera prst="orthographicFront"/>
+      <a:lightRig rig="threePt" dir="t"/>
+    </dgm:scene3d>
+    <dgm:sp3d/>
+    <dgm:txPr/>
+    <dgm:style>
+      <a:lnRef idx="2">
+        <a:scrgbClr r="0" g="0" b="0"/>
+      </a:lnRef>
+      <a:fillRef idx="1">
+        <a:scrgbClr r="0" g="0" b="0"/>
+      </a:fillRef>
+      <a:effectRef idx="0">
+        <a:scrgbClr r="0" g="0" b="0"/>
+      </a:effectRef>
+      <a:fontRef idx="minor">
+        <a:schemeClr val="lt1"/>
+      </a:fontRef>
+    </dgm:style>
+  </dgm:styleLbl>
+  <dgm:styleLbl name="parChTrans2D3">
+    <dgm:scene3d>
+      <a:camera prst="orthographicFront"/>
+      <a:lightRig rig="threePt" dir="t"/>
+    </dgm:scene3d>
+    <dgm:sp3d/>
+    <dgm:txPr/>
+    <dgm:style>
+      <a:lnRef idx="2">
+        <a:scrgbClr r="0" g="0" b="0"/>
+      </a:lnRef>
+      <a:fillRef idx="1">
+        <a:scrgbClr r="0" g="0" b="0"/>
+      </a:fillRef>
+      <a:effectRef idx="0">
+        <a:scrgbClr r="0" g="0" b="0"/>
+      </a:effectRef>
+      <a:fontRef idx="minor">
+        <a:schemeClr val="lt1"/>
+      </a:fontRef>
+    </dgm:style>
+  </dgm:styleLbl>
+  <dgm:styleLbl name="parChTrans2D4">
+    <dgm:scene3d>
+      <a:camera prst="orthographicFront"/>
+      <a:lightRig rig="threePt" dir="t"/>
+    </dgm:scene3d>
+    <dgm:sp3d/>
+    <dgm:txPr/>
+    <dgm:style>
+      <a:lnRef idx="2">
+        <a:scrgbClr r="0" g="0" b="0"/>
+      </a:lnRef>
+      <a:fillRef idx="1">
+        <a:scrgbClr r="0" g="0" b="0"/>
+      </a:fillRef>
+      <a:effectRef idx="0">
+        <a:scrgbClr r="0" g="0" b="0"/>
+      </a:effectRef>
+      <a:fontRef idx="minor">
+        <a:schemeClr val="lt1"/>
+      </a:fontRef>
+    </dgm:style>
+  </dgm:styleLbl>
+  <dgm:styleLbl name="parChTrans1D1">
+    <dgm:scene3d>
+      <a:camera prst="orthographicFront"/>
+      <a:lightRig rig="threePt" dir="t"/>
+    </dgm:scene3d>
+    <dgm:sp3d/>
+    <dgm:txPr/>
+    <dgm:style>
+      <a:lnRef idx="2">
+        <a:scrgbClr r="0" g="0" b="0"/>
+      </a:lnRef>
+      <a:fillRef idx="0">
+        <a:scrgbClr r="0" g="0" b="0"/>
+      </a:fillRef>
+      <a:effectRef idx="0">
+        <a:scrgbClr r="0" g="0" b="0"/>
+      </a:effectRef>
+      <a:fontRef idx="minor"/>
+    </dgm:style>
+  </dgm:styleLbl>
+  <dgm:styleLbl name="parChTrans1D2">
+    <dgm:scene3d>
+      <a:camera prst="orthographicFront"/>
+      <a:lightRig rig="threePt" dir="t"/>
+    </dgm:scene3d>
+    <dgm:sp3d/>
+    <dgm:txPr/>
+    <dgm:style>
+      <a:lnRef idx="2">
+        <a:scrgbClr r="0" g="0" b="0"/>
+      </a:lnRef>
+      <a:fillRef idx="0">
+        <a:scrgbClr r="0" g="0" b="0"/>
+      </a:fillRef>
+      <a:effectRef idx="0">
+        <a:scrgbClr r="0" g="0" b="0"/>
+      </a:effectRef>
+      <a:fontRef idx="minor"/>
+    </dgm:style>
+  </dgm:styleLbl>
+  <dgm:styleLbl name="parChTrans1D3">
+    <dgm:scene3d>
+      <a:camera prst="orthographicFront"/>
+      <a:lightRig rig="threePt" dir="t"/>
+    </dgm:scene3d>
+    <dgm:sp3d/>
+    <dgm:txPr/>
+    <dgm:style>
+      <a:lnRef idx="2">
+        <a:scrgbClr r="0" g="0" b="0"/>
+      </a:lnRef>
+      <a:fillRef idx="0">
+        <a:scrgbClr r="0" g="0" b="0"/>
+      </a:fillRef>
+      <a:effectRef idx="0">
+        <a:scrgbClr r="0" g="0" b="0"/>
+      </a:effectRef>
+      <a:fontRef idx="minor"/>
+    </dgm:style>
+  </dgm:styleLbl>
+  <dgm:styleLbl name="parChTrans1D4">
+    <dgm:scene3d>
+      <a:camera prst="orthographicFront"/>
+      <a:lightRig rig="threePt" dir="t"/>
+    </dgm:scene3d>
+    <dgm:sp3d/>
+    <dgm:txPr/>
+    <dgm:style>
+      <a:lnRef idx="2">
+        <a:scrgbClr r="0" g="0" b="0"/>
+      </a:lnRef>
+      <a:fillRef idx="0">
+        <a:scrgbClr r="0" g="0" b="0"/>
+      </a:fillRef>
+      <a:effectRef idx="0">
+        <a:scrgbClr r="0" g="0" b="0"/>
+      </a:effectRef>
+      <a:fontRef idx="minor"/>
+    </dgm:style>
+  </dgm:styleLbl>
+  <dgm:styleLbl name="fgAcc1">
+    <dgm:scene3d>
+      <a:camera prst="orthographicFront"/>
+      <a:lightRig rig="threePt" dir="t"/>
+    </dgm:scene3d>
+    <dgm:sp3d/>
+    <dgm:txPr/>
+    <dgm:style>
+      <a:lnRef idx="2">
+        <a:scrgbClr r="0" g="0" b="0"/>
+      </a:lnRef>
+      <a:fillRef idx="1">
+        <a:scrgbClr r="0" g="0" b="0"/>
+      </a:fillRef>
+      <a:effectRef idx="0">
+        <a:scrgbClr r="0" g="0" b="0"/>
+      </a:effectRef>
+      <a:fontRef idx="minor"/>
+    </dgm:style>
+  </dgm:styleLbl>
+  <dgm:styleLbl name="conFgAcc1">
+    <dgm:scene3d>
+      <a:camera prst="orthographicFront"/>
+      <a:lightRig rig="threePt" dir="t"/>
+    </dgm:scene3d>
+    <dgm:sp3d/>
+    <dgm:txPr/>
+    <dgm:style>
+      <a:lnRef idx="2">
+        <a:scrgbClr r="0" g="0" b="0"/>
+      </a:lnRef>
+      <a:fillRef idx="1">
+        <a:scrgbClr r="0" g="0" b="0"/>
+      </a:fillRef>
+      <a:effectRef idx="0">
+        <a:scrgbClr r="0" g="0" b="0"/>
+      </a:effectRef>
+      <a:fontRef idx="minor"/>
+    </dgm:style>
+  </dgm:styleLbl>
+  <dgm:styleLbl name="alignAcc1">
+    <dgm:scene3d>
+      <a:camera prst="orthographicFront"/>
+      <a:lightRig rig="threePt" dir="t"/>
+    </dgm:scene3d>
+    <dgm:sp3d/>
+    <dgm:txPr/>
+    <dgm:style>
+      <a:lnRef idx="2">
+        <a:scrgbClr r="0" g="0" b="0"/>
+      </a:lnRef>
+      <a:fillRef idx="1">
+        <a:scrgbClr r="0" g="0" b="0"/>
+      </a:fillRef>
+      <a:effectRef idx="0">
+        <a:scrgbClr r="0" g="0" b="0"/>
+      </a:effectRef>
+      <a:fontRef idx="minor"/>
+    </dgm:style>
+  </dgm:styleLbl>
+  <dgm:styleLbl name="trAlignAcc1">
+    <dgm:scene3d>
+      <a:camera prst="orthographicFront"/>
+      <a:lightRig rig="threePt" dir="t"/>
+    </dgm:scene3d>
+    <dgm:sp3d/>
+    <dgm:txPr/>
+    <dgm:style>
+      <a:lnRef idx="1">
+        <a:scrgbClr r="0" g="0" b="0"/>
+      </a:lnRef>
+      <a:fillRef idx="1">
+        <a:scrgbClr r="0" g="0" b="0"/>
+      </a:fillRef>
+      <a:effectRef idx="0">
+        <a:scrgbClr r="0" g="0" b="0"/>
+      </a:effectRef>
+      <a:fontRef idx="minor"/>
+    </dgm:style>
+  </dgm:styleLbl>
+  <dgm:styleLbl name="bgAcc1">
+    <dgm:scene3d>
+      <a:camera prst="orthographicFront"/>
+      <a:lightRig rig="threePt" dir="t"/>
+    </dgm:scene3d>
+    <dgm:sp3d/>
+    <dgm:txPr/>
+    <dgm:style>
+      <a:lnRef idx="2">
+        <a:scrgbClr r="0" g="0" b="0"/>
+      </a:lnRef>
+      <a:fillRef idx="1">
+        <a:scrgbClr r="0" g="0" b="0"/>
+      </a:fillRef>
+      <a:effectRef idx="0">
+        <a:scrgbClr r="0" g="0" b="0"/>
+      </a:effectRef>
+      <a:fontRef idx="minor"/>
+    </dgm:style>
+  </dgm:styleLbl>
+  <dgm:styleLbl name="solidFgAcc1">
+    <dgm:scene3d>
+      <a:camera prst="orthographicFront"/>
+      <a:lightRig rig="threePt" dir="t"/>
+    </dgm:scene3d>
+    <dgm:sp3d/>
+    <dgm:txPr/>
+    <dgm:style>
+      <a:lnRef idx="2">
+        <a:scrgbClr r="0" g="0" b="0"/>
+      </a:lnRef>
+      <a:fillRef idx="1">
+        <a:scrgbClr r="0" g="0" b="0"/>
+      </a:fillRef>
+      <a:effectRef idx="0">
+        <a:scrgbClr r="0" g="0" b="0"/>
+      </a:effectRef>
+      <a:fontRef idx="minor"/>
+    </dgm:style>
+  </dgm:styleLbl>
+  <dgm:styleLbl name="solidAlignAcc1">
+    <dgm:scene3d>
+      <a:camera prst="orthographicFront"/>
+      <a:lightRig rig="threePt" dir="t"/>
+    </dgm:scene3d>
+    <dgm:sp3d/>
+    <dgm:txPr/>
+    <dgm:style>
+      <a:lnRef idx="2">
+        <a:scrgbClr r="0" g="0" b="0"/>
+      </a:lnRef>
+      <a:fillRef idx="1">
+        <a:scrgbClr r="0" g="0" b="0"/>
+      </a:fillRef>
+      <a:effectRef idx="0">
+        <a:scrgbClr r="0" g="0" b="0"/>
+      </a:effectRef>
+      <a:fontRef idx="minor"/>
+    </dgm:style>
+  </dgm:styleLbl>
+  <dgm:styleLbl name="solidBgAcc1">
+    <dgm:scene3d>
+      <a:camera prst="orthographicFront"/>
+      <a:lightRig rig="threePt" dir="t"/>
+    </dgm:scene3d>
+    <dgm:sp3d/>
+    <dgm:txPr/>
+    <dgm:style>
+      <a:lnRef idx="2">
+        <a:scrgbClr r="0" g="0" b="0"/>
+      </a:lnRef>
+      <a:fillRef idx="1">
+        <a:scrgbClr r="0" g="0" b="0"/>
+      </a:fillRef>
+      <a:effectRef idx="0">
+        <a:scrgbClr r="0" g="0" b="0"/>
+      </a:effectRef>
+      <a:fontRef idx="minor"/>
+    </dgm:style>
+  </dgm:styleLbl>
+  <dgm:styleLbl name="fgAccFollowNode1">
+    <dgm:scene3d>
+      <a:camera prst="orthographicFront"/>
+      <a:lightRig rig="threePt" dir="t"/>
+    </dgm:scene3d>
+    <dgm:sp3d/>
+    <dgm:txPr/>
+    <dgm:style>
+      <a:lnRef idx="2">
+        <a:scrgbClr r="0" g="0" b="0"/>
+      </a:lnRef>
+      <a:fillRef idx="1">
+        <a:scrgbClr r="0" g="0" b="0"/>
+      </a:fillRef>
+      <a:effectRef idx="0">
+        <a:scrgbClr r="0" g="0" b="0"/>
+      </a:effectRef>
+      <a:fontRef idx="minor"/>
+    </dgm:style>
+  </dgm:styleLbl>
+  <dgm:styleLbl name="alignAccFollowNode1">
+    <dgm:scene3d>
+      <a:camera prst="orthographicFront"/>
+      <a:lightRig rig="threePt" dir="t"/>
+    </dgm:scene3d>
+    <dgm:sp3d/>
+    <dgm:txPr/>
+    <dgm:style>
+      <a:lnRef idx="2">
+        <a:scrgbClr r="0" g="0" b="0"/>
+      </a:lnRef>
+      <a:fillRef idx="1">
+        <a:scrgbClr r="0" g="0" b="0"/>
+      </a:fillRef>
+      <a:effectRef idx="0">
+        <a:scrgbClr r="0" g="0" b="0"/>
+      </a:effectRef>
+      <a:fontRef idx="minor"/>
+    </dgm:style>
+  </dgm:styleLbl>
+  <dgm:styleLbl name="bgAccFollowNode1">
+    <dgm:scene3d>
+      <a:camera prst="orthographicFront"/>
+      <a:lightRig rig="threePt" dir="t"/>
+    </dgm:scene3d>
+    <dgm:sp3d/>
+    <dgm:txPr/>
+    <dgm:style>
+      <a:lnRef idx="2">
+        <a:scrgbClr r="0" g="0" b="0"/>
+      </a:lnRef>
+      <a:fillRef idx="1">
+        <a:scrgbClr r="0" g="0" b="0"/>
+      </a:fillRef>
+      <a:effectRef idx="0">
+        <a:scrgbClr r="0" g="0" b="0"/>
+      </a:effectRef>
+      <a:fontRef idx="minor"/>
+    </dgm:style>
+  </dgm:styleLbl>
+  <dgm:styleLbl name="fgAcc0">
+    <dgm:scene3d>
+      <a:camera prst="orthographicFront"/>
+      <a:lightRig rig="threePt" dir="t"/>
+    </dgm:scene3d>
+    <dgm:sp3d/>
+    <dgm:txPr/>
+    <dgm:style>
+      <a:lnRef idx="2">
+        <a:scrgbClr r="0" g="0" b="0"/>
+      </a:lnRef>
+      <a:fillRef idx="1">
+        <a:scrgbClr r="0" g="0" b="0"/>
+      </a:fillRef>
+      <a:effectRef idx="0">
+        <a:scrgbClr r="0" g="0" b="0"/>
+      </a:effectRef>
+      <a:fontRef idx="minor"/>
+    </dgm:style>
+  </dgm:styleLbl>
+  <dgm:styleLbl name="fgAcc2">
+    <dgm:scene3d>
+      <a:camera prst="orthographicFront"/>
+      <a:lightRig rig="threePt" dir="t"/>
+    </dgm:scene3d>
+    <dgm:sp3d/>
+    <dgm:txPr/>
+    <dgm:style>
+      <a:lnRef idx="2">
+        <a:scrgbClr r="0" g="0" b="0"/>
+      </a:lnRef>
+      <a:fillRef idx="1">
+        <a:scrgbClr r="0" g="0" b="0"/>
+      </a:fillRef>
+      <a:effectRef idx="0">
+        <a:scrgbClr r="0" g="0" b="0"/>
+      </a:effectRef>
+      <a:fontRef idx="minor"/>
+    </dgm:style>
+  </dgm:styleLbl>
+  <dgm:styleLbl name="fgAcc3">
+    <dgm:scene3d>
+      <a:camera prst="orthographicFront"/>
+      <a:lightRig rig="threePt" dir="t"/>
+    </dgm:scene3d>
+    <dgm:sp3d/>
+    <dgm:txPr/>
+    <dgm:style>
+      <a:lnRef idx="2">
+        <a:scrgbClr r="0" g="0" b="0"/>
+      </a:lnRef>
+      <a:fillRef idx="1">
+        <a:scrgbClr r="0" g="0" b="0"/>
+      </a:fillRef>
+      <a:effectRef idx="0">
+        <a:scrgbClr r="0" g="0" b="0"/>
+      </a:effectRef>
+      <a:fontRef idx="minor"/>
+    </dgm:style>
+  </dgm:styleLbl>
+  <dgm:styleLbl name="fgAcc4">
+    <dgm:scene3d>
+      <a:camera prst="orthographicFront"/>
+      <a:lightRig rig="threePt" dir="t"/>
+    </dgm:scene3d>
+    <dgm:sp3d/>
+    <dgm:txPr/>
+    <dgm:style>
+      <a:lnRef idx="2">
+        <a:scrgbClr r="0" g="0" b="0"/>
+      </a:lnRef>
+      <a:fillRef idx="1">
+        <a:scrgbClr r="0" g="0" b="0"/>
+      </a:fillRef>
+      <a:effectRef idx="0">
+        <a:scrgbClr r="0" g="0" b="0"/>
+      </a:effectRef>
+      <a:fontRef idx="minor"/>
+    </dgm:style>
+  </dgm:styleLbl>
+  <dgm:styleLbl name="bgShp">
+    <dgm:scene3d>
+      <a:camera prst="orthographicFront"/>
+      <a:lightRig rig="threePt" dir="t"/>
+    </dgm:scene3d>
+    <dgm:sp3d/>
+    <dgm:txPr/>
+    <dgm:style>
+      <a:lnRef idx="0">
+        <a:scrgbClr r="0" g="0" b="0"/>
+      </a:lnRef>
+      <a:fillRef idx="1">
+        <a:scrgbClr r="0" g="0" b="0"/>
+      </a:fillRef>
+      <a:effectRef idx="0">
+        <a:scrgbClr r="0" g="0" b="0"/>
+      </a:effectRef>
+      <a:fontRef idx="minor"/>
+    </dgm:style>
+  </dgm:styleLbl>
+  <dgm:styleLbl name="dkBgShp">
+    <dgm:scene3d>
+      <a:camera prst="orthographicFront"/>
+      <a:lightRig rig="threePt" dir="t"/>
+    </dgm:scene3d>
+    <dgm:sp3d/>
+    <dgm:txPr/>
+    <dgm:style>
+      <a:lnRef idx="0">
+        <a:scrgbClr r="0" g="0" b="0"/>
+      </a:lnRef>
+      <a:fillRef idx="1">
+        <a:scrgbClr r="0" g="0" b="0"/>
+      </a:fillRef>
+      <a:effectRef idx="0">
+        <a:scrgbClr r="0" g="0" b="0"/>
+      </a:effectRef>
+      <a:fontRef idx="minor"/>
+    </dgm:style>
+  </dgm:styleLbl>
+  <dgm:styleLbl name="trBgShp">
+    <dgm:scene3d>
+      <a:camera prst="orthographicFront"/>
+      <a:lightRig rig="threePt" dir="t"/>
+    </dgm:scene3d>
+    <dgm:sp3d/>
+    <dgm:txPr/>
+    <dgm:style>
+      <a:lnRef idx="0">
+        <a:scrgbClr r="0" g="0" b="0"/>
+      </a:lnRef>
+      <a:fillRef idx="1">
+        <a:scrgbClr r="0" g="0" b="0"/>
+      </a:fillRef>
+      <a:effectRef idx="0">
+        <a:scrgbClr r="0" g="0" b="0"/>
+      </a:effectRef>
+      <a:fontRef idx="minor"/>
+    </dgm:style>
+  </dgm:styleLbl>
+  <dgm:styleLbl name="fgShp">
+    <dgm:scene3d>
+      <a:camera prst="orthographicFront"/>
+      <a:lightRig rig="threePt" dir="t"/>
+    </dgm:scene3d>
+    <dgm:sp3d/>
+    <dgm:txPr/>
+    <dgm:style>
+      <a:lnRef idx="2">
+        <a:scrgbClr r="0" g="0" b="0"/>
+      </a:lnRef>
+      <a:fillRef idx="1">
+        <a:scrgbClr r="0" g="0" b="0"/>
+      </a:fillRef>
+      <a:effectRef idx="0">
+        <a:scrgbClr r="0" g="0" b="0"/>
+      </a:effectRef>
+      <a:fontRef idx="minor"/>
+    </dgm:style>
+  </dgm:styleLbl>
+  <dgm:styleLbl name="revTx">
+    <dgm:scene3d>
+      <a:camera prst="orthographicFront"/>
+      <a:lightRig rig="threePt" dir="t"/>
+    </dgm:scene3d>
+    <dgm:sp3d/>
+    <dgm:txPr/>
+    <dgm:style>
+      <a:lnRef idx="0">
+        <a:scrgbClr r="0" g="0" b="0"/>
+      </a:lnRef>
+      <a:fillRef idx="0">
+        <a:scrgbClr r="0" g="0" b="0"/>
+      </a:fillRef>
+      <a:effectRef idx="0">
+        <a:scrgbClr r="0" g="0" b="0"/>
+      </a:effectRef>
+      <a:fontRef idx="minor"/>
+    </dgm:style>
+  </dgm:styleLbl>
+</dgm:styleDef>
+</file>
+
+<file path=ppt/diagrams/quickStyle3.xml><?xml version="1.0" encoding="utf-8"?>
 <dgm:styleDef xmlns:dgm="http://schemas.openxmlformats.org/drawingml/2006/diagram" xmlns:a="http://schemas.openxmlformats.org/drawingml/2006/main" uniqueId="urn:microsoft.com/office/officeart/2005/8/quickstyle/simple1">
   <dgm:title val=""/>
   <dgm:desc val=""/>
@@ -3252,7 +8928,7 @@
           <a:p>
             <a:fld id="{76969C88-B244-455D-A017-012B25B1ACDD}" type="datetimeFigureOut">
               <a:rPr lang="en-US" smtClean="0"/>
-              <a:t>5/6/2022</a:t>
+              <a:t>5/18/2022</a:t>
             </a:fld>
             <a:endParaRPr lang="en-US"/>
           </a:p>
@@ -3306,7 +8982,7 @@
           <a:p>
             <a:fld id="{07CE569E-9B7C-4CB9-AB80-C0841F922CFF}" type="slidenum">
               <a:rPr lang="en-US" smtClean="0"/>
-              <a:t>‹#›</a:t>
+              <a:t>‹nr.›</a:t>
             </a:fld>
             <a:endParaRPr lang="en-US"/>
           </a:p>
@@ -3450,7 +9126,7 @@
           <a:p>
             <a:fld id="{76969C88-B244-455D-A017-012B25B1ACDD}" type="datetimeFigureOut">
               <a:rPr lang="en-US" smtClean="0"/>
-              <a:t>5/6/2022</a:t>
+              <a:t>5/18/2022</a:t>
             </a:fld>
             <a:endParaRPr lang="en-US"/>
           </a:p>
@@ -3504,7 +9180,7 @@
           <a:p>
             <a:fld id="{07CE569E-9B7C-4CB9-AB80-C0841F922CFF}" type="slidenum">
               <a:rPr lang="en-US" smtClean="0"/>
-              <a:t>‹#›</a:t>
+              <a:t>‹nr.›</a:t>
             </a:fld>
             <a:endParaRPr lang="en-US"/>
           </a:p>
@@ -3658,7 +9334,7 @@
           <a:p>
             <a:fld id="{76969C88-B244-455D-A017-012B25B1ACDD}" type="datetimeFigureOut">
               <a:rPr lang="en-US" smtClean="0"/>
-              <a:t>5/6/2022</a:t>
+              <a:t>5/18/2022</a:t>
             </a:fld>
             <a:endParaRPr lang="en-US"/>
           </a:p>
@@ -3712,7 +9388,7 @@
           <a:p>
             <a:fld id="{07CE569E-9B7C-4CB9-AB80-C0841F922CFF}" type="slidenum">
               <a:rPr lang="en-US" smtClean="0"/>
-              <a:t>‹#›</a:t>
+              <a:t>‹nr.›</a:t>
             </a:fld>
             <a:endParaRPr lang="en-US"/>
           </a:p>
@@ -3857,7 +9533,7 @@
           <a:p>
             <a:fld id="{76969C88-B244-455D-A017-012B25B1ACDD}" type="datetimeFigureOut">
               <a:rPr lang="en-US" smtClean="0"/>
-              <a:t>5/6/2022</a:t>
+              <a:t>5/18/2022</a:t>
             </a:fld>
             <a:endParaRPr lang="en-US"/>
           </a:p>
@@ -3911,7 +9587,7 @@
           <a:p>
             <a:fld id="{07CE569E-9B7C-4CB9-AB80-C0841F922CFF}" type="slidenum">
               <a:rPr lang="en-US" smtClean="0"/>
-              <a:t>‹#›</a:t>
+              <a:t>‹nr.›</a:t>
             </a:fld>
             <a:endParaRPr lang="en-US"/>
           </a:p>
@@ -4132,7 +9808,7 @@
           <a:p>
             <a:fld id="{76969C88-B244-455D-A017-012B25B1ACDD}" type="datetimeFigureOut">
               <a:rPr lang="en-US" smtClean="0"/>
-              <a:t>5/6/2022</a:t>
+              <a:t>5/18/2022</a:t>
             </a:fld>
             <a:endParaRPr lang="en-US"/>
           </a:p>
@@ -4186,7 +9862,7 @@
           <a:p>
             <a:fld id="{07CE569E-9B7C-4CB9-AB80-C0841F922CFF}" type="slidenum">
               <a:rPr lang="en-US" smtClean="0"/>
-              <a:t>‹#›</a:t>
+              <a:t>‹nr.›</a:t>
             </a:fld>
             <a:endParaRPr lang="en-US"/>
           </a:p>
@@ -4397,7 +10073,7 @@
           <a:p>
             <a:fld id="{76969C88-B244-455D-A017-012B25B1ACDD}" type="datetimeFigureOut">
               <a:rPr lang="en-US" smtClean="0"/>
-              <a:t>5/6/2022</a:t>
+              <a:t>5/18/2022</a:t>
             </a:fld>
             <a:endParaRPr lang="en-US"/>
           </a:p>
@@ -4451,7 +10127,7 @@
           <a:p>
             <a:fld id="{07CE569E-9B7C-4CB9-AB80-C0841F922CFF}" type="slidenum">
               <a:rPr lang="en-US" smtClean="0"/>
-              <a:t>‹#›</a:t>
+              <a:t>‹nr.›</a:t>
             </a:fld>
             <a:endParaRPr lang="en-US"/>
           </a:p>
@@ -4809,7 +10485,7 @@
           <a:p>
             <a:fld id="{76969C88-B244-455D-A017-012B25B1ACDD}" type="datetimeFigureOut">
               <a:rPr lang="en-US" smtClean="0"/>
-              <a:t>5/6/2022</a:t>
+              <a:t>5/18/2022</a:t>
             </a:fld>
             <a:endParaRPr lang="en-US"/>
           </a:p>
@@ -4863,7 +10539,7 @@
           <a:p>
             <a:fld id="{07CE569E-9B7C-4CB9-AB80-C0841F922CFF}" type="slidenum">
               <a:rPr lang="en-US" smtClean="0"/>
-              <a:t>‹#›</a:t>
+              <a:t>‹nr.›</a:t>
             </a:fld>
             <a:endParaRPr lang="en-US"/>
           </a:p>
@@ -4950,7 +10626,7 @@
           <a:p>
             <a:fld id="{76969C88-B244-455D-A017-012B25B1ACDD}" type="datetimeFigureOut">
               <a:rPr lang="en-US" smtClean="0"/>
-              <a:t>5/6/2022</a:t>
+              <a:t>5/18/2022</a:t>
             </a:fld>
             <a:endParaRPr lang="en-US"/>
           </a:p>
@@ -5004,7 +10680,7 @@
           <a:p>
             <a:fld id="{07CE569E-9B7C-4CB9-AB80-C0841F922CFF}" type="slidenum">
               <a:rPr lang="en-US" smtClean="0"/>
-              <a:t>‹#›</a:t>
+              <a:t>‹nr.›</a:t>
             </a:fld>
             <a:endParaRPr lang="en-US"/>
           </a:p>
@@ -5063,7 +10739,7 @@
           <a:p>
             <a:fld id="{76969C88-B244-455D-A017-012B25B1ACDD}" type="datetimeFigureOut">
               <a:rPr lang="en-US" smtClean="0"/>
-              <a:t>5/6/2022</a:t>
+              <a:t>5/18/2022</a:t>
             </a:fld>
             <a:endParaRPr lang="en-US"/>
           </a:p>
@@ -5117,7 +10793,7 @@
           <a:p>
             <a:fld id="{07CE569E-9B7C-4CB9-AB80-C0841F922CFF}" type="slidenum">
               <a:rPr lang="en-US" smtClean="0"/>
-              <a:t>‹#›</a:t>
+              <a:t>‹nr.›</a:t>
             </a:fld>
             <a:endParaRPr lang="en-US"/>
           </a:p>
@@ -5375,7 +11051,7 @@
           <a:p>
             <a:fld id="{76969C88-B244-455D-A017-012B25B1ACDD}" type="datetimeFigureOut">
               <a:rPr lang="en-US" smtClean="0"/>
-              <a:t>5/6/2022</a:t>
+              <a:t>5/18/2022</a:t>
             </a:fld>
             <a:endParaRPr lang="en-US"/>
           </a:p>
@@ -5429,7 +11105,7 @@
           <a:p>
             <a:fld id="{07CE569E-9B7C-4CB9-AB80-C0841F922CFF}" type="slidenum">
               <a:rPr lang="en-US" smtClean="0"/>
-              <a:t>‹#›</a:t>
+              <a:t>‹nr.›</a:t>
             </a:fld>
             <a:endParaRPr lang="en-US"/>
           </a:p>
@@ -5666,7 +11342,7 @@
           <a:p>
             <a:fld id="{76969C88-B244-455D-A017-012B25B1ACDD}" type="datetimeFigureOut">
               <a:rPr lang="en-US" smtClean="0"/>
-              <a:t>5/6/2022</a:t>
+              <a:t>5/18/2022</a:t>
             </a:fld>
             <a:endParaRPr lang="en-US"/>
           </a:p>
@@ -5720,7 +11396,7 @@
           <a:p>
             <a:fld id="{07CE569E-9B7C-4CB9-AB80-C0841F922CFF}" type="slidenum">
               <a:rPr lang="en-US" smtClean="0"/>
-              <a:t>‹#›</a:t>
+              <a:t>‹nr.›</a:t>
             </a:fld>
             <a:endParaRPr lang="en-US"/>
           </a:p>
@@ -6422,7 +12098,7 @@
             <a:fld id="{76969C88-B244-455D-A017-012B25B1ACDD}" type="datetimeFigureOut">
               <a:rPr lang="en-US" smtClean="0"/>
               <a:pPr/>
-              <a:t>5/6/2022</a:t>
+              <a:t>5/18/2022</a:t>
             </a:fld>
             <a:endParaRPr lang="en-US"/>
           </a:p>
@@ -6515,7 +12191,7 @@
             <a:fld id="{07CE569E-9B7C-4CB9-AB80-C0841F922CFF}" type="slidenum">
               <a:rPr lang="en-US" smtClean="0"/>
               <a:pPr/>
-              <a:t>‹#›</a:t>
+              <a:t>‹nr.›</a:t>
             </a:fld>
             <a:endParaRPr lang="en-US"/>
           </a:p>
@@ -7454,6 +13130,699 @@
 <file path=ppt/slides/slide2.xml><?xml version="1.0" encoding="utf-8"?>
 <p:sld xmlns:a="http://schemas.openxmlformats.org/drawingml/2006/main" xmlns:r="http://schemas.openxmlformats.org/officeDocument/2006/relationships" xmlns:p="http://schemas.openxmlformats.org/presentationml/2006/main">
   <p:cSld>
+    <p:bg>
+      <p:bgPr>
+        <a:solidFill>
+          <a:schemeClr val="bg2"/>
+        </a:solidFill>
+        <a:effectLst/>
+      </p:bgPr>
+    </p:bg>
+    <p:spTree>
+      <p:nvGrpSpPr>
+        <p:cNvPr id="1" name=""/>
+        <p:cNvGrpSpPr/>
+        <p:nvPr/>
+      </p:nvGrpSpPr>
+      <p:grpSpPr>
+        <a:xfrm>
+          <a:off x="0" y="0"/>
+          <a:ext cx="0" cy="0"/>
+          <a:chOff x="0" y="0"/>
+          <a:chExt cx="0" cy="0"/>
+        </a:xfrm>
+      </p:grpSpPr>
+      <p:sp useBgFill="1">
+        <p:nvSpPr>
+          <p:cNvPr id="9" name="Rectangle 8">
+            <a:extLst>
+              <a:ext uri="{FF2B5EF4-FFF2-40B4-BE49-F238E27FC236}">
+                <a16:creationId xmlns:a16="http://schemas.microsoft.com/office/drawing/2014/main" id="{987A0FBA-CC04-4256-A8EB-BB3C543E989C}"/>
+              </a:ext>
+              <a:ext uri="{C183D7F6-B498-43B3-948B-1728B52AA6E4}">
+                <adec:decorative xmlns:adec="http://schemas.microsoft.com/office/drawing/2017/decorative" val="1"/>
+              </a:ext>
+            </a:extLst>
+          </p:cNvPr>
+          <p:cNvSpPr>
+            <a:spLocks noGrp="1" noRot="1" noChangeAspect="1" noMove="1" noResize="1" noEditPoints="1" noAdjustHandles="1" noChangeArrowheads="1" noChangeShapeType="1" noTextEdit="1"/>
+          </p:cNvSpPr>
+          <p:nvPr>
+            <p:extLst>
+              <p:ext uri="{386F3935-93C4-4BCD-93E2-E3B085C9AB24}">
+                <p16:designElem xmlns:p16="http://schemas.microsoft.com/office/powerpoint/2015/main" val="1"/>
+              </p:ext>
+            </p:extLst>
+          </p:nvPr>
+        </p:nvSpPr>
+        <p:spPr>
+          <a:xfrm>
+            <a:off x="0" y="0"/>
+            <a:ext cx="12192000" cy="6858000"/>
+          </a:xfrm>
+          <a:prstGeom prst="rect">
+            <a:avLst/>
+          </a:prstGeom>
+          <a:ln w="12700" cap="flat" cmpd="sng" algn="ctr">
+            <a:noFill/>
+            <a:prstDash val="solid"/>
+            <a:miter lim="800000"/>
+          </a:ln>
+          <a:effectLst/>
+          <a:extLst>
+            <a:ext uri="{91240B29-F687-4F45-9708-019B960494DF}">
+              <a14:hiddenLine xmlns:a14="http://schemas.microsoft.com/office/drawing/2010/main" w="12700" cap="flat" cmpd="sng" algn="ctr">
+                <a:solidFill>
+                  <a:schemeClr val="accent1">
+                    <a:shade val="50000"/>
+                  </a:schemeClr>
+                </a:solidFill>
+                <a:prstDash val="solid"/>
+                <a:miter lim="800000"/>
+              </a14:hiddenLine>
+            </a:ext>
+          </a:extLst>
+        </p:spPr>
+        <p:style>
+          <a:lnRef idx="2">
+            <a:schemeClr val="accent1">
+              <a:shade val="50000"/>
+            </a:schemeClr>
+          </a:lnRef>
+          <a:fillRef idx="1">
+            <a:schemeClr val="accent1"/>
+          </a:fillRef>
+          <a:effectRef idx="0">
+            <a:schemeClr val="accent1"/>
+          </a:effectRef>
+          <a:fontRef idx="minor">
+            <a:schemeClr val="lt1"/>
+          </a:fontRef>
+        </p:style>
+        <p:txBody>
+          <a:bodyPr rtlCol="0" anchor="ctr"/>
+          <a:lstStyle/>
+          <a:p>
+            <a:pPr algn="ctr"/>
+            <a:endParaRPr lang="en-US"/>
+          </a:p>
+        </p:txBody>
+      </p:sp>
+      <p:sp>
+        <p:nvSpPr>
+          <p:cNvPr id="11" name="Freeform: Shape 10">
+            <a:extLst>
+              <a:ext uri="{FF2B5EF4-FFF2-40B4-BE49-F238E27FC236}">
+                <a16:creationId xmlns:a16="http://schemas.microsoft.com/office/drawing/2014/main" id="{6A13B60C-56B1-46B4-98A6-1482A52E76C2}"/>
+              </a:ext>
+              <a:ext uri="{C183D7F6-B498-43B3-948B-1728B52AA6E4}">
+                <adec:decorative xmlns:adec="http://schemas.microsoft.com/office/drawing/2017/decorative" val="1"/>
+              </a:ext>
+            </a:extLst>
+          </p:cNvPr>
+          <p:cNvSpPr>
+            <a:spLocks noGrp="1" noRot="1" noChangeAspect="1" noMove="1" noResize="1" noEditPoints="1" noAdjustHandles="1" noChangeArrowheads="1" noChangeShapeType="1" noTextEdit="1"/>
+          </p:cNvSpPr>
+          <p:nvPr>
+            <p:extLst>
+              <p:ext uri="{386F3935-93C4-4BCD-93E2-E3B085C9AB24}">
+                <p16:designElem xmlns:p16="http://schemas.microsoft.com/office/powerpoint/2015/main" val="1"/>
+              </p:ext>
+            </p:extLst>
+          </p:nvPr>
+        </p:nvSpPr>
+        <p:spPr>
+          <a:xfrm rot="16200000" flipH="1" flipV="1">
+            <a:off x="31865" y="-31864"/>
+            <a:ext cx="4785362" cy="4849091"/>
+          </a:xfrm>
+          <a:custGeom>
+            <a:avLst/>
+            <a:gdLst>
+              <a:gd name="connsiteX0" fmla="*/ 0 w 4212773"/>
+              <a:gd name="connsiteY0" fmla="*/ 0 h 6498740"/>
+              <a:gd name="connsiteX1" fmla="*/ 159023 w 4212773"/>
+              <a:gd name="connsiteY1" fmla="*/ 12872 h 6498740"/>
+              <a:gd name="connsiteX2" fmla="*/ 1697597 w 4212773"/>
+              <a:gd name="connsiteY2" fmla="*/ 306418 h 6498740"/>
+              <a:gd name="connsiteX3" fmla="*/ 4047822 w 4212773"/>
+              <a:gd name="connsiteY3" fmla="*/ 3511272 h 6498740"/>
+              <a:gd name="connsiteX4" fmla="*/ 3551503 w 4212773"/>
+              <a:gd name="connsiteY4" fmla="*/ 6184235 h 6498740"/>
+              <a:gd name="connsiteX5" fmla="*/ 3163159 w 4212773"/>
+              <a:gd name="connsiteY5" fmla="*/ 6459073 h 6498740"/>
+              <a:gd name="connsiteX6" fmla="*/ 3092077 w 4212773"/>
+              <a:gd name="connsiteY6" fmla="*/ 6498740 h 6498740"/>
+              <a:gd name="connsiteX7" fmla="*/ 0 w 4212773"/>
+              <a:gd name="connsiteY7" fmla="*/ 6498740 h 6498740"/>
+              <a:gd name="connsiteX8" fmla="*/ 0 w 4212773"/>
+              <a:gd name="connsiteY8" fmla="*/ 0 h 6498740"/>
+            </a:gdLst>
+            <a:ahLst/>
+            <a:cxnLst>
+              <a:cxn ang="0">
+                <a:pos x="connsiteX0" y="connsiteY0"/>
+              </a:cxn>
+              <a:cxn ang="0">
+                <a:pos x="connsiteX1" y="connsiteY1"/>
+              </a:cxn>
+              <a:cxn ang="0">
+                <a:pos x="connsiteX2" y="connsiteY2"/>
+              </a:cxn>
+              <a:cxn ang="0">
+                <a:pos x="connsiteX3" y="connsiteY3"/>
+              </a:cxn>
+              <a:cxn ang="0">
+                <a:pos x="connsiteX4" y="connsiteY4"/>
+              </a:cxn>
+              <a:cxn ang="0">
+                <a:pos x="connsiteX5" y="connsiteY5"/>
+              </a:cxn>
+              <a:cxn ang="0">
+                <a:pos x="connsiteX6" y="connsiteY6"/>
+              </a:cxn>
+              <a:cxn ang="0">
+                <a:pos x="connsiteX7" y="connsiteY7"/>
+              </a:cxn>
+              <a:cxn ang="0">
+                <a:pos x="connsiteX8" y="connsiteY8"/>
+              </a:cxn>
+            </a:cxnLst>
+            <a:rect l="l" t="t" r="r" b="b"/>
+            <a:pathLst>
+              <a:path w="4212773" h="6498740">
+                <a:moveTo>
+                  <a:pt x="0" y="0"/>
+                </a:moveTo>
+                <a:lnTo>
+                  <a:pt x="159023" y="12872"/>
+                </a:lnTo>
+                <a:cubicBezTo>
+                  <a:pt x="659101" y="63644"/>
+                  <a:pt x="1176498" y="175345"/>
+                  <a:pt x="1697597" y="306418"/>
+                </a:cubicBezTo>
+                <a:cubicBezTo>
+                  <a:pt x="3312474" y="712392"/>
+                  <a:pt x="3742395" y="1999786"/>
+                  <a:pt x="4047822" y="3511272"/>
+                </a:cubicBezTo>
+                <a:cubicBezTo>
+                  <a:pt x="4252232" y="4523358"/>
+                  <a:pt x="4422733" y="5443193"/>
+                  <a:pt x="3551503" y="6184235"/>
+                </a:cubicBezTo>
+                <a:cubicBezTo>
+                  <a:pt x="3429343" y="6288166"/>
+                  <a:pt x="3299185" y="6378784"/>
+                  <a:pt x="3163159" y="6459073"/>
+                </a:cubicBezTo>
+                <a:lnTo>
+                  <a:pt x="3092077" y="6498740"/>
+                </a:lnTo>
+                <a:lnTo>
+                  <a:pt x="0" y="6498740"/>
+                </a:lnTo>
+                <a:lnTo>
+                  <a:pt x="0" y="0"/>
+                </a:lnTo>
+                <a:close/>
+              </a:path>
+            </a:pathLst>
+          </a:custGeom>
+          <a:solidFill>
+            <a:schemeClr val="accent6"/>
+          </a:solidFill>
+          <a:ln>
+            <a:noFill/>
+          </a:ln>
+        </p:spPr>
+        <p:style>
+          <a:lnRef idx="2">
+            <a:schemeClr val="accent1">
+              <a:shade val="50000"/>
+            </a:schemeClr>
+          </a:lnRef>
+          <a:fillRef idx="1">
+            <a:schemeClr val="accent1"/>
+          </a:fillRef>
+          <a:effectRef idx="0">
+            <a:schemeClr val="accent1"/>
+          </a:effectRef>
+          <a:fontRef idx="minor">
+            <a:schemeClr val="lt1"/>
+          </a:fontRef>
+        </p:style>
+        <p:txBody>
+          <a:bodyPr wrap="square" rtlCol="0" anchor="ctr">
+            <a:noAutofit/>
+          </a:bodyPr>
+          <a:lstStyle/>
+          <a:p>
+            <a:pPr marL="0" marR="0" lvl="0" indent="0" algn="ctr" defTabSz="914400" rtl="0" eaLnBrk="1" fontAlgn="auto" latinLnBrk="0" hangingPunct="1">
+              <a:lnSpc>
+                <a:spcPct val="100000"/>
+              </a:lnSpc>
+              <a:spcBef>
+                <a:spcPts val="0"/>
+              </a:spcBef>
+              <a:spcAft>
+                <a:spcPts val="0"/>
+              </a:spcAft>
+              <a:buClrTx/>
+              <a:buSzTx/>
+              <a:buFontTx/>
+              <a:buNone/>
+              <a:tabLst/>
+              <a:defRPr/>
+            </a:pPr>
+            <a:endParaRPr kumimoji="0" lang="en-US" sz="1500" b="0" i="0" u="none" strike="noStrike" kern="1200" cap="none" spc="0" normalizeH="0" baseline="0" noProof="0">
+              <a:ln>
+                <a:noFill/>
+              </a:ln>
+              <a:solidFill>
+                <a:prstClr val="white"/>
+              </a:solidFill>
+              <a:effectLst/>
+              <a:uLnTx/>
+              <a:uFillTx/>
+              <a:latin typeface="Avenir Next LT Pro" panose="020B0504020202020204" pitchFamily="34" charset="0"/>
+              <a:ea typeface="+mn-ea"/>
+              <a:cs typeface="+mn-cs"/>
+            </a:endParaRPr>
+          </a:p>
+        </p:txBody>
+      </p:sp>
+      <p:sp>
+        <p:nvSpPr>
+          <p:cNvPr id="13" name="Freeform: Shape 12">
+            <a:extLst>
+              <a:ext uri="{FF2B5EF4-FFF2-40B4-BE49-F238E27FC236}">
+                <a16:creationId xmlns:a16="http://schemas.microsoft.com/office/drawing/2014/main" id="{F024A8E9-062E-406A-BE10-CED2800110DB}"/>
+              </a:ext>
+              <a:ext uri="{C183D7F6-B498-43B3-948B-1728B52AA6E4}">
+                <adec:decorative xmlns:adec="http://schemas.microsoft.com/office/drawing/2017/decorative" val="1"/>
+              </a:ext>
+            </a:extLst>
+          </p:cNvPr>
+          <p:cNvSpPr>
+            <a:spLocks noGrp="1" noRot="1" noChangeAspect="1" noMove="1" noResize="1" noEditPoints="1" noAdjustHandles="1" noChangeArrowheads="1" noChangeShapeType="1" noTextEdit="1"/>
+          </p:cNvSpPr>
+          <p:nvPr>
+            <p:extLst>
+              <p:ext uri="{386F3935-93C4-4BCD-93E2-E3B085C9AB24}">
+                <p16:designElem xmlns:p16="http://schemas.microsoft.com/office/powerpoint/2015/main" val="1"/>
+              </p:ext>
+            </p:extLst>
+          </p:nvPr>
+        </p:nvSpPr>
+        <p:spPr>
+          <a:xfrm rot="16200000" flipH="1" flipV="1">
+            <a:off x="341352" y="-341351"/>
+            <a:ext cx="4651297" cy="5334001"/>
+          </a:xfrm>
+          <a:custGeom>
+            <a:avLst/>
+            <a:gdLst>
+              <a:gd name="connsiteX0" fmla="*/ 0 w 4033589"/>
+              <a:gd name="connsiteY0" fmla="*/ 0 h 6858000"/>
+              <a:gd name="connsiteX1" fmla="*/ 1878934 w 4033589"/>
+              <a:gd name="connsiteY1" fmla="*/ 0 h 6858000"/>
+              <a:gd name="connsiteX2" fmla="*/ 1882313 w 4033589"/>
+              <a:gd name="connsiteY2" fmla="*/ 2021 h 6858000"/>
+              <a:gd name="connsiteX3" fmla="*/ 3475371 w 4033589"/>
+              <a:gd name="connsiteY3" fmla="*/ 1517967 h 6858000"/>
+              <a:gd name="connsiteX4" fmla="*/ 3975977 w 4033589"/>
+              <a:gd name="connsiteY4" fmla="*/ 4379386 h 6858000"/>
+              <a:gd name="connsiteX5" fmla="*/ 3312864 w 4033589"/>
+              <a:gd name="connsiteY5" fmla="*/ 6852362 h 6858000"/>
+              <a:gd name="connsiteX6" fmla="*/ 3310593 w 4033589"/>
+              <a:gd name="connsiteY6" fmla="*/ 6858000 h 6858000"/>
+              <a:gd name="connsiteX7" fmla="*/ 0 w 4033589"/>
+              <a:gd name="connsiteY7" fmla="*/ 6858000 h 6858000"/>
+              <a:gd name="connsiteX8" fmla="*/ 0 w 4033589"/>
+              <a:gd name="connsiteY8" fmla="*/ 0 h 6858000"/>
+              <a:gd name="connsiteX0" fmla="*/ 0 w 4033589"/>
+              <a:gd name="connsiteY0" fmla="*/ 6858000 h 6858000"/>
+              <a:gd name="connsiteX1" fmla="*/ 1878934 w 4033589"/>
+              <a:gd name="connsiteY1" fmla="*/ 0 h 6858000"/>
+              <a:gd name="connsiteX2" fmla="*/ 1882313 w 4033589"/>
+              <a:gd name="connsiteY2" fmla="*/ 2021 h 6858000"/>
+              <a:gd name="connsiteX3" fmla="*/ 3475371 w 4033589"/>
+              <a:gd name="connsiteY3" fmla="*/ 1517967 h 6858000"/>
+              <a:gd name="connsiteX4" fmla="*/ 3975977 w 4033589"/>
+              <a:gd name="connsiteY4" fmla="*/ 4379386 h 6858000"/>
+              <a:gd name="connsiteX5" fmla="*/ 3312864 w 4033589"/>
+              <a:gd name="connsiteY5" fmla="*/ 6852362 h 6858000"/>
+              <a:gd name="connsiteX6" fmla="*/ 3310593 w 4033589"/>
+              <a:gd name="connsiteY6" fmla="*/ 6858000 h 6858000"/>
+              <a:gd name="connsiteX7" fmla="*/ 0 w 4033589"/>
+              <a:gd name="connsiteY7" fmla="*/ 6858000 h 6858000"/>
+              <a:gd name="connsiteX0" fmla="*/ 1787494 w 3942149"/>
+              <a:gd name="connsiteY0" fmla="*/ 0 h 6949440"/>
+              <a:gd name="connsiteX1" fmla="*/ 1790873 w 3942149"/>
+              <a:gd name="connsiteY1" fmla="*/ 2021 h 6949440"/>
+              <a:gd name="connsiteX2" fmla="*/ 3383931 w 3942149"/>
+              <a:gd name="connsiteY2" fmla="*/ 1517967 h 6949440"/>
+              <a:gd name="connsiteX3" fmla="*/ 3884537 w 3942149"/>
+              <a:gd name="connsiteY3" fmla="*/ 4379386 h 6949440"/>
+              <a:gd name="connsiteX4" fmla="*/ 3221424 w 3942149"/>
+              <a:gd name="connsiteY4" fmla="*/ 6852362 h 6949440"/>
+              <a:gd name="connsiteX5" fmla="*/ 3219153 w 3942149"/>
+              <a:gd name="connsiteY5" fmla="*/ 6858000 h 6949440"/>
+              <a:gd name="connsiteX6" fmla="*/ 0 w 3942149"/>
+              <a:gd name="connsiteY6" fmla="*/ 6949440 h 6949440"/>
+              <a:gd name="connsiteX0" fmla="*/ 1787494 w 3942149"/>
+              <a:gd name="connsiteY0" fmla="*/ 0 h 6949440"/>
+              <a:gd name="connsiteX1" fmla="*/ 1790873 w 3942149"/>
+              <a:gd name="connsiteY1" fmla="*/ 2021 h 6949440"/>
+              <a:gd name="connsiteX2" fmla="*/ 3383931 w 3942149"/>
+              <a:gd name="connsiteY2" fmla="*/ 1517967 h 6949440"/>
+              <a:gd name="connsiteX3" fmla="*/ 3884537 w 3942149"/>
+              <a:gd name="connsiteY3" fmla="*/ 4379386 h 6949440"/>
+              <a:gd name="connsiteX4" fmla="*/ 3221424 w 3942149"/>
+              <a:gd name="connsiteY4" fmla="*/ 6852362 h 6949440"/>
+              <a:gd name="connsiteX5" fmla="*/ 3219153 w 3942149"/>
+              <a:gd name="connsiteY5" fmla="*/ 6858000 h 6949440"/>
+              <a:gd name="connsiteX6" fmla="*/ 0 w 3942149"/>
+              <a:gd name="connsiteY6" fmla="*/ 6949440 h 6949440"/>
+              <a:gd name="connsiteX0" fmla="*/ 0 w 2154655"/>
+              <a:gd name="connsiteY0" fmla="*/ 0 h 6858000"/>
+              <a:gd name="connsiteX1" fmla="*/ 3379 w 2154655"/>
+              <a:gd name="connsiteY1" fmla="*/ 2021 h 6858000"/>
+              <a:gd name="connsiteX2" fmla="*/ 1596437 w 2154655"/>
+              <a:gd name="connsiteY2" fmla="*/ 1517967 h 6858000"/>
+              <a:gd name="connsiteX3" fmla="*/ 2097043 w 2154655"/>
+              <a:gd name="connsiteY3" fmla="*/ 4379386 h 6858000"/>
+              <a:gd name="connsiteX4" fmla="*/ 1433930 w 2154655"/>
+              <a:gd name="connsiteY4" fmla="*/ 6852362 h 6858000"/>
+              <a:gd name="connsiteX5" fmla="*/ 1431659 w 2154655"/>
+              <a:gd name="connsiteY5" fmla="*/ 6858000 h 6858000"/>
+            </a:gdLst>
+            <a:ahLst/>
+            <a:cxnLst>
+              <a:cxn ang="0">
+                <a:pos x="connsiteX0" y="connsiteY0"/>
+              </a:cxn>
+              <a:cxn ang="0">
+                <a:pos x="connsiteX1" y="connsiteY1"/>
+              </a:cxn>
+              <a:cxn ang="0">
+                <a:pos x="connsiteX2" y="connsiteY2"/>
+              </a:cxn>
+              <a:cxn ang="0">
+                <a:pos x="connsiteX3" y="connsiteY3"/>
+              </a:cxn>
+              <a:cxn ang="0">
+                <a:pos x="connsiteX4" y="connsiteY4"/>
+              </a:cxn>
+              <a:cxn ang="0">
+                <a:pos x="connsiteX5" y="connsiteY5"/>
+              </a:cxn>
+            </a:cxnLst>
+            <a:rect l="l" t="t" r="r" b="b"/>
+            <a:pathLst>
+              <a:path w="2154655" h="6858000">
+                <a:moveTo>
+                  <a:pt x="0" y="0"/>
+                </a:moveTo>
+                <a:lnTo>
+                  <a:pt x="3379" y="2021"/>
+                </a:lnTo>
+                <a:cubicBezTo>
+                  <a:pt x="667061" y="423753"/>
+                  <a:pt x="1239365" y="963389"/>
+                  <a:pt x="1596437" y="1517967"/>
+                </a:cubicBezTo>
+                <a:cubicBezTo>
+                  <a:pt x="2133142" y="2350886"/>
+                  <a:pt x="2239839" y="3395752"/>
+                  <a:pt x="2097043" y="4379386"/>
+                </a:cubicBezTo>
+                <a:cubicBezTo>
+                  <a:pt x="2032295" y="4824358"/>
+                  <a:pt x="1812506" y="5869368"/>
+                  <a:pt x="1433930" y="6852362"/>
+                </a:cubicBezTo>
+                <a:lnTo>
+                  <a:pt x="1431659" y="6858000"/>
+                </a:lnTo>
+              </a:path>
+            </a:pathLst>
+          </a:custGeom>
+          <a:noFill/>
+          <a:ln w="19050">
+            <a:solidFill>
+              <a:srgbClr val="F1CB9C"/>
+            </a:solidFill>
+          </a:ln>
+        </p:spPr>
+        <p:style>
+          <a:lnRef idx="2">
+            <a:schemeClr val="accent1">
+              <a:shade val="50000"/>
+            </a:schemeClr>
+          </a:lnRef>
+          <a:fillRef idx="1">
+            <a:schemeClr val="accent1"/>
+          </a:fillRef>
+          <a:effectRef idx="0">
+            <a:schemeClr val="accent1"/>
+          </a:effectRef>
+          <a:fontRef idx="minor">
+            <a:schemeClr val="lt1"/>
+          </a:fontRef>
+        </p:style>
+        <p:txBody>
+          <a:bodyPr rtlCol="0" anchor="ctr"/>
+          <a:lstStyle/>
+          <a:p>
+            <a:pPr marL="0" marR="0" lvl="0" indent="0" algn="ctr" defTabSz="914400" rtl="0" eaLnBrk="1" fontAlgn="auto" latinLnBrk="0" hangingPunct="1">
+              <a:lnSpc>
+                <a:spcPct val="100000"/>
+              </a:lnSpc>
+              <a:spcBef>
+                <a:spcPts val="0"/>
+              </a:spcBef>
+              <a:spcAft>
+                <a:spcPts val="0"/>
+              </a:spcAft>
+              <a:buClrTx/>
+              <a:buSzTx/>
+              <a:buFontTx/>
+              <a:buNone/>
+              <a:tabLst/>
+              <a:defRPr/>
+            </a:pPr>
+            <a:endParaRPr kumimoji="0" lang="en-US" sz="1800" b="0" i="0" u="none" strike="noStrike" kern="1200" cap="none" spc="0" normalizeH="0" baseline="0" noProof="0">
+              <a:ln>
+                <a:noFill/>
+              </a:ln>
+              <a:solidFill>
+                <a:prstClr val="white"/>
+              </a:solidFill>
+              <a:effectLst/>
+              <a:uLnTx/>
+              <a:uFillTx/>
+              <a:latin typeface="Avenir Next LT Pro Light"/>
+              <a:ea typeface="+mn-ea"/>
+              <a:cs typeface="+mn-cs"/>
+            </a:endParaRPr>
+          </a:p>
+        </p:txBody>
+      </p:sp>
+      <p:sp>
+        <p:nvSpPr>
+          <p:cNvPr id="2" name="Titel 1">
+            <a:extLst>
+              <a:ext uri="{FF2B5EF4-FFF2-40B4-BE49-F238E27FC236}">
+                <a16:creationId xmlns:a16="http://schemas.microsoft.com/office/drawing/2014/main" id="{8D9DCFCD-9D91-437A-B22E-D25AB8D78E20}"/>
+              </a:ext>
+            </a:extLst>
+          </p:cNvPr>
+          <p:cNvSpPr>
+            <a:spLocks noGrp="1"/>
+          </p:cNvSpPr>
+          <p:nvPr>
+            <p:ph type="title"/>
+          </p:nvPr>
+        </p:nvSpPr>
+        <p:spPr>
+          <a:xfrm>
+            <a:off x="761999" y="762000"/>
+            <a:ext cx="3048001" cy="2286000"/>
+          </a:xfrm>
+        </p:spPr>
+        <p:txBody>
+          <a:bodyPr anchor="b">
+            <a:normAutofit/>
+          </a:bodyPr>
+          <a:lstStyle/>
+          <a:p>
+            <a:r>
+              <a:rPr lang="nl-NL" sz="3200">
+                <a:solidFill>
+                  <a:srgbClr val="FFFFFF"/>
+                </a:solidFill>
+              </a:rPr>
+              <a:t>Problem with manual labor</a:t>
+            </a:r>
+            <a:endParaRPr lang="en-US" sz="3200">
+              <a:solidFill>
+                <a:srgbClr val="FFFFFF"/>
+              </a:solidFill>
+            </a:endParaRPr>
+          </a:p>
+        </p:txBody>
+      </p:sp>
+      <p:graphicFrame>
+        <p:nvGraphicFramePr>
+          <p:cNvPr id="5" name="Tijdelijke aanduiding voor inhoud 2">
+            <a:extLst>
+              <a:ext uri="{FF2B5EF4-FFF2-40B4-BE49-F238E27FC236}">
+                <a16:creationId xmlns:a16="http://schemas.microsoft.com/office/drawing/2014/main" id="{8209290C-7CC9-4F76-4CE6-901A7D5D8779}"/>
+              </a:ext>
+            </a:extLst>
+          </p:cNvPr>
+          <p:cNvGraphicFramePr>
+            <a:graphicFrameLocks noGrp="1"/>
+          </p:cNvGraphicFramePr>
+          <p:nvPr>
+            <p:ph idx="1"/>
+            <p:extLst>
+              <p:ext uri="{D42A27DB-BD31-4B8C-83A1-F6EECF244321}">
+                <p14:modId xmlns:p14="http://schemas.microsoft.com/office/powerpoint/2010/main" val="10876222"/>
+              </p:ext>
+            </p:extLst>
+          </p:nvPr>
+        </p:nvGraphicFramePr>
+        <p:xfrm>
+          <a:off x="5334000" y="762000"/>
+          <a:ext cx="6096000" cy="5334000"/>
+        </p:xfrm>
+        <a:graphic>
+          <a:graphicData uri="http://schemas.openxmlformats.org/drawingml/2006/diagram">
+            <dgm:relIds xmlns:dgm="http://schemas.openxmlformats.org/drawingml/2006/diagram" xmlns:r="http://schemas.openxmlformats.org/officeDocument/2006/relationships" r:dm="rId2" r:lo="rId3" r:qs="rId4" r:cs="rId5"/>
+          </a:graphicData>
+        </a:graphic>
+      </p:graphicFrame>
+    </p:spTree>
+    <p:extLst>
+      <p:ext uri="{BB962C8B-B14F-4D97-AF65-F5344CB8AC3E}">
+        <p14:creationId xmlns:p14="http://schemas.microsoft.com/office/powerpoint/2010/main" val="2853208547"/>
+      </p:ext>
+    </p:extLst>
+  </p:cSld>
+  <p:clrMapOvr>
+    <a:masterClrMapping/>
+  </p:clrMapOvr>
+</p:sld>
+</file>
+
+<file path=ppt/slides/slide3.xml><?xml version="1.0" encoding="utf-8"?>
+<p:sld xmlns:a="http://schemas.openxmlformats.org/drawingml/2006/main" xmlns:r="http://schemas.openxmlformats.org/officeDocument/2006/relationships" xmlns:p="http://schemas.openxmlformats.org/presentationml/2006/main">
+  <p:cSld>
+    <p:spTree>
+      <p:nvGrpSpPr>
+        <p:cNvPr id="1" name=""/>
+        <p:cNvGrpSpPr/>
+        <p:nvPr/>
+      </p:nvGrpSpPr>
+      <p:grpSpPr>
+        <a:xfrm>
+          <a:off x="0" y="0"/>
+          <a:ext cx="0" cy="0"/>
+          <a:chOff x="0" y="0"/>
+          <a:chExt cx="0" cy="0"/>
+        </a:xfrm>
+      </p:grpSpPr>
+      <p:sp>
+        <p:nvSpPr>
+          <p:cNvPr id="2" name="Titel 1">
+            <a:extLst>
+              <a:ext uri="{FF2B5EF4-FFF2-40B4-BE49-F238E27FC236}">
+                <a16:creationId xmlns:a16="http://schemas.microsoft.com/office/drawing/2014/main" id="{E5FA9C77-97B4-44D1-A8C7-FCDAEF1A5F19}"/>
+              </a:ext>
+            </a:extLst>
+          </p:cNvPr>
+          <p:cNvSpPr>
+            <a:spLocks noGrp="1"/>
+          </p:cNvSpPr>
+          <p:nvPr>
+            <p:ph type="title"/>
+          </p:nvPr>
+        </p:nvSpPr>
+        <p:spPr/>
+        <p:txBody>
+          <a:bodyPr/>
+          <a:lstStyle/>
+          <a:p>
+            <a:r>
+              <a:rPr lang="nl-NL" dirty="0"/>
+              <a:t>Solution when </a:t>
+            </a:r>
+            <a:r>
+              <a:rPr lang="nl-NL" dirty="0" err="1"/>
+              <a:t>using</a:t>
+            </a:r>
+            <a:r>
+              <a:rPr lang="nl-NL" dirty="0"/>
+              <a:t> </a:t>
+            </a:r>
+            <a:r>
+              <a:rPr lang="nl-NL" dirty="0" err="1"/>
+              <a:t>sorting</a:t>
+            </a:r>
+            <a:r>
+              <a:rPr lang="nl-NL" dirty="0"/>
+              <a:t> robot</a:t>
+            </a:r>
+            <a:endParaRPr lang="en-US" dirty="0"/>
+          </a:p>
+        </p:txBody>
+      </p:sp>
+      <p:graphicFrame>
+        <p:nvGraphicFramePr>
+          <p:cNvPr id="5" name="Tijdelijke aanduiding voor inhoud 2">
+            <a:extLst>
+              <a:ext uri="{FF2B5EF4-FFF2-40B4-BE49-F238E27FC236}">
+                <a16:creationId xmlns:a16="http://schemas.microsoft.com/office/drawing/2014/main" id="{9CCB994D-B650-54DC-D81C-FB11F3D37502}"/>
+              </a:ext>
+            </a:extLst>
+          </p:cNvPr>
+          <p:cNvGraphicFramePr>
+            <a:graphicFrameLocks noGrp="1"/>
+          </p:cNvGraphicFramePr>
+          <p:nvPr>
+            <p:ph idx="1"/>
+          </p:nvPr>
+        </p:nvGraphicFramePr>
+        <p:xfrm>
+          <a:off x="762000" y="2286000"/>
+          <a:ext cx="10668000" cy="3818083"/>
+        </p:xfrm>
+        <a:graphic>
+          <a:graphicData uri="http://schemas.openxmlformats.org/drawingml/2006/diagram">
+            <dgm:relIds xmlns:dgm="http://schemas.openxmlformats.org/drawingml/2006/diagram" xmlns:r="http://schemas.openxmlformats.org/officeDocument/2006/relationships" r:dm="rId2" r:lo="rId3" r:qs="rId4" r:cs="rId5"/>
+          </a:graphicData>
+        </a:graphic>
+      </p:graphicFrame>
+    </p:spTree>
+    <p:extLst>
+      <p:ext uri="{BB962C8B-B14F-4D97-AF65-F5344CB8AC3E}">
+        <p14:creationId xmlns:p14="http://schemas.microsoft.com/office/powerpoint/2010/main" val="958095729"/>
+      </p:ext>
+    </p:extLst>
+  </p:cSld>
+  <p:clrMapOvr>
+    <a:masterClrMapping/>
+  </p:clrMapOvr>
+</p:sld>
+</file>
+
+<file path=ppt/slides/slide4.xml><?xml version="1.0" encoding="utf-8"?>
+<p:sld xmlns:a="http://schemas.openxmlformats.org/drawingml/2006/main" xmlns:r="http://schemas.openxmlformats.org/officeDocument/2006/relationships" xmlns:p="http://schemas.openxmlformats.org/presentationml/2006/main">
+  <p:cSld>
     <p:spTree>
       <p:nvGrpSpPr>
         <p:cNvPr id="1" name=""/>
@@ -7597,7 +13966,7 @@
 </p:sld>
 </file>
 
-<file path=ppt/slides/slide3.xml><?xml version="1.0" encoding="utf-8"?>
+<file path=ppt/slides/slide5.xml><?xml version="1.0" encoding="utf-8"?>
 <p:sld xmlns:a="http://schemas.openxmlformats.org/drawingml/2006/main" xmlns:r="http://schemas.openxmlformats.org/officeDocument/2006/relationships" xmlns:p="http://schemas.openxmlformats.org/presentationml/2006/main">
   <p:cSld>
     <p:bg>
@@ -8184,7 +14553,7 @@
 </p:sld>
 </file>
 
-<file path=ppt/slides/slide4.xml><?xml version="1.0" encoding="utf-8"?>
+<file path=ppt/slides/slide6.xml><?xml version="1.0" encoding="utf-8"?>
 <p:sld xmlns:a="http://schemas.openxmlformats.org/drawingml/2006/main" xmlns:r="http://schemas.openxmlformats.org/officeDocument/2006/relationships" xmlns:p="http://schemas.openxmlformats.org/presentationml/2006/main">
   <p:cSld>
     <p:bg>
@@ -8211,7 +14580,7 @@
       </p:grpSpPr>
       <p:sp>
         <p:nvSpPr>
-          <p:cNvPr id="9" name="Freeform: Shape 8">
+          <p:cNvPr id="37" name="Freeform: Shape 36">
             <a:extLst>
               <a:ext uri="{FF2B5EF4-FFF2-40B4-BE49-F238E27FC236}">
                 <a16:creationId xmlns:a16="http://schemas.microsoft.com/office/drawing/2014/main" id="{A6EF5A53-0A64-4CA5-B9C7-1CB97CB5CF1C}"/>
@@ -8406,7 +14775,7 @@
       </p:sp>
       <p:sp>
         <p:nvSpPr>
-          <p:cNvPr id="11" name="Freeform: Shape 10">
+          <p:cNvPr id="39" name="Freeform: Shape 38">
             <a:extLst>
               <a:ext uri="{FF2B5EF4-FFF2-40B4-BE49-F238E27FC236}">
                 <a16:creationId xmlns:a16="http://schemas.microsoft.com/office/drawing/2014/main" id="{34ABFBEA-4EB0-4D02-A2C0-1733CD3D6F12}"/>
@@ -8541,7 +14910,7 @@
       </p:sp>
       <p:sp>
         <p:nvSpPr>
-          <p:cNvPr id="13" name="Freeform: Shape 12">
+          <p:cNvPr id="41" name="Freeform: Shape 40">
             <a:extLst>
               <a:ext uri="{FF2B5EF4-FFF2-40B4-BE49-F238E27FC236}">
                 <a16:creationId xmlns:a16="http://schemas.microsoft.com/office/drawing/2014/main" id="{19E083F6-57F4-487B-A766-EA0462B1EED8}"/>
@@ -8755,10 +15124,10 @@
       </p:sp>
       <p:sp useBgFill="1">
         <p:nvSpPr>
-          <p:cNvPr id="15" name="Rectangle 14">
+          <p:cNvPr id="43" name="Rectangle 42">
             <a:extLst>
               <a:ext uri="{FF2B5EF4-FFF2-40B4-BE49-F238E27FC236}">
-                <a16:creationId xmlns:a16="http://schemas.microsoft.com/office/drawing/2014/main" id="{7A18C9FB-EC4C-4DAE-8F7D-C6E5AF607958}"/>
+                <a16:creationId xmlns:a16="http://schemas.microsoft.com/office/drawing/2014/main" id="{665A5CBD-5BDA-4345-915C-718F0E585911}"/>
               </a:ext>
               <a:ext uri="{C183D7F6-B498-43B3-948B-1728B52AA6E4}">
                 <adec:decorative xmlns:adec="http://schemas.microsoft.com/office/drawing/2017/decorative" val="1"/>
@@ -8824,16 +15193,17 @@
           <a:bodyPr rtlCol="0" anchor="ctr"/>
           <a:lstStyle/>
           <a:p>
-            <a:endParaRPr lang="en-US" dirty="0"/>
+            <a:pPr algn="ctr"/>
+            <a:endParaRPr lang="en-US"/>
           </a:p>
         </p:txBody>
       </p:sp>
       <p:sp>
         <p:nvSpPr>
-          <p:cNvPr id="17" name="Freeform: Shape 16">
+          <p:cNvPr id="45" name="Freeform: Shape 44">
             <a:extLst>
               <a:ext uri="{FF2B5EF4-FFF2-40B4-BE49-F238E27FC236}">
-                <a16:creationId xmlns:a16="http://schemas.microsoft.com/office/drawing/2014/main" id="{BFC5A2D8-56E8-47FB-975D-D777AFEA4F18}"/>
+                <a16:creationId xmlns:a16="http://schemas.microsoft.com/office/drawing/2014/main" id="{9ED638A9-4C73-41DB-AB2F-B7BAAC4C8F23}"/>
               </a:ext>
               <a:ext uri="{C183D7F6-B498-43B3-948B-1728B52AA6E4}">
                 <adec:decorative xmlns:adec="http://schemas.microsoft.com/office/drawing/2017/decorative" val="1"/>
@@ -8852,29 +15222,31 @@
           </p:nvPr>
         </p:nvSpPr>
         <p:spPr>
-          <a:xfrm>
-            <a:off x="5264728" y="3"/>
-            <a:ext cx="6927272" cy="5330949"/>
+          <a:xfrm rot="6388839">
+            <a:off x="-2285563" y="2034083"/>
+            <a:ext cx="5492940" cy="2615791"/>
           </a:xfrm>
           <a:custGeom>
             <a:avLst/>
             <a:gdLst>
-              <a:gd name="connsiteX0" fmla="*/ 0 w 6927272"/>
-              <a:gd name="connsiteY0" fmla="*/ 0 h 5330949"/>
-              <a:gd name="connsiteX1" fmla="*/ 6927272 w 6927272"/>
-              <a:gd name="connsiteY1" fmla="*/ 0 h 5330949"/>
-              <a:gd name="connsiteX2" fmla="*/ 6927272 w 6927272"/>
-              <a:gd name="connsiteY2" fmla="*/ 3912793 h 5330949"/>
-              <a:gd name="connsiteX3" fmla="*/ 6884989 w 6927272"/>
-              <a:gd name="connsiteY3" fmla="*/ 4002742 h 5330949"/>
-              <a:gd name="connsiteX4" fmla="*/ 6592028 w 6927272"/>
-              <a:gd name="connsiteY4" fmla="*/ 4494163 h 5330949"/>
-              <a:gd name="connsiteX5" fmla="*/ 3742808 w 6927272"/>
-              <a:gd name="connsiteY5" fmla="*/ 5122218 h 5330949"/>
-              <a:gd name="connsiteX6" fmla="*/ 326623 w 6927272"/>
-              <a:gd name="connsiteY6" fmla="*/ 2148182 h 5330949"/>
-              <a:gd name="connsiteX7" fmla="*/ 13721 w 6927272"/>
-              <a:gd name="connsiteY7" fmla="*/ 201231 h 5330949"/>
+              <a:gd name="connsiteX0" fmla="*/ 8050 w 5492940"/>
+              <a:gd name="connsiteY0" fmla="*/ 2615791 h 2615791"/>
+              <a:gd name="connsiteX1" fmla="*/ 1489 w 5492940"/>
+              <a:gd name="connsiteY1" fmla="*/ 2492797 h 2615791"/>
+              <a:gd name="connsiteX2" fmla="*/ 1318568 w 5492940"/>
+              <a:gd name="connsiteY2" fmla="*/ 576910 h 2615791"/>
+              <a:gd name="connsiteX3" fmla="*/ 4348620 w 5492940"/>
+              <a:gd name="connsiteY3" fmla="*/ 22284 h 2615791"/>
+              <a:gd name="connsiteX4" fmla="*/ 4696956 w 5492940"/>
+              <a:gd name="connsiteY4" fmla="*/ 100 h 2615791"/>
+              <a:gd name="connsiteX5" fmla="*/ 5025893 w 5492940"/>
+              <a:gd name="connsiteY5" fmla="*/ 33363 h 2615791"/>
+              <a:gd name="connsiteX6" fmla="*/ 5370071 w 5492940"/>
+              <a:gd name="connsiteY6" fmla="*/ 289121 h 2615791"/>
+              <a:gd name="connsiteX7" fmla="*/ 5471430 w 5492940"/>
+              <a:gd name="connsiteY7" fmla="*/ 912834 h 2615791"/>
+              <a:gd name="connsiteX8" fmla="*/ 5439699 w 5492940"/>
+              <a:gd name="connsiteY8" fmla="*/ 1008858 h 2615791"/>
             </a:gdLst>
             <a:ahLst/>
             <a:cxnLst>
@@ -8902,41 +15274,189 @@
               <a:cxn ang="0">
                 <a:pos x="connsiteX7" y="connsiteY7"/>
               </a:cxn>
+              <a:cxn ang="0">
+                <a:pos x="connsiteX8" y="connsiteY8"/>
+              </a:cxn>
             </a:cxnLst>
             <a:rect l="l" t="t" r="r" b="b"/>
             <a:pathLst>
-              <a:path w="6927272" h="5330949">
+              <a:path w="5492940" h="2615791">
                 <a:moveTo>
-                  <a:pt x="0" y="0"/>
+                  <a:pt x="8050" y="2615791"/>
                 </a:moveTo>
                 <a:lnTo>
-                  <a:pt x="6927272" y="0"/>
+                  <a:pt x="1489" y="2492797"/>
+                </a:lnTo>
+                <a:cubicBezTo>
+                  <a:pt x="-20342" y="1776046"/>
+                  <a:pt x="187544" y="1042216"/>
+                  <a:pt x="1318568" y="576910"/>
+                </a:cubicBezTo>
+                <a:cubicBezTo>
+                  <a:pt x="2136792" y="239991"/>
+                  <a:pt x="3269627" y="124636"/>
+                  <a:pt x="4348620" y="22284"/>
+                </a:cubicBezTo>
+                <a:cubicBezTo>
+                  <a:pt x="4461851" y="11569"/>
+                  <a:pt x="4581025" y="1213"/>
+                  <a:pt x="4696956" y="100"/>
+                </a:cubicBezTo>
+                <a:cubicBezTo>
+                  <a:pt x="4812896" y="-1016"/>
+                  <a:pt x="4925601" y="7115"/>
+                  <a:pt x="5025893" y="33363"/>
+                </a:cubicBezTo>
+                <a:cubicBezTo>
+                  <a:pt x="5221737" y="84417"/>
+                  <a:pt x="5312538" y="189659"/>
+                  <a:pt x="5370071" y="289121"/>
+                </a:cubicBezTo>
+                <a:cubicBezTo>
+                  <a:pt x="5487002" y="491898"/>
+                  <a:pt x="5519731" y="704308"/>
+                  <a:pt x="5471430" y="912834"/>
+                </a:cubicBezTo>
+                <a:lnTo>
+                  <a:pt x="5439699" y="1008858"/>
+                </a:lnTo>
+                <a:close/>
+              </a:path>
+            </a:pathLst>
+          </a:custGeom>
+          <a:solidFill>
+            <a:schemeClr val="accent6"/>
+          </a:solidFill>
+          <a:ln>
+            <a:noFill/>
+          </a:ln>
+        </p:spPr>
+        <p:style>
+          <a:lnRef idx="2">
+            <a:schemeClr val="accent1">
+              <a:shade val="50000"/>
+            </a:schemeClr>
+          </a:lnRef>
+          <a:fillRef idx="1">
+            <a:schemeClr val="accent1"/>
+          </a:fillRef>
+          <a:effectRef idx="0">
+            <a:schemeClr val="accent1"/>
+          </a:effectRef>
+          <a:fontRef idx="minor">
+            <a:schemeClr val="lt1"/>
+          </a:fontRef>
+        </p:style>
+        <p:txBody>
+          <a:bodyPr rtlCol="0" anchor="ctr"/>
+          <a:lstStyle/>
+          <a:p>
+            <a:pPr algn="ctr"/>
+            <a:endParaRPr lang="en-US"/>
+          </a:p>
+        </p:txBody>
+      </p:sp>
+      <p:sp>
+        <p:nvSpPr>
+          <p:cNvPr id="47" name="Freeform: Shape 46">
+            <a:extLst>
+              <a:ext uri="{FF2B5EF4-FFF2-40B4-BE49-F238E27FC236}">
+                <a16:creationId xmlns:a16="http://schemas.microsoft.com/office/drawing/2014/main" id="{4647E4F8-A1D8-4A9D-9ADD-06FBBDEAA918}"/>
+              </a:ext>
+              <a:ext uri="{C183D7F6-B498-43B3-948B-1728B52AA6E4}">
+                <adec:decorative xmlns:adec="http://schemas.microsoft.com/office/drawing/2017/decorative" val="1"/>
+              </a:ext>
+            </a:extLst>
+          </p:cNvPr>
+          <p:cNvSpPr>
+            <a:spLocks noGrp="1" noRot="1" noChangeAspect="1" noMove="1" noResize="1" noEditPoints="1" noAdjustHandles="1" noChangeArrowheads="1" noChangeShapeType="1" noTextEdit="1"/>
+          </p:cNvSpPr>
+          <p:nvPr>
+            <p:extLst>
+              <p:ext uri="{386F3935-93C4-4BCD-93E2-E3B085C9AB24}">
+                <p16:designElem xmlns:p16="http://schemas.microsoft.com/office/powerpoint/2015/main" val="1"/>
+              </p:ext>
+            </p:extLst>
+          </p:nvPr>
+        </p:nvSpPr>
+        <p:spPr>
+          <a:xfrm rot="5802661" flipH="1">
+            <a:off x="7612281" y="-1867250"/>
+            <a:ext cx="2655264" cy="5704886"/>
+          </a:xfrm>
+          <a:custGeom>
+            <a:avLst/>
+            <a:gdLst>
+              <a:gd name="connsiteX0" fmla="*/ 2013762 w 2655264"/>
+              <a:gd name="connsiteY0" fmla="*/ 5451795 h 5704886"/>
+              <a:gd name="connsiteX1" fmla="*/ 2655264 w 2655264"/>
+              <a:gd name="connsiteY1" fmla="*/ 0 h 5704886"/>
+              <a:gd name="connsiteX2" fmla="*/ 2430038 w 2655264"/>
+              <a:gd name="connsiteY2" fmla="*/ 84855 h 5704886"/>
+              <a:gd name="connsiteX3" fmla="*/ 1220634 w 2655264"/>
+              <a:gd name="connsiteY3" fmla="*/ 725327 h 5704886"/>
+              <a:gd name="connsiteX4" fmla="*/ 115192 w 2655264"/>
+              <a:gd name="connsiteY4" fmla="*/ 2176761 h 5704886"/>
+              <a:gd name="connsiteX5" fmla="*/ 694903 w 2655264"/>
+              <a:gd name="connsiteY5" fmla="*/ 5341412 h 5704886"/>
+              <a:gd name="connsiteX6" fmla="*/ 1917149 w 2655264"/>
+              <a:gd name="connsiteY6" fmla="*/ 5520234 h 5704886"/>
+            </a:gdLst>
+            <a:ahLst/>
+            <a:cxnLst>
+              <a:cxn ang="0">
+                <a:pos x="connsiteX0" y="connsiteY0"/>
+              </a:cxn>
+              <a:cxn ang="0">
+                <a:pos x="connsiteX1" y="connsiteY1"/>
+              </a:cxn>
+              <a:cxn ang="0">
+                <a:pos x="connsiteX2" y="connsiteY2"/>
+              </a:cxn>
+              <a:cxn ang="0">
+                <a:pos x="connsiteX3" y="connsiteY3"/>
+              </a:cxn>
+              <a:cxn ang="0">
+                <a:pos x="connsiteX4" y="connsiteY4"/>
+              </a:cxn>
+              <a:cxn ang="0">
+                <a:pos x="connsiteX5" y="connsiteY5"/>
+              </a:cxn>
+              <a:cxn ang="0">
+                <a:pos x="connsiteX6" y="connsiteY6"/>
+              </a:cxn>
+            </a:cxnLst>
+            <a:rect l="l" t="t" r="r" b="b"/>
+            <a:pathLst>
+              <a:path w="2655264" h="5704886">
+                <a:moveTo>
+                  <a:pt x="2013762" y="5451795"/>
+                </a:moveTo>
+                <a:lnTo>
+                  <a:pt x="2655264" y="0"/>
                 </a:lnTo>
                 <a:lnTo>
-                  <a:pt x="6927272" y="3912793"/>
-                </a:lnTo>
-                <a:lnTo>
-                  <a:pt x="6884989" y="4002742"/>
+                  <a:pt x="2430038" y="84855"/>
                 </a:lnTo>
                 <a:cubicBezTo>
-                  <a:pt x="6799406" y="4174873"/>
-                  <a:pt x="6702812" y="4339578"/>
-                  <a:pt x="6592028" y="4494163"/>
+                  <a:pt x="1903568" y="301849"/>
+                  <a:pt x="1425794" y="585327"/>
+                  <a:pt x="1220634" y="725327"/>
                 </a:cubicBezTo>
                 <a:cubicBezTo>
-                  <a:pt x="5802121" y="5596640"/>
-                  <a:pt x="4821632" y="5380883"/>
-                  <a:pt x="3742808" y="5122218"/>
+                  <a:pt x="721889" y="1065920"/>
+                  <a:pt x="289532" y="1557650"/>
+                  <a:pt x="115192" y="2176761"/>
                 </a:cubicBezTo>
                 <a:cubicBezTo>
-                  <a:pt x="2131653" y="4735722"/>
-                  <a:pt x="759367" y="4191689"/>
-                  <a:pt x="326623" y="2148182"/>
+                  <a:pt x="-150375" y="3118657"/>
+                  <a:pt x="43402" y="4593293"/>
+                  <a:pt x="694903" y="5341412"/>
                 </a:cubicBezTo>
                 <a:cubicBezTo>
-                  <a:pt x="186907" y="1488770"/>
-                  <a:pt x="67840" y="834043"/>
-                  <a:pt x="13721" y="201231"/>
+                  <a:pt x="1107827" y="5815667"/>
+                  <a:pt x="1529459" y="5770561"/>
+                  <a:pt x="1917149" y="5520234"/>
                 </a:cubicBezTo>
                 <a:close/>
               </a:path>
@@ -8976,10 +15496,10 @@
       </p:sp>
       <p:sp>
         <p:nvSpPr>
-          <p:cNvPr id="19" name="Freeform: Shape 18">
+          <p:cNvPr id="49" name="Freeform: Shape 48">
             <a:extLst>
               <a:ext uri="{FF2B5EF4-FFF2-40B4-BE49-F238E27FC236}">
-                <a16:creationId xmlns:a16="http://schemas.microsoft.com/office/drawing/2014/main" id="{A9896C11-F8DF-437A-B349-8AFD602DC0CA}"/>
+                <a16:creationId xmlns:a16="http://schemas.microsoft.com/office/drawing/2014/main" id="{4FF521E8-CEF9-428A-8352-E825FD88E278}"/>
               </a:ext>
               <a:ext uri="{C183D7F6-B498-43B3-948B-1728B52AA6E4}">
                 <adec:decorative xmlns:adec="http://schemas.microsoft.com/office/drawing/2017/decorative" val="1"/>
@@ -8998,9 +15518,209 @@
           </p:nvPr>
         </p:nvSpPr>
         <p:spPr>
-          <a:xfrm rot="16200000" flipH="1">
-            <a:off x="5791199" y="-1219198"/>
-            <a:ext cx="5181601" cy="7620000"/>
+          <a:xfrm>
+            <a:off x="7961953" y="3048002"/>
+            <a:ext cx="4230047" cy="3809998"/>
+          </a:xfrm>
+          <a:custGeom>
+            <a:avLst/>
+            <a:gdLst>
+              <a:gd name="connsiteX0" fmla="*/ 2183095 w 4230047"/>
+              <a:gd name="connsiteY0" fmla="*/ 18 h 3809998"/>
+              <a:gd name="connsiteX1" fmla="*/ 3425027 w 4230047"/>
+              <a:gd name="connsiteY1" fmla="*/ 1440808 h 3809998"/>
+              <a:gd name="connsiteX2" fmla="*/ 3480109 w 4230047"/>
+              <a:gd name="connsiteY2" fmla="*/ 1517586 h 3809998"/>
+              <a:gd name="connsiteX3" fmla="*/ 4221130 w 4230047"/>
+              <a:gd name="connsiteY3" fmla="*/ 2801399 h 3809998"/>
+              <a:gd name="connsiteX4" fmla="*/ 4230047 w 4230047"/>
+              <a:gd name="connsiteY4" fmla="*/ 2899961 h 3809998"/>
+              <a:gd name="connsiteX5" fmla="*/ 4230047 w 4230047"/>
+              <a:gd name="connsiteY5" fmla="*/ 3224568 h 3809998"/>
+              <a:gd name="connsiteX6" fmla="*/ 4220577 w 4230047"/>
+              <a:gd name="connsiteY6" fmla="*/ 3329167 h 3809998"/>
+              <a:gd name="connsiteX7" fmla="*/ 4108028 w 4230047"/>
+              <a:gd name="connsiteY7" fmla="*/ 3749750 h 3809998"/>
+              <a:gd name="connsiteX8" fmla="*/ 4077743 w 4230047"/>
+              <a:gd name="connsiteY8" fmla="*/ 3809998 h 3809998"/>
+              <a:gd name="connsiteX9" fmla="*/ 892220 w 4230047"/>
+              <a:gd name="connsiteY9" fmla="*/ 3809998 h 3809998"/>
+              <a:gd name="connsiteX10" fmla="*/ 840654 w 4230047"/>
+              <a:gd name="connsiteY10" fmla="*/ 3790763 h 3809998"/>
+              <a:gd name="connsiteX11" fmla="*/ 5750 w 4230047"/>
+              <a:gd name="connsiteY11" fmla="*/ 2913921 h 3809998"/>
+              <a:gd name="connsiteX12" fmla="*/ 819614 w 4230047"/>
+              <a:gd name="connsiteY12" fmla="*/ 1008105 h 3809998"/>
+              <a:gd name="connsiteX13" fmla="*/ 2183095 w 4230047"/>
+              <a:gd name="connsiteY13" fmla="*/ 18 h 3809998"/>
+            </a:gdLst>
+            <a:ahLst/>
+            <a:cxnLst>
+              <a:cxn ang="0">
+                <a:pos x="connsiteX0" y="connsiteY0"/>
+              </a:cxn>
+              <a:cxn ang="0">
+                <a:pos x="connsiteX1" y="connsiteY1"/>
+              </a:cxn>
+              <a:cxn ang="0">
+                <a:pos x="connsiteX2" y="connsiteY2"/>
+              </a:cxn>
+              <a:cxn ang="0">
+                <a:pos x="connsiteX3" y="connsiteY3"/>
+              </a:cxn>
+              <a:cxn ang="0">
+                <a:pos x="connsiteX4" y="connsiteY4"/>
+              </a:cxn>
+              <a:cxn ang="0">
+                <a:pos x="connsiteX5" y="connsiteY5"/>
+              </a:cxn>
+              <a:cxn ang="0">
+                <a:pos x="connsiteX6" y="connsiteY6"/>
+              </a:cxn>
+              <a:cxn ang="0">
+                <a:pos x="connsiteX7" y="connsiteY7"/>
+              </a:cxn>
+              <a:cxn ang="0">
+                <a:pos x="connsiteX8" y="connsiteY8"/>
+              </a:cxn>
+              <a:cxn ang="0">
+                <a:pos x="connsiteX9" y="connsiteY9"/>
+              </a:cxn>
+              <a:cxn ang="0">
+                <a:pos x="connsiteX10" y="connsiteY10"/>
+              </a:cxn>
+              <a:cxn ang="0">
+                <a:pos x="connsiteX11" y="connsiteY11"/>
+              </a:cxn>
+              <a:cxn ang="0">
+                <a:pos x="connsiteX12" y="connsiteY12"/>
+              </a:cxn>
+              <a:cxn ang="0">
+                <a:pos x="connsiteX13" y="connsiteY13"/>
+              </a:cxn>
+            </a:cxnLst>
+            <a:rect l="l" t="t" r="r" b="b"/>
+            <a:pathLst>
+              <a:path w="4230047" h="3809998">
+                <a:moveTo>
+                  <a:pt x="2183095" y="18"/>
+                </a:moveTo>
+                <a:cubicBezTo>
+                  <a:pt x="2652021" y="-4644"/>
+                  <a:pt x="3095337" y="947177"/>
+                  <a:pt x="3425027" y="1440808"/>
+                </a:cubicBezTo>
+                <a:cubicBezTo>
+                  <a:pt x="3436611" y="1458213"/>
+                  <a:pt x="3455517" y="1484325"/>
+                  <a:pt x="3480109" y="1517586"/>
+                </a:cubicBezTo>
+                <a:cubicBezTo>
+                  <a:pt x="3749371" y="1882737"/>
+                  <a:pt x="4144039" y="2208821"/>
+                  <a:pt x="4221130" y="2801399"/>
+                </a:cubicBezTo>
+                <a:lnTo>
+                  <a:pt x="4230047" y="2899961"/>
+                </a:lnTo>
+                <a:lnTo>
+                  <a:pt x="4230047" y="3224568"/>
+                </a:lnTo>
+                <a:lnTo>
+                  <a:pt x="4220577" y="3329167"/>
+                </a:lnTo>
+                <a:cubicBezTo>
+                  <a:pt x="4200561" y="3491518"/>
+                  <a:pt x="4161725" y="3630719"/>
+                  <a:pt x="4108028" y="3749750"/>
+                </a:cubicBezTo>
+                <a:lnTo>
+                  <a:pt x="4077743" y="3809998"/>
+                </a:lnTo>
+                <a:lnTo>
+                  <a:pt x="892220" y="3809998"/>
+                </a:lnTo>
+                <a:lnTo>
+                  <a:pt x="840654" y="3790763"/>
+                </a:lnTo>
+                <a:cubicBezTo>
+                  <a:pt x="487979" y="3656637"/>
+                  <a:pt x="58498" y="3454097"/>
+                  <a:pt x="5750" y="2913921"/>
+                </a:cubicBezTo>
+                <a:cubicBezTo>
+                  <a:pt x="-64577" y="2192439"/>
+                  <a:pt x="527932" y="1403503"/>
+                  <a:pt x="819614" y="1008105"/>
+                </a:cubicBezTo>
+                <a:cubicBezTo>
+                  <a:pt x="1190771" y="504837"/>
+                  <a:pt x="1667013" y="5308"/>
+                  <a:pt x="2183095" y="18"/>
+                </a:cubicBezTo>
+                <a:close/>
+              </a:path>
+            </a:pathLst>
+          </a:custGeom>
+          <a:solidFill>
+            <a:schemeClr val="accent6"/>
+          </a:solidFill>
+          <a:ln>
+            <a:noFill/>
+          </a:ln>
+        </p:spPr>
+        <p:style>
+          <a:lnRef idx="2">
+            <a:schemeClr val="accent1">
+              <a:shade val="50000"/>
+            </a:schemeClr>
+          </a:lnRef>
+          <a:fillRef idx="1">
+            <a:schemeClr val="accent1"/>
+          </a:fillRef>
+          <a:effectRef idx="0">
+            <a:schemeClr val="accent1"/>
+          </a:effectRef>
+          <a:fontRef idx="minor">
+            <a:schemeClr val="lt1"/>
+          </a:fontRef>
+        </p:style>
+        <p:txBody>
+          <a:bodyPr rtlCol="0" anchor="ctr"/>
+          <a:lstStyle/>
+          <a:p>
+            <a:pPr algn="ctr"/>
+            <a:endParaRPr lang="en-US"/>
+          </a:p>
+        </p:txBody>
+      </p:sp>
+      <p:sp>
+        <p:nvSpPr>
+          <p:cNvPr id="51" name="Freeform: Shape 50">
+            <a:extLst>
+              <a:ext uri="{FF2B5EF4-FFF2-40B4-BE49-F238E27FC236}">
+                <a16:creationId xmlns:a16="http://schemas.microsoft.com/office/drawing/2014/main" id="{D3EC99D5-86FA-4CD7-95CF-B41FC946A1E8}"/>
+              </a:ext>
+              <a:ext uri="{C183D7F6-B498-43B3-948B-1728B52AA6E4}">
+                <adec:decorative xmlns:adec="http://schemas.microsoft.com/office/drawing/2017/decorative" val="1"/>
+              </a:ext>
+            </a:extLst>
+          </p:cNvPr>
+          <p:cNvSpPr>
+            <a:spLocks noGrp="1" noRot="1" noChangeAspect="1" noMove="1" noResize="1" noEditPoints="1" noAdjustHandles="1" noChangeArrowheads="1" noChangeShapeType="1" noTextEdit="1"/>
+          </p:cNvSpPr>
+          <p:nvPr>
+            <p:extLst>
+              <p:ext uri="{386F3935-93C4-4BCD-93E2-E3B085C9AB24}">
+                <p16:designElem xmlns:p16="http://schemas.microsoft.com/office/powerpoint/2015/main" val="1"/>
+              </p:ext>
+            </p:extLst>
+          </p:nvPr>
+        </p:nvSpPr>
+        <p:spPr>
+          <a:xfrm rot="14885154" flipH="1">
+            <a:off x="7183784" y="-2578519"/>
+            <a:ext cx="3825181" cy="6243456"/>
           </a:xfrm>
           <a:custGeom>
             <a:avLst/>
@@ -9161,36 +15881,12 @@
           <a:bodyPr rtlCol="0" anchor="ctr"/>
           <a:lstStyle/>
           <a:p>
-            <a:pPr marL="0" marR="0" lvl="0" indent="0" algn="ctr" defTabSz="914400" rtl="0" eaLnBrk="1" fontAlgn="auto" latinLnBrk="0" hangingPunct="1">
-              <a:lnSpc>
-                <a:spcPct val="100000"/>
-              </a:lnSpc>
-              <a:spcBef>
-                <a:spcPts val="0"/>
-              </a:spcBef>
-              <a:spcAft>
-                <a:spcPts val="0"/>
-              </a:spcAft>
-              <a:buClrTx/>
-              <a:buSzTx/>
-              <a:buFontTx/>
-              <a:buNone/>
-              <a:tabLst/>
-              <a:defRPr/>
-            </a:pPr>
-            <a:endParaRPr kumimoji="0" lang="en-US" sz="1800" b="0" i="0" u="none" strike="noStrike" kern="1200" cap="none" spc="0" normalizeH="0" baseline="0" noProof="0">
-              <a:ln>
-                <a:noFill/>
-              </a:ln>
+            <a:pPr algn="ctr"/>
+            <a:endParaRPr lang="en-US">
               <a:solidFill>
                 <a:prstClr val="white"/>
               </a:solidFill>
-              <a:effectLst/>
-              <a:uLnTx/>
-              <a:uFillTx/>
               <a:latin typeface="Avenir Next LT Pro Light"/>
-              <a:ea typeface="+mn-ea"/>
-              <a:cs typeface="+mn-cs"/>
             </a:endParaRPr>
           </a:p>
         </p:txBody>
@@ -9213,8 +15909,8 @@
         </p:nvSpPr>
         <p:spPr>
           <a:xfrm>
-            <a:off x="762000" y="1524000"/>
-            <a:ext cx="4572000" cy="2286000"/>
+            <a:off x="2286000" y="2292351"/>
+            <a:ext cx="6096000" cy="1517647"/>
           </a:xfrm>
         </p:spPr>
         <p:txBody>
@@ -9239,30 +15935,108 @@
       </p:sp>
       <p:pic>
         <p:nvPicPr>
-          <p:cNvPr id="4" name="image2.png" descr="Diagram&#10;&#10;Description automatically generated">
+          <p:cNvPr id="6" name="Tijdelijke aanduiding voor inhoud 5" descr="Afbeelding met tekst, illustratie, vectorafbeeldingen&#10;&#10;Automatisch gegenereerde beschrijving">
             <a:extLst>
               <a:ext uri="{FF2B5EF4-FFF2-40B4-BE49-F238E27FC236}">
-                <a16:creationId xmlns:a16="http://schemas.microsoft.com/office/drawing/2014/main" id="{64F64F27-0F7F-4999-B386-2BD142C41DED}"/>
+                <a16:creationId xmlns:a16="http://schemas.microsoft.com/office/drawing/2014/main" id="{0DB5EF75-926D-4C38-9677-4D4555C04B78}"/>
               </a:ext>
             </a:extLst>
           </p:cNvPr>
           <p:cNvPicPr>
-            <a:picLocks noGrp="1"/>
+            <a:picLocks noGrp="1" noChangeAspect="1"/>
           </p:cNvPicPr>
           <p:nvPr>
             <p:ph idx="1"/>
           </p:nvPr>
         </p:nvPicPr>
         <p:blipFill>
-          <a:blip r:embed="rId2"/>
+          <a:blip r:embed="rId2">
+            <a:extLst>
+              <a:ext uri="{28A0092B-C50C-407E-A947-70E740481C1C}">
+                <a14:useLocalDpi xmlns:a14="http://schemas.microsoft.com/office/drawing/2010/main" val="0"/>
+              </a:ext>
+            </a:extLst>
+          </a:blip>
           <a:stretch>
             <a:fillRect/>
           </a:stretch>
         </p:blipFill>
         <p:spPr>
           <a:xfrm>
-            <a:off x="6786562" y="117437"/>
-            <a:ext cx="4572000" cy="3885127"/>
+            <a:off x="6970967" y="159501"/>
+            <a:ext cx="2149476" cy="1843175"/>
+          </a:xfrm>
+          <a:prstGeom prst="rect">
+            <a:avLst/>
+          </a:prstGeom>
+        </p:spPr>
+      </p:pic>
+      <p:pic>
+        <p:nvPicPr>
+          <p:cNvPr id="5" name="Afbeelding 4">
+            <a:extLst>
+              <a:ext uri="{FF2B5EF4-FFF2-40B4-BE49-F238E27FC236}">
+                <a16:creationId xmlns:a16="http://schemas.microsoft.com/office/drawing/2014/main" id="{1F366003-65A5-4F82-9753-4F50FA0359B5}"/>
+              </a:ext>
+            </a:extLst>
+          </p:cNvPr>
+          <p:cNvPicPr>
+            <a:picLocks noChangeAspect="1"/>
+          </p:cNvPicPr>
+          <p:nvPr/>
+        </p:nvPicPr>
+        <p:blipFill>
+          <a:blip r:embed="rId3">
+            <a:extLst>
+              <a:ext uri="{28A0092B-C50C-407E-A947-70E740481C1C}">
+                <a14:useLocalDpi xmlns:a14="http://schemas.microsoft.com/office/drawing/2010/main" val="0"/>
+              </a:ext>
+            </a:extLst>
+          </a:blip>
+          <a:stretch>
+            <a:fillRect/>
+          </a:stretch>
+        </p:blipFill>
+        <p:spPr>
+          <a:xfrm>
+            <a:off x="2" y="2738437"/>
+            <a:ext cx="2143125" cy="2143125"/>
+          </a:xfrm>
+          <a:prstGeom prst="rect">
+            <a:avLst/>
+          </a:prstGeom>
+        </p:spPr>
+      </p:pic>
+      <p:pic>
+        <p:nvPicPr>
+          <p:cNvPr id="7" name="Afbeelding 6">
+            <a:extLst>
+              <a:ext uri="{FF2B5EF4-FFF2-40B4-BE49-F238E27FC236}">
+                <a16:creationId xmlns:a16="http://schemas.microsoft.com/office/drawing/2014/main" id="{0DEB090E-EB2B-43FF-931A-A7ED33B73407}"/>
+              </a:ext>
+            </a:extLst>
+          </p:cNvPr>
+          <p:cNvPicPr>
+            <a:picLocks noChangeAspect="1"/>
+          </p:cNvPicPr>
+          <p:nvPr/>
+        </p:nvPicPr>
+        <p:blipFill>
+          <a:blip r:embed="rId4">
+            <a:extLst>
+              <a:ext uri="{28A0092B-C50C-407E-A947-70E740481C1C}">
+                <a14:useLocalDpi xmlns:a14="http://schemas.microsoft.com/office/drawing/2010/main" val="0"/>
+              </a:ext>
+            </a:extLst>
+          </a:blip>
+          <a:stretch>
+            <a:fillRect/>
+          </a:stretch>
+        </p:blipFill>
+        <p:spPr>
+          <a:xfrm>
+            <a:off x="6684947" y="4195976"/>
+            <a:ext cx="5243014" cy="2118544"/>
           </a:xfrm>
           <a:prstGeom prst="rect">
             <a:avLst/>
@@ -9282,7 +16056,7 @@
 </p:sld>
 </file>
 
-<file path=ppt/slides/slide5.xml><?xml version="1.0" encoding="utf-8"?>
+<file path=ppt/slides/slide7.xml><?xml version="1.0" encoding="utf-8"?>
 <p:sld xmlns:a="http://schemas.openxmlformats.org/drawingml/2006/main" xmlns:r="http://schemas.openxmlformats.org/officeDocument/2006/relationships" xmlns:p="http://schemas.openxmlformats.org/presentationml/2006/main">
   <p:cSld>
     <p:bg>
@@ -9941,7 +16715,469 @@
 </p:sld>
 </file>
 
-<file path=ppt/slides/slide6.xml><?xml version="1.0" encoding="utf-8"?>
+<file path=ppt/slides/slide8.xml><?xml version="1.0" encoding="utf-8"?>
+<p:sld xmlns:a="http://schemas.openxmlformats.org/drawingml/2006/main" xmlns:r="http://schemas.openxmlformats.org/officeDocument/2006/relationships" xmlns:p="http://schemas.openxmlformats.org/presentationml/2006/main">
+  <p:cSld>
+    <p:bg>
+      <p:bgPr>
+        <a:solidFill>
+          <a:schemeClr val="bg2"/>
+        </a:solidFill>
+        <a:effectLst/>
+      </p:bgPr>
+    </p:bg>
+    <p:spTree>
+      <p:nvGrpSpPr>
+        <p:cNvPr id="1" name=""/>
+        <p:cNvGrpSpPr/>
+        <p:nvPr/>
+      </p:nvGrpSpPr>
+      <p:grpSpPr>
+        <a:xfrm>
+          <a:off x="0" y="0"/>
+          <a:ext cx="0" cy="0"/>
+          <a:chOff x="0" y="0"/>
+          <a:chExt cx="0" cy="0"/>
+        </a:xfrm>
+      </p:grpSpPr>
+      <p:sp useBgFill="1">
+        <p:nvSpPr>
+          <p:cNvPr id="15" name="Rectangle 8">
+            <a:extLst>
+              <a:ext uri="{FF2B5EF4-FFF2-40B4-BE49-F238E27FC236}">
+                <a16:creationId xmlns:a16="http://schemas.microsoft.com/office/drawing/2014/main" id="{987A0FBA-CC04-4256-A8EB-BB3C543E989C}"/>
+              </a:ext>
+              <a:ext uri="{C183D7F6-B498-43B3-948B-1728B52AA6E4}">
+                <adec:decorative xmlns:adec="http://schemas.microsoft.com/office/drawing/2017/decorative" val="1"/>
+              </a:ext>
+            </a:extLst>
+          </p:cNvPr>
+          <p:cNvSpPr>
+            <a:spLocks noGrp="1" noRot="1" noChangeAspect="1" noMove="1" noResize="1" noEditPoints="1" noAdjustHandles="1" noChangeArrowheads="1" noChangeShapeType="1" noTextEdit="1"/>
+          </p:cNvSpPr>
+          <p:nvPr>
+            <p:extLst>
+              <p:ext uri="{386F3935-93C4-4BCD-93E2-E3B085C9AB24}">
+                <p16:designElem xmlns:p16="http://schemas.microsoft.com/office/powerpoint/2015/main" val="1"/>
+              </p:ext>
+            </p:extLst>
+          </p:nvPr>
+        </p:nvSpPr>
+        <p:spPr>
+          <a:xfrm>
+            <a:off x="0" y="0"/>
+            <a:ext cx="12192000" cy="6858000"/>
+          </a:xfrm>
+          <a:prstGeom prst="rect">
+            <a:avLst/>
+          </a:prstGeom>
+          <a:ln w="12700" cap="flat" cmpd="sng" algn="ctr">
+            <a:noFill/>
+            <a:prstDash val="solid"/>
+            <a:miter lim="800000"/>
+          </a:ln>
+          <a:effectLst/>
+          <a:extLst>
+            <a:ext uri="{91240B29-F687-4F45-9708-019B960494DF}">
+              <a14:hiddenLine xmlns:a14="http://schemas.microsoft.com/office/drawing/2010/main" w="12700" cap="flat" cmpd="sng" algn="ctr">
+                <a:solidFill>
+                  <a:schemeClr val="accent1">
+                    <a:shade val="50000"/>
+                  </a:schemeClr>
+                </a:solidFill>
+                <a:prstDash val="solid"/>
+                <a:miter lim="800000"/>
+              </a14:hiddenLine>
+            </a:ext>
+          </a:extLst>
+        </p:spPr>
+        <p:style>
+          <a:lnRef idx="2">
+            <a:schemeClr val="accent1">
+              <a:shade val="50000"/>
+            </a:schemeClr>
+          </a:lnRef>
+          <a:fillRef idx="1">
+            <a:schemeClr val="accent1"/>
+          </a:fillRef>
+          <a:effectRef idx="0">
+            <a:schemeClr val="accent1"/>
+          </a:effectRef>
+          <a:fontRef idx="minor">
+            <a:schemeClr val="lt1"/>
+          </a:fontRef>
+        </p:style>
+        <p:txBody>
+          <a:bodyPr rtlCol="0" anchor="ctr"/>
+          <a:lstStyle/>
+          <a:p>
+            <a:pPr algn="ctr"/>
+            <a:endParaRPr lang="en-US"/>
+          </a:p>
+        </p:txBody>
+      </p:sp>
+      <p:pic>
+        <p:nvPicPr>
+          <p:cNvPr id="16" name="Picture 4">
+            <a:extLst>
+              <a:ext uri="{FF2B5EF4-FFF2-40B4-BE49-F238E27FC236}">
+                <a16:creationId xmlns:a16="http://schemas.microsoft.com/office/drawing/2014/main" id="{261C1D4C-1C0A-57D5-FF89-472E7C949B91}"/>
+              </a:ext>
+            </a:extLst>
+          </p:cNvPr>
+          <p:cNvPicPr>
+            <a:picLocks noChangeAspect="1"/>
+          </p:cNvPicPr>
+          <p:nvPr/>
+        </p:nvPicPr>
+        <p:blipFill rotWithShape="1">
+          <a:blip r:embed="rId2"/>
+          <a:srcRect l="25778" r="22165" b="-1"/>
+          <a:stretch/>
+        </p:blipFill>
+        <p:spPr>
+          <a:xfrm>
+            <a:off x="6613174" y="10"/>
+            <a:ext cx="5578824" cy="6028246"/>
+          </a:xfrm>
+          <a:custGeom>
+            <a:avLst/>
+            <a:gdLst/>
+            <a:ahLst/>
+            <a:cxnLst/>
+            <a:rect l="l" t="t" r="r" b="b"/>
+            <a:pathLst>
+              <a:path w="5578824" h="6028256">
+                <a:moveTo>
+                  <a:pt x="1681218" y="0"/>
+                </a:moveTo>
+                <a:lnTo>
+                  <a:pt x="5578824" y="0"/>
+                </a:lnTo>
+                <a:lnTo>
+                  <a:pt x="5578824" y="5760161"/>
+                </a:lnTo>
+                <a:lnTo>
+                  <a:pt x="5441231" y="5804042"/>
+                </a:lnTo>
+                <a:cubicBezTo>
+                  <a:pt x="5079089" y="5907589"/>
+                  <a:pt x="4674877" y="5944442"/>
+                  <a:pt x="4253224" y="5980388"/>
+                </a:cubicBezTo>
+                <a:cubicBezTo>
+                  <a:pt x="2813852" y="6102970"/>
+                  <a:pt x="1551586" y="6071494"/>
+                  <a:pt x="837278" y="4877588"/>
+                </a:cubicBezTo>
+                <a:cubicBezTo>
+                  <a:pt x="529862" y="4363935"/>
+                  <a:pt x="255162" y="3847185"/>
+                  <a:pt x="109626" y="3329255"/>
+                </a:cubicBezTo>
+                <a:cubicBezTo>
+                  <a:pt x="-35907" y="2811325"/>
+                  <a:pt x="-52277" y="2292214"/>
+                  <a:pt x="156962" y="1773839"/>
+                </a:cubicBezTo>
+                <a:cubicBezTo>
+                  <a:pt x="296494" y="1428108"/>
+                  <a:pt x="536161" y="1082881"/>
+                  <a:pt x="904890" y="738354"/>
+                </a:cubicBezTo>
+                <a:cubicBezTo>
+                  <a:pt x="1036690" y="615181"/>
+                  <a:pt x="1169968" y="488910"/>
+                  <a:pt x="1304592" y="360545"/>
+                </a:cubicBezTo>
+                <a:close/>
+              </a:path>
+            </a:pathLst>
+          </a:custGeom>
+        </p:spPr>
+      </p:pic>
+      <p:sp>
+        <p:nvSpPr>
+          <p:cNvPr id="17" name="Freeform: Shape 10">
+            <a:extLst>
+              <a:ext uri="{FF2B5EF4-FFF2-40B4-BE49-F238E27FC236}">
+                <a16:creationId xmlns:a16="http://schemas.microsoft.com/office/drawing/2014/main" id="{3362A0EA-3E81-4464-94B8-70BE5870EDC0}"/>
+              </a:ext>
+              <a:ext uri="{C183D7F6-B498-43B3-948B-1728B52AA6E4}">
+                <adec:decorative xmlns:adec="http://schemas.microsoft.com/office/drawing/2017/decorative" val="1"/>
+              </a:ext>
+            </a:extLst>
+          </p:cNvPr>
+          <p:cNvSpPr>
+            <a:spLocks noGrp="1" noRot="1" noChangeAspect="1" noMove="1" noResize="1" noEditPoints="1" noAdjustHandles="1" noChangeArrowheads="1" noChangeShapeType="1" noTextEdit="1"/>
+          </p:cNvSpPr>
+          <p:nvPr>
+            <p:extLst>
+              <p:ext uri="{386F3935-93C4-4BCD-93E2-E3B085C9AB24}">
+                <p16:designElem xmlns:p16="http://schemas.microsoft.com/office/powerpoint/2015/main" val="1"/>
+              </p:ext>
+            </p:extLst>
+          </p:nvPr>
+        </p:nvSpPr>
+        <p:spPr>
+          <a:xfrm flipH="1">
+            <a:off x="6487883" y="0"/>
+            <a:ext cx="5704117" cy="6096000"/>
+          </a:xfrm>
+          <a:custGeom>
+            <a:avLst/>
+            <a:gdLst>
+              <a:gd name="connsiteX0" fmla="*/ 0 w 5704117"/>
+              <a:gd name="connsiteY0" fmla="*/ 0 h 6096000"/>
+              <a:gd name="connsiteX1" fmla="*/ 4562795 w 5704117"/>
+              <a:gd name="connsiteY1" fmla="*/ 0 h 6096000"/>
+              <a:gd name="connsiteX2" fmla="*/ 4721192 w 5704117"/>
+              <a:gd name="connsiteY2" fmla="*/ 133595 h 6096000"/>
+              <a:gd name="connsiteX3" fmla="*/ 5467522 w 5704117"/>
+              <a:gd name="connsiteY3" fmla="*/ 1054328 h 6096000"/>
+              <a:gd name="connsiteX4" fmla="*/ 5538873 w 5704117"/>
+              <a:gd name="connsiteY4" fmla="*/ 2897564 h 6096000"/>
+              <a:gd name="connsiteX5" fmla="*/ 4442050 w 5704117"/>
+              <a:gd name="connsiteY5" fmla="*/ 4732407 h 6096000"/>
+              <a:gd name="connsiteX6" fmla="*/ 93046 w 5704117"/>
+              <a:gd name="connsiteY6" fmla="*/ 6082857 h 6096000"/>
+              <a:gd name="connsiteX7" fmla="*/ 0 w 5704117"/>
+              <a:gd name="connsiteY7" fmla="*/ 6078450 h 6096000"/>
+              <a:gd name="connsiteX0" fmla="*/ 4562795 w 5704117"/>
+              <a:gd name="connsiteY0" fmla="*/ 0 h 6096000"/>
+              <a:gd name="connsiteX1" fmla="*/ 4721192 w 5704117"/>
+              <a:gd name="connsiteY1" fmla="*/ 133595 h 6096000"/>
+              <a:gd name="connsiteX2" fmla="*/ 5467522 w 5704117"/>
+              <a:gd name="connsiteY2" fmla="*/ 1054328 h 6096000"/>
+              <a:gd name="connsiteX3" fmla="*/ 5538873 w 5704117"/>
+              <a:gd name="connsiteY3" fmla="*/ 2897564 h 6096000"/>
+              <a:gd name="connsiteX4" fmla="*/ 4442050 w 5704117"/>
+              <a:gd name="connsiteY4" fmla="*/ 4732407 h 6096000"/>
+              <a:gd name="connsiteX5" fmla="*/ 93046 w 5704117"/>
+              <a:gd name="connsiteY5" fmla="*/ 6082857 h 6096000"/>
+              <a:gd name="connsiteX6" fmla="*/ 0 w 5704117"/>
+              <a:gd name="connsiteY6" fmla="*/ 6078450 h 6096000"/>
+              <a:gd name="connsiteX7" fmla="*/ 91440 w 5704117"/>
+              <a:gd name="connsiteY7" fmla="*/ 91440 h 6096000"/>
+              <a:gd name="connsiteX0" fmla="*/ 4562795 w 5704117"/>
+              <a:gd name="connsiteY0" fmla="*/ 0 h 6096000"/>
+              <a:gd name="connsiteX1" fmla="*/ 4721192 w 5704117"/>
+              <a:gd name="connsiteY1" fmla="*/ 133595 h 6096000"/>
+              <a:gd name="connsiteX2" fmla="*/ 5467522 w 5704117"/>
+              <a:gd name="connsiteY2" fmla="*/ 1054328 h 6096000"/>
+              <a:gd name="connsiteX3" fmla="*/ 5538873 w 5704117"/>
+              <a:gd name="connsiteY3" fmla="*/ 2897564 h 6096000"/>
+              <a:gd name="connsiteX4" fmla="*/ 4442050 w 5704117"/>
+              <a:gd name="connsiteY4" fmla="*/ 4732407 h 6096000"/>
+              <a:gd name="connsiteX5" fmla="*/ 93046 w 5704117"/>
+              <a:gd name="connsiteY5" fmla="*/ 6082857 h 6096000"/>
+              <a:gd name="connsiteX6" fmla="*/ 0 w 5704117"/>
+              <a:gd name="connsiteY6" fmla="*/ 6078450 h 6096000"/>
+            </a:gdLst>
+            <a:ahLst/>
+            <a:cxnLst>
+              <a:cxn ang="0">
+                <a:pos x="connsiteX0" y="connsiteY0"/>
+              </a:cxn>
+              <a:cxn ang="0">
+                <a:pos x="connsiteX1" y="connsiteY1"/>
+              </a:cxn>
+              <a:cxn ang="0">
+                <a:pos x="connsiteX2" y="connsiteY2"/>
+              </a:cxn>
+              <a:cxn ang="0">
+                <a:pos x="connsiteX3" y="connsiteY3"/>
+              </a:cxn>
+              <a:cxn ang="0">
+                <a:pos x="connsiteX4" y="connsiteY4"/>
+              </a:cxn>
+              <a:cxn ang="0">
+                <a:pos x="connsiteX5" y="connsiteY5"/>
+              </a:cxn>
+              <a:cxn ang="0">
+                <a:pos x="connsiteX6" y="connsiteY6"/>
+              </a:cxn>
+            </a:cxnLst>
+            <a:rect l="l" t="t" r="r" b="b"/>
+            <a:pathLst>
+              <a:path w="5704117" h="6096000">
+                <a:moveTo>
+                  <a:pt x="4562795" y="0"/>
+                </a:moveTo>
+                <a:lnTo>
+                  <a:pt x="4721192" y="133595"/>
+                </a:lnTo>
+                <a:cubicBezTo>
+                  <a:pt x="5067135" y="440105"/>
+                  <a:pt x="5309779" y="747048"/>
+                  <a:pt x="5467522" y="1054328"/>
+                </a:cubicBezTo>
+                <a:cubicBezTo>
+                  <a:pt x="5782917" y="1668625"/>
+                  <a:pt x="5758242" y="2283795"/>
+                  <a:pt x="5538873" y="2897564"/>
+                </a:cubicBezTo>
+                <a:cubicBezTo>
+                  <a:pt x="5319500" y="3511334"/>
+                  <a:pt x="4905433" y="4123706"/>
+                  <a:pt x="4442050" y="4732407"/>
+                </a:cubicBezTo>
+                <a:cubicBezTo>
+                  <a:pt x="3499930" y="5970384"/>
+                  <a:pt x="1925433" y="6153690"/>
+                  <a:pt x="93046" y="6082857"/>
+                </a:cubicBezTo>
+                <a:lnTo>
+                  <a:pt x="0" y="6078450"/>
+                </a:lnTo>
+              </a:path>
+            </a:pathLst>
+          </a:custGeom>
+          <a:noFill/>
+          <a:ln w="19050">
+            <a:solidFill>
+              <a:schemeClr val="accent2">
+                <a:lumMod val="60000"/>
+                <a:lumOff val="40000"/>
+              </a:schemeClr>
+            </a:solidFill>
+          </a:ln>
+        </p:spPr>
+        <p:style>
+          <a:lnRef idx="2">
+            <a:schemeClr val="accent1">
+              <a:shade val="50000"/>
+            </a:schemeClr>
+          </a:lnRef>
+          <a:fillRef idx="1">
+            <a:schemeClr val="accent1"/>
+          </a:fillRef>
+          <a:effectRef idx="0">
+            <a:schemeClr val="accent1"/>
+          </a:effectRef>
+          <a:fontRef idx="minor">
+            <a:schemeClr val="lt1"/>
+          </a:fontRef>
+        </p:style>
+        <p:txBody>
+          <a:bodyPr wrap="square" rtlCol="0" anchor="ctr">
+            <a:noAutofit/>
+          </a:bodyPr>
+          <a:lstStyle/>
+          <a:p>
+            <a:pPr algn="ctr"/>
+            <a:endParaRPr lang="en-US">
+              <a:solidFill>
+                <a:prstClr val="white"/>
+              </a:solidFill>
+              <a:latin typeface="Avenir Next LT Pro Light"/>
+            </a:endParaRPr>
+          </a:p>
+        </p:txBody>
+      </p:sp>
+      <p:sp>
+        <p:nvSpPr>
+          <p:cNvPr id="3" name="Tijdelijke aanduiding voor inhoud 2">
+            <a:extLst>
+              <a:ext uri="{FF2B5EF4-FFF2-40B4-BE49-F238E27FC236}">
+                <a16:creationId xmlns:a16="http://schemas.microsoft.com/office/drawing/2014/main" id="{19F7A381-5E67-4D8C-B13A-65FA52771B93}"/>
+              </a:ext>
+            </a:extLst>
+          </p:cNvPr>
+          <p:cNvSpPr>
+            <a:spLocks noGrp="1"/>
+          </p:cNvSpPr>
+          <p:nvPr>
+            <p:ph idx="1"/>
+          </p:nvPr>
+        </p:nvSpPr>
+        <p:spPr>
+          <a:xfrm>
+            <a:off x="762000" y="2286000"/>
+            <a:ext cx="5334000" cy="3810001"/>
+          </a:xfrm>
+        </p:spPr>
+        <p:txBody>
+          <a:bodyPr>
+            <a:normAutofit/>
+          </a:bodyPr>
+          <a:lstStyle/>
+          <a:p>
+            <a:r>
+              <a:rPr lang="nl-NL" sz="2400"/>
+              <a:t>Conveyor belt</a:t>
+            </a:r>
+          </a:p>
+          <a:p>
+            <a:r>
+              <a:rPr lang="nl-NL" sz="2400"/>
+              <a:t>Automatic error handling</a:t>
+            </a:r>
+          </a:p>
+          <a:p>
+            <a:r>
+              <a:rPr lang="nl-NL" sz="2400"/>
+              <a:t>Expand dashboard</a:t>
+            </a:r>
+          </a:p>
+          <a:p>
+            <a:r>
+              <a:rPr lang="en-US" sz="2400"/>
+              <a:t>Make connections more secure / stable</a:t>
+            </a:r>
+          </a:p>
+        </p:txBody>
+      </p:sp>
+      <p:sp>
+        <p:nvSpPr>
+          <p:cNvPr id="2" name="Titel 1">
+            <a:extLst>
+              <a:ext uri="{FF2B5EF4-FFF2-40B4-BE49-F238E27FC236}">
+                <a16:creationId xmlns:a16="http://schemas.microsoft.com/office/drawing/2014/main" id="{D984C842-4FA5-4324-80FA-C67AA7024D07}"/>
+              </a:ext>
+            </a:extLst>
+          </p:cNvPr>
+          <p:cNvSpPr>
+            <a:spLocks noGrp="1"/>
+          </p:cNvSpPr>
+          <p:nvPr>
+            <p:ph type="title"/>
+          </p:nvPr>
+        </p:nvSpPr>
+        <p:spPr>
+          <a:xfrm>
+            <a:off x="762000" y="762000"/>
+            <a:ext cx="5334000" cy="1524000"/>
+          </a:xfrm>
+        </p:spPr>
+        <p:txBody>
+          <a:bodyPr>
+            <a:normAutofit/>
+          </a:bodyPr>
+          <a:lstStyle/>
+          <a:p>
+            <a:r>
+              <a:rPr lang="nl-NL" sz="3200"/>
+              <a:t>Future plans</a:t>
+            </a:r>
+            <a:endParaRPr lang="en-US" sz="3200"/>
+          </a:p>
+        </p:txBody>
+      </p:sp>
+    </p:spTree>
+    <p:extLst>
+      <p:ext uri="{BB962C8B-B14F-4D97-AF65-F5344CB8AC3E}">
+        <p14:creationId xmlns:p14="http://schemas.microsoft.com/office/powerpoint/2010/main" val="1530149802"/>
+      </p:ext>
+    </p:extLst>
+  </p:cSld>
+  <p:clrMapOvr>
+    <a:masterClrMapping/>
+  </p:clrMapOvr>
+</p:sld>
+</file>
+
+<file path=ppt/slides/slide9.xml><?xml version="1.0" encoding="utf-8"?>
 <p:sld xmlns:a="http://schemas.openxmlformats.org/drawingml/2006/main" xmlns:r="http://schemas.openxmlformats.org/officeDocument/2006/relationships" xmlns:p="http://schemas.openxmlformats.org/presentationml/2006/main">
   <p:cSld>
     <p:bg>
